--- a/Apresentação-PI.pptx
+++ b/Apresentação-PI.pptx
@@ -14,12 +14,11 @@
     <p:sldId id="262" r:id="rId8"/>
     <p:sldId id="266" r:id="rId9"/>
     <p:sldId id="267" r:id="rId10"/>
-    <p:sldId id="269" r:id="rId11"/>
-    <p:sldId id="270" r:id="rId12"/>
-    <p:sldId id="263" r:id="rId13"/>
-    <p:sldId id="272" r:id="rId14"/>
-    <p:sldId id="268" r:id="rId15"/>
-    <p:sldId id="271" r:id="rId16"/>
+    <p:sldId id="263" r:id="rId11"/>
+    <p:sldId id="272" r:id="rId12"/>
+    <p:sldId id="274" r:id="rId13"/>
+    <p:sldId id="268" r:id="rId14"/>
+    <p:sldId id="271" r:id="rId15"/>
   </p:sldIdLst>
   <p:sldSz cx="12192000" cy="6858000"/>
   <p:notesSz cx="6858000" cy="9144000"/>
@@ -118,7 +117,357 @@
       </a:defRPr>
     </a:lvl9pPr>
   </p:defaultTextStyle>
+  <p:extLst>
+    <p:ext uri="{EFAFB233-063F-42B5-8137-9DF3F51BA10A}">
+      <p15:sldGuideLst xmlns:p15="http://schemas.microsoft.com/office/powerpoint/2012/main"/>
+    </p:ext>
+  </p:extLst>
 </p:presentation>
+</file>
+
+<file path=ppt/revisionInfo.xml><?xml version="1.0" encoding="utf-8"?>
+<p1510:revInfo xmlns:a="http://schemas.openxmlformats.org/drawingml/2006/main" xmlns:r="http://schemas.openxmlformats.org/officeDocument/2006/relationships" xmlns:p1510="http://schemas.microsoft.com/office/powerpoint/2015/10/main">
+  <p1510:revLst>
+    <p1510:client id="{11A5A484-6674-47A7-A76F-83C5C144014D}" v="5" dt="2019-10-21T01:58:44.542"/>
+  </p1510:revLst>
+</p1510:revInfo>
+</file>
+
+<file path=ppt/changesInfos/changesInfo1.xml><?xml version="1.0" encoding="utf-8"?>
+<pc:chgInfo xmlns:a="http://schemas.openxmlformats.org/drawingml/2006/main" xmlns:r="http://schemas.openxmlformats.org/officeDocument/2006/relationships" xmlns:ac="http://schemas.microsoft.com/office/drawing/2013/main/command" xmlns:pc="http://schemas.microsoft.com/office/powerpoint/2013/main/command">
+  <pc:docChgLst>
+    <pc:chgData name="Amilton Jr" userId="ad12984f3bc06450" providerId="LiveId" clId="{11A5A484-6674-47A7-A76F-83C5C144014D}"/>
+    <pc:docChg chg="undo redo custSel mod addSld delSld modSld sldOrd">
+      <pc:chgData name="Amilton Jr" userId="ad12984f3bc06450" providerId="LiveId" clId="{11A5A484-6674-47A7-A76F-83C5C144014D}" dt="2019-10-21T01:59:04.875" v="189" actId="1076"/>
+      <pc:docMkLst>
+        <pc:docMk/>
+      </pc:docMkLst>
+      <pc:sldChg chg="modSp">
+        <pc:chgData name="Amilton Jr" userId="ad12984f3bc06450" providerId="LiveId" clId="{11A5A484-6674-47A7-A76F-83C5C144014D}" dt="2019-10-21T01:53:45.702" v="74" actId="2711"/>
+        <pc:sldMkLst>
+          <pc:docMk/>
+          <pc:sldMk cId="3312039311" sldId="260"/>
+        </pc:sldMkLst>
+        <pc:spChg chg="mod">
+          <ac:chgData name="Amilton Jr" userId="ad12984f3bc06450" providerId="LiveId" clId="{11A5A484-6674-47A7-A76F-83C5C144014D}" dt="2019-10-21T01:53:23.772" v="70" actId="2711"/>
+          <ac:spMkLst>
+            <pc:docMk/>
+            <pc:sldMk cId="3312039311" sldId="260"/>
+            <ac:spMk id="6" creationId="{1BBF277C-442D-4A6D-B886-DFDF3933062D}"/>
+          </ac:spMkLst>
+        </pc:spChg>
+        <pc:spChg chg="mod">
+          <ac:chgData name="Amilton Jr" userId="ad12984f3bc06450" providerId="LiveId" clId="{11A5A484-6674-47A7-A76F-83C5C144014D}" dt="2019-10-21T01:53:45.702" v="74" actId="2711"/>
+          <ac:spMkLst>
+            <pc:docMk/>
+            <pc:sldMk cId="3312039311" sldId="260"/>
+            <ac:spMk id="7" creationId="{5A2FDB67-8B38-4974-A336-07E8F1C5A6D6}"/>
+          </ac:spMkLst>
+        </pc:spChg>
+        <pc:spChg chg="mod">
+          <ac:chgData name="Amilton Jr" userId="ad12984f3bc06450" providerId="LiveId" clId="{11A5A484-6674-47A7-A76F-83C5C144014D}" dt="2019-10-21T01:53:45.702" v="74" actId="2711"/>
+          <ac:spMkLst>
+            <pc:docMk/>
+            <pc:sldMk cId="3312039311" sldId="260"/>
+            <ac:spMk id="8" creationId="{20057B7B-90E6-4955-8393-B8A7E4427835}"/>
+          </ac:spMkLst>
+        </pc:spChg>
+        <pc:spChg chg="mod">
+          <ac:chgData name="Amilton Jr" userId="ad12984f3bc06450" providerId="LiveId" clId="{11A5A484-6674-47A7-A76F-83C5C144014D}" dt="2019-10-21T01:53:45.702" v="74" actId="2711"/>
+          <ac:spMkLst>
+            <pc:docMk/>
+            <pc:sldMk cId="3312039311" sldId="260"/>
+            <ac:spMk id="13" creationId="{FD4A7CF0-DC38-4AC3-B269-187DB5CFD5ED}"/>
+          </ac:spMkLst>
+        </pc:spChg>
+      </pc:sldChg>
+      <pc:sldChg chg="addSp delSp modSp">
+        <pc:chgData name="Amilton Jr" userId="ad12984f3bc06450" providerId="LiveId" clId="{11A5A484-6674-47A7-A76F-83C5C144014D}" dt="2019-10-21T01:53:58.497" v="75" actId="2711"/>
+        <pc:sldMkLst>
+          <pc:docMk/>
+          <pc:sldMk cId="3556123582" sldId="261"/>
+        </pc:sldMkLst>
+        <pc:spChg chg="mod">
+          <ac:chgData name="Amilton Jr" userId="ad12984f3bc06450" providerId="LiveId" clId="{11A5A484-6674-47A7-A76F-83C5C144014D}" dt="2019-10-21T01:53:58.497" v="75" actId="2711"/>
+          <ac:spMkLst>
+            <pc:docMk/>
+            <pc:sldMk cId="3556123582" sldId="261"/>
+            <ac:spMk id="4" creationId="{CC213A2F-3DD1-4F69-B52E-7A39F4680115}"/>
+          </ac:spMkLst>
+        </pc:spChg>
+        <pc:spChg chg="del">
+          <ac:chgData name="Amilton Jr" userId="ad12984f3bc06450" providerId="LiveId" clId="{11A5A484-6674-47A7-A76F-83C5C144014D}" dt="2019-10-21T01:48:13.037" v="2" actId="478"/>
+          <ac:spMkLst>
+            <pc:docMk/>
+            <pc:sldMk cId="3556123582" sldId="261"/>
+            <ac:spMk id="6" creationId="{360E9249-D1AA-4F83-B37F-81D98D658848}"/>
+          </ac:spMkLst>
+        </pc:spChg>
+        <pc:picChg chg="add mod">
+          <ac:chgData name="Amilton Jr" userId="ad12984f3bc06450" providerId="LiveId" clId="{11A5A484-6674-47A7-A76F-83C5C144014D}" dt="2019-10-21T01:48:18.494" v="4" actId="1076"/>
+          <ac:picMkLst>
+            <pc:docMk/>
+            <pc:sldMk cId="3556123582" sldId="261"/>
+            <ac:picMk id="2" creationId="{B4B45C18-975A-4189-A681-5853606EC525}"/>
+          </ac:picMkLst>
+        </pc:picChg>
+        <pc:picChg chg="add del">
+          <ac:chgData name="Amilton Jr" userId="ad12984f3bc06450" providerId="LiveId" clId="{11A5A484-6674-47A7-A76F-83C5C144014D}" dt="2019-10-21T01:48:10.373" v="1" actId="478"/>
+          <ac:picMkLst>
+            <pc:docMk/>
+            <pc:sldMk cId="3556123582" sldId="261"/>
+            <ac:picMk id="5" creationId="{91E009F8-34B0-40DF-8DAC-294F04ABF0E9}"/>
+          </ac:picMkLst>
+        </pc:picChg>
+      </pc:sldChg>
+      <pc:sldChg chg="modSp">
+        <pc:chgData name="Amilton Jr" userId="ad12984f3bc06450" providerId="LiveId" clId="{11A5A484-6674-47A7-A76F-83C5C144014D}" dt="2019-10-21T01:54:04.455" v="76" actId="2711"/>
+        <pc:sldMkLst>
+          <pc:docMk/>
+          <pc:sldMk cId="2355396328" sldId="262"/>
+        </pc:sldMkLst>
+        <pc:spChg chg="mod">
+          <ac:chgData name="Amilton Jr" userId="ad12984f3bc06450" providerId="LiveId" clId="{11A5A484-6674-47A7-A76F-83C5C144014D}" dt="2019-10-21T01:54:04.455" v="76" actId="2711"/>
+          <ac:spMkLst>
+            <pc:docMk/>
+            <pc:sldMk cId="2355396328" sldId="262"/>
+            <ac:spMk id="3" creationId="{BF1F035C-B3CE-4CD7-B935-1EF938E567AD}"/>
+          </ac:spMkLst>
+        </pc:spChg>
+      </pc:sldChg>
+      <pc:sldChg chg="modSp">
+        <pc:chgData name="Amilton Jr" userId="ad12984f3bc06450" providerId="LiveId" clId="{11A5A484-6674-47A7-A76F-83C5C144014D}" dt="2019-10-21T01:54:58.282" v="83" actId="255"/>
+        <pc:sldMkLst>
+          <pc:docMk/>
+          <pc:sldMk cId="3688191614" sldId="263"/>
+        </pc:sldMkLst>
+        <pc:spChg chg="mod">
+          <ac:chgData name="Amilton Jr" userId="ad12984f3bc06450" providerId="LiveId" clId="{11A5A484-6674-47A7-A76F-83C5C144014D}" dt="2019-10-21T01:54:58.282" v="83" actId="255"/>
+          <ac:spMkLst>
+            <pc:docMk/>
+            <pc:sldMk cId="3688191614" sldId="263"/>
+            <ac:spMk id="3" creationId="{BF1F035C-B3CE-4CD7-B935-1EF938E567AD}"/>
+          </ac:spMkLst>
+        </pc:spChg>
+      </pc:sldChg>
+      <pc:sldChg chg="modSp">
+        <pc:chgData name="Amilton Jr" userId="ad12984f3bc06450" providerId="LiveId" clId="{11A5A484-6674-47A7-A76F-83C5C144014D}" dt="2019-10-21T01:54:10.352" v="77" actId="2711"/>
+        <pc:sldMkLst>
+          <pc:docMk/>
+          <pc:sldMk cId="1536616728" sldId="266"/>
+        </pc:sldMkLst>
+        <pc:spChg chg="mod">
+          <ac:chgData name="Amilton Jr" userId="ad12984f3bc06450" providerId="LiveId" clId="{11A5A484-6674-47A7-A76F-83C5C144014D}" dt="2019-10-21T01:54:10.352" v="77" actId="2711"/>
+          <ac:spMkLst>
+            <pc:docMk/>
+            <pc:sldMk cId="1536616728" sldId="266"/>
+            <ac:spMk id="2" creationId="{8BC56C71-4680-4AA5-812E-912A593164B9}"/>
+          </ac:spMkLst>
+        </pc:spChg>
+      </pc:sldChg>
+      <pc:sldChg chg="addSp delSp modSp mod setBg">
+        <pc:chgData name="Amilton Jr" userId="ad12984f3bc06450" providerId="LiveId" clId="{11A5A484-6674-47A7-A76F-83C5C144014D}" dt="2019-10-21T01:54:18.025" v="78" actId="2711"/>
+        <pc:sldMkLst>
+          <pc:docMk/>
+          <pc:sldMk cId="122470845" sldId="267"/>
+        </pc:sldMkLst>
+        <pc:spChg chg="mod">
+          <ac:chgData name="Amilton Jr" userId="ad12984f3bc06450" providerId="LiveId" clId="{11A5A484-6674-47A7-A76F-83C5C144014D}" dt="2019-10-21T01:54:18.025" v="78" actId="2711"/>
+          <ac:spMkLst>
+            <pc:docMk/>
+            <pc:sldMk cId="122470845" sldId="267"/>
+            <ac:spMk id="2" creationId="{8BC56C71-4680-4AA5-812E-912A593164B9}"/>
+          </ac:spMkLst>
+        </pc:spChg>
+        <pc:spChg chg="del">
+          <ac:chgData name="Amilton Jr" userId="ad12984f3bc06450" providerId="LiveId" clId="{11A5A484-6674-47A7-A76F-83C5C144014D}" dt="2019-10-21T01:51:49.298" v="6" actId="478"/>
+          <ac:spMkLst>
+            <pc:docMk/>
+            <pc:sldMk cId="122470845" sldId="267"/>
+            <ac:spMk id="3" creationId="{2272F8D8-67FB-48CE-8E34-F24D5C2BC4A5}"/>
+          </ac:spMkLst>
+        </pc:spChg>
+        <pc:spChg chg="del">
+          <ac:chgData name="Amilton Jr" userId="ad12984f3bc06450" providerId="LiveId" clId="{11A5A484-6674-47A7-A76F-83C5C144014D}" dt="2019-10-21T01:52:19.982" v="9" actId="26606"/>
+          <ac:spMkLst>
+            <pc:docMk/>
+            <pc:sldMk cId="122470845" sldId="267"/>
+            <ac:spMk id="9" creationId="{C5E6CFF1-2F42-4E10-9A97-F116F46F53FE}"/>
+          </ac:spMkLst>
+        </pc:spChg>
+        <pc:spChg chg="add">
+          <ac:chgData name="Amilton Jr" userId="ad12984f3bc06450" providerId="LiveId" clId="{11A5A484-6674-47A7-A76F-83C5C144014D}" dt="2019-10-21T01:52:19.982" v="9" actId="26606"/>
+          <ac:spMkLst>
+            <pc:docMk/>
+            <pc:sldMk cId="122470845" sldId="267"/>
+            <ac:spMk id="16" creationId="{71B2258F-86CA-4D4D-8270-BC05FCDEBFB3}"/>
+          </ac:spMkLst>
+        </pc:spChg>
+        <pc:picChg chg="mod">
+          <ac:chgData name="Amilton Jr" userId="ad12984f3bc06450" providerId="LiveId" clId="{11A5A484-6674-47A7-A76F-83C5C144014D}" dt="2019-10-21T01:52:32.833" v="10" actId="29295"/>
+          <ac:picMkLst>
+            <pc:docMk/>
+            <pc:sldMk cId="122470845" sldId="267"/>
+            <ac:picMk id="4" creationId="{C4AA4AA6-9FF7-48CB-98A0-A66DBA2FE0BA}"/>
+          </ac:picMkLst>
+        </pc:picChg>
+        <pc:cxnChg chg="del">
+          <ac:chgData name="Amilton Jr" userId="ad12984f3bc06450" providerId="LiveId" clId="{11A5A484-6674-47A7-A76F-83C5C144014D}" dt="2019-10-21T01:52:19.982" v="9" actId="26606"/>
+          <ac:cxnSpMkLst>
+            <pc:docMk/>
+            <pc:sldMk cId="122470845" sldId="267"/>
+            <ac:cxnSpMk id="11" creationId="{67182200-4859-4C8D-BCBB-55B245C28BA3}"/>
+          </ac:cxnSpMkLst>
+        </pc:cxnChg>
+      </pc:sldChg>
+      <pc:sldChg chg="modSp">
+        <pc:chgData name="Amilton Jr" userId="ad12984f3bc06450" providerId="LiveId" clId="{11A5A484-6674-47A7-A76F-83C5C144014D}" dt="2019-10-21T01:55:49.661" v="86" actId="14100"/>
+        <pc:sldMkLst>
+          <pc:docMk/>
+          <pc:sldMk cId="2113097928" sldId="268"/>
+        </pc:sldMkLst>
+        <pc:spChg chg="mod">
+          <ac:chgData name="Amilton Jr" userId="ad12984f3bc06450" providerId="LiveId" clId="{11A5A484-6674-47A7-A76F-83C5C144014D}" dt="2019-10-21T01:55:49.661" v="86" actId="14100"/>
+          <ac:spMkLst>
+            <pc:docMk/>
+            <pc:sldMk cId="2113097928" sldId="268"/>
+            <ac:spMk id="3" creationId="{BF1F035C-B3CE-4CD7-B935-1EF938E567AD}"/>
+          </ac:spMkLst>
+        </pc:spChg>
+      </pc:sldChg>
+      <pc:sldChg chg="del">
+        <pc:chgData name="Amilton Jr" userId="ad12984f3bc06450" providerId="LiveId" clId="{11A5A484-6674-47A7-A76F-83C5C144014D}" dt="2019-10-21T01:54:25.817" v="79" actId="2696"/>
+        <pc:sldMkLst>
+          <pc:docMk/>
+          <pc:sldMk cId="3484148446" sldId="269"/>
+        </pc:sldMkLst>
+      </pc:sldChg>
+      <pc:sldChg chg="del">
+        <pc:chgData name="Amilton Jr" userId="ad12984f3bc06450" providerId="LiveId" clId="{11A5A484-6674-47A7-A76F-83C5C144014D}" dt="2019-10-21T01:54:28.894" v="80" actId="2696"/>
+        <pc:sldMkLst>
+          <pc:docMk/>
+          <pc:sldMk cId="2989240547" sldId="270"/>
+        </pc:sldMkLst>
+      </pc:sldChg>
+      <pc:sldChg chg="addSp delSp modSp add del">
+        <pc:chgData name="Amilton Jr" userId="ad12984f3bc06450" providerId="LiveId" clId="{11A5A484-6674-47A7-A76F-83C5C144014D}" dt="2019-10-21T01:57:06.496" v="103" actId="1076"/>
+        <pc:sldMkLst>
+          <pc:docMk/>
+          <pc:sldMk cId="4171364791" sldId="271"/>
+        </pc:sldMkLst>
+        <pc:spChg chg="mod">
+          <ac:chgData name="Amilton Jr" userId="ad12984f3bc06450" providerId="LiveId" clId="{11A5A484-6674-47A7-A76F-83C5C144014D}" dt="2019-10-21T01:57:06.496" v="103" actId="1076"/>
+          <ac:spMkLst>
+            <pc:docMk/>
+            <pc:sldMk cId="4171364791" sldId="271"/>
+            <ac:spMk id="2" creationId="{8BC56C71-4680-4AA5-812E-912A593164B9}"/>
+          </ac:spMkLst>
+        </pc:spChg>
+        <pc:spChg chg="del mod">
+          <ac:chgData name="Amilton Jr" userId="ad12984f3bc06450" providerId="LiveId" clId="{11A5A484-6674-47A7-A76F-83C5C144014D}" dt="2019-10-21T01:56:43.199" v="90" actId="478"/>
+          <ac:spMkLst>
+            <pc:docMk/>
+            <pc:sldMk cId="4171364791" sldId="271"/>
+            <ac:spMk id="3" creationId="{2272F8D8-67FB-48CE-8E34-F24D5C2BC4A5}"/>
+          </ac:spMkLst>
+        </pc:spChg>
+        <pc:spChg chg="del">
+          <ac:chgData name="Amilton Jr" userId="ad12984f3bc06450" providerId="LiveId" clId="{11A5A484-6674-47A7-A76F-83C5C144014D}" dt="2019-10-21T01:56:40.134" v="89" actId="26606"/>
+          <ac:spMkLst>
+            <pc:docMk/>
+            <pc:sldMk cId="4171364791" sldId="271"/>
+            <ac:spMk id="9" creationId="{C5E6CFF1-2F42-4E10-9A97-F116F46F53FE}"/>
+          </ac:spMkLst>
+        </pc:spChg>
+        <pc:spChg chg="add">
+          <ac:chgData name="Amilton Jr" userId="ad12984f3bc06450" providerId="LiveId" clId="{11A5A484-6674-47A7-A76F-83C5C144014D}" dt="2019-10-21T01:56:40.134" v="89" actId="26606"/>
+          <ac:spMkLst>
+            <pc:docMk/>
+            <pc:sldMk cId="4171364791" sldId="271"/>
+            <ac:spMk id="16" creationId="{9228552E-C8B1-4A80-8448-0787CE0FC704}"/>
+          </ac:spMkLst>
+        </pc:spChg>
+        <pc:cxnChg chg="del">
+          <ac:chgData name="Amilton Jr" userId="ad12984f3bc06450" providerId="LiveId" clId="{11A5A484-6674-47A7-A76F-83C5C144014D}" dt="2019-10-21T01:56:40.134" v="89" actId="26606"/>
+          <ac:cxnSpMkLst>
+            <pc:docMk/>
+            <pc:sldMk cId="4171364791" sldId="271"/>
+            <ac:cxnSpMk id="11" creationId="{67182200-4859-4C8D-BCBB-55B245C28BA3}"/>
+          </ac:cxnSpMkLst>
+        </pc:cxnChg>
+      </pc:sldChg>
+      <pc:sldChg chg="modSp">
+        <pc:chgData name="Amilton Jr" userId="ad12984f3bc06450" providerId="LiveId" clId="{11A5A484-6674-47A7-A76F-83C5C144014D}" dt="2019-10-21T01:54:42.280" v="82" actId="2711"/>
+        <pc:sldMkLst>
+          <pc:docMk/>
+          <pc:sldMk cId="3986310132" sldId="272"/>
+        </pc:sldMkLst>
+        <pc:spChg chg="mod">
+          <ac:chgData name="Amilton Jr" userId="ad12984f3bc06450" providerId="LiveId" clId="{11A5A484-6674-47A7-A76F-83C5C144014D}" dt="2019-10-21T01:54:42.280" v="82" actId="2711"/>
+          <ac:spMkLst>
+            <pc:docMk/>
+            <pc:sldMk cId="3986310132" sldId="272"/>
+            <ac:spMk id="3" creationId="{BF1F035C-B3CE-4CD7-B935-1EF938E567AD}"/>
+          </ac:spMkLst>
+        </pc:spChg>
+      </pc:sldChg>
+      <pc:sldChg chg="addSp delSp modSp add del">
+        <pc:chgData name="Amilton Jr" userId="ad12984f3bc06450" providerId="LiveId" clId="{11A5A484-6674-47A7-A76F-83C5C144014D}" dt="2019-10-21T01:58:37.408" v="134" actId="2696"/>
+        <pc:sldMkLst>
+          <pc:docMk/>
+          <pc:sldMk cId="2707387062" sldId="273"/>
+        </pc:sldMkLst>
+        <pc:spChg chg="del">
+          <ac:chgData name="Amilton Jr" userId="ad12984f3bc06450" providerId="LiveId" clId="{11A5A484-6674-47A7-A76F-83C5C144014D}" dt="2019-10-21T01:58:29.892" v="132" actId="478"/>
+          <ac:spMkLst>
+            <pc:docMk/>
+            <pc:sldMk cId="2707387062" sldId="273"/>
+            <ac:spMk id="2" creationId="{F840DAB0-7BDD-4958-A02A-CAC7920F92BF}"/>
+          </ac:spMkLst>
+        </pc:spChg>
+        <pc:spChg chg="del">
+          <ac:chgData name="Amilton Jr" userId="ad12984f3bc06450" providerId="LiveId" clId="{11A5A484-6674-47A7-A76F-83C5C144014D}" dt="2019-10-21T01:58:26.830" v="131" actId="478"/>
+          <ac:spMkLst>
+            <pc:docMk/>
+            <pc:sldMk cId="2707387062" sldId="273"/>
+            <ac:spMk id="3" creationId="{BF582580-36CB-4F6F-BA32-5B75006AC480}"/>
+          </ac:spMkLst>
+        </pc:spChg>
+        <pc:picChg chg="add del mod ord">
+          <ac:chgData name="Amilton Jr" userId="ad12984f3bc06450" providerId="LiveId" clId="{11A5A484-6674-47A7-A76F-83C5C144014D}" dt="2019-10-21T01:58:23.856" v="130" actId="167"/>
+          <ac:picMkLst>
+            <pc:docMk/>
+            <pc:sldMk cId="2707387062" sldId="273"/>
+            <ac:picMk id="4" creationId="{F9564841-70EA-48F4-8CB7-DEF7873ECDF8}"/>
+          </ac:picMkLst>
+        </pc:picChg>
+      </pc:sldChg>
+      <pc:sldChg chg="modSp add ord">
+        <pc:chgData name="Amilton Jr" userId="ad12984f3bc06450" providerId="LiveId" clId="{11A5A484-6674-47A7-A76F-83C5C144014D}" dt="2019-10-21T01:59:04.875" v="189" actId="1076"/>
+        <pc:sldMkLst>
+          <pc:docMk/>
+          <pc:sldMk cId="1740483682" sldId="274"/>
+        </pc:sldMkLst>
+        <pc:spChg chg="mod">
+          <ac:chgData name="Amilton Jr" userId="ad12984f3bc06450" providerId="LiveId" clId="{11A5A484-6674-47A7-A76F-83C5C144014D}" dt="2019-10-21T01:59:02.384" v="188" actId="14100"/>
+          <ac:spMkLst>
+            <pc:docMk/>
+            <pc:sldMk cId="1740483682" sldId="274"/>
+            <ac:spMk id="2" creationId="{8BC56C71-4680-4AA5-812E-912A593164B9}"/>
+          </ac:spMkLst>
+        </pc:spChg>
+        <pc:picChg chg="mod">
+          <ac:chgData name="Amilton Jr" userId="ad12984f3bc06450" providerId="LiveId" clId="{11A5A484-6674-47A7-A76F-83C5C144014D}" dt="2019-10-21T01:59:04.875" v="189" actId="1076"/>
+          <ac:picMkLst>
+            <pc:docMk/>
+            <pc:sldMk cId="1740483682" sldId="274"/>
+            <ac:picMk id="4" creationId="{C4AA4AA6-9FF7-48CB-98A0-A66DBA2FE0BA}"/>
+          </ac:picMkLst>
+        </pc:picChg>
+      </pc:sldChg>
+    </pc:docChg>
+  </pc:docChgLst>
+</pc:chgInfo>
 </file>
 
 <file path=ppt/slideLayouts/slideLayout1.xml><?xml version="1.0" encoding="utf-8"?>
@@ -3675,10 +4024,10 @@
       </p:grpSpPr>
       <p:sp>
         <p:nvSpPr>
-          <p:cNvPr id="9" name="Rectangle 8">
+          <p:cNvPr id="11" name="Rectangle 10">
             <a:extLst>
               <a:ext uri="{FF2B5EF4-FFF2-40B4-BE49-F238E27FC236}">
-                <a16:creationId xmlns:a16="http://schemas.microsoft.com/office/drawing/2014/main" id="{C5E6CFF1-2F42-4E10-9A97-F116F46F53FE}"/>
+                <a16:creationId xmlns:a16="http://schemas.microsoft.com/office/drawing/2014/main" id="{E20EB187-900F-4AF5-813B-101456D9FD39}"/>
               </a:ext>
               <a:ext uri="{C183D7F6-B498-43B3-948B-1728B52AA6E4}">
                 <adec:decorative xmlns:adec="http://schemas.microsoft.com/office/drawing/2017/decorative" val="1"/>
@@ -3738,13 +4087,10 @@
       </p:sp>
       <p:pic>
         <p:nvPicPr>
-          <p:cNvPr id="4" name="Picture 3">
+          <p:cNvPr id="6" name="Picture 5" descr="A picture containing electronics, computer, circuit&#10;&#10;Description automatically generated">
             <a:extLst>
               <a:ext uri="{FF2B5EF4-FFF2-40B4-BE49-F238E27FC236}">
-                <a16:creationId xmlns:a16="http://schemas.microsoft.com/office/drawing/2014/main" id="{C4AA4AA6-9FF7-48CB-98A0-A66DBA2FE0BA}"/>
-              </a:ext>
-              <a:ext uri="{C183D7F6-B498-43B3-948B-1728B52AA6E4}">
-                <adec:decorative xmlns:adec="http://schemas.microsoft.com/office/drawing/2017/decorative" val="1"/>
+                <a16:creationId xmlns:a16="http://schemas.microsoft.com/office/drawing/2014/main" id="{B4F517AA-3829-469A-93B7-269D2415604B}"/>
               </a:ext>
             </a:extLst>
           </p:cNvPr>
@@ -3773,17 +4119,14 @@
           <a:prstGeom prst="rect">
             <a:avLst/>
           </a:prstGeom>
-          <a:solidFill>
-            <a:schemeClr val="bg1"/>
-          </a:solidFill>
         </p:spPr>
       </p:pic>
       <p:sp>
         <p:nvSpPr>
-          <p:cNvPr id="2" name="Title 1">
+          <p:cNvPr id="3" name="Subtitle 2">
             <a:extLst>
               <a:ext uri="{FF2B5EF4-FFF2-40B4-BE49-F238E27FC236}">
-                <a16:creationId xmlns:a16="http://schemas.microsoft.com/office/drawing/2014/main" id="{8BC56C71-4680-4AA5-812E-912A593164B9}"/>
+                <a16:creationId xmlns:a16="http://schemas.microsoft.com/office/drawing/2014/main" id="{BF1F035C-B3CE-4CD7-B935-1EF938E567AD}"/>
               </a:ext>
             </a:extLst>
           </p:cNvPr>
@@ -3791,39 +4134,40 @@
             <a:spLocks noGrp="1"/>
           </p:cNvSpPr>
           <p:nvPr>
-            <p:ph type="title"/>
+            <p:ph type="subTitle" idx="1"/>
           </p:nvPr>
         </p:nvSpPr>
         <p:spPr>
           <a:xfrm>
-            <a:off x="838201" y="1065862"/>
-            <a:ext cx="3313164" cy="4726276"/>
+            <a:off x="849963" y="1200152"/>
+            <a:ext cx="2816535" cy="4457696"/>
           </a:xfrm>
         </p:spPr>
         <p:txBody>
-          <a:bodyPr>
+          <a:bodyPr anchor="ctr">
             <a:normAutofit/>
           </a:bodyPr>
           <a:lstStyle/>
           <a:p>
             <a:pPr algn="r"/>
             <a:r>
-              <a:rPr lang="pt-BR" sz="4000" dirty="0">
+              <a:rPr lang="pt-BR" sz="2800" dirty="0">
                 <a:solidFill>
                   <a:srgbClr val="FFFFFF"/>
                 </a:solidFill>
+                <a:latin typeface="Franklin Gothic Medium" panose="020B0603020102020204" pitchFamily="34" charset="0"/>
               </a:rPr>
-              <a:t>Tela de Cadastro</a:t>
+              <a:t>Modelagem do Banco de dados</a:t>
             </a:r>
           </a:p>
         </p:txBody>
       </p:sp>
       <p:cxnSp>
         <p:nvCxnSpPr>
-          <p:cNvPr id="11" name="Straight Connector 10">
+          <p:cNvPr id="13" name="Straight Connector 12">
             <a:extLst>
               <a:ext uri="{FF2B5EF4-FFF2-40B4-BE49-F238E27FC236}">
-                <a16:creationId xmlns:a16="http://schemas.microsoft.com/office/drawing/2014/main" id="{67182200-4859-4C8D-BCBB-55B245C28BA3}"/>
+                <a16:creationId xmlns:a16="http://schemas.microsoft.com/office/drawing/2014/main" id="{624D17C8-E9C2-48A4-AA36-D7048A6CCC41}"/>
               </a:ext>
               <a:ext uri="{C183D7F6-B498-43B3-948B-1728B52AA6E4}">
                 <adec:decorative xmlns:adec="http://schemas.microsoft.com/office/drawing/2017/decorative" val="1"/>
@@ -3843,13 +4187,13 @@
         </p:nvCxnSpPr>
         <p:spPr>
           <a:xfrm>
-            <a:off x="4653372" y="2286000"/>
+            <a:off x="4055891" y="2286000"/>
             <a:ext cx="0" cy="2286000"/>
           </a:xfrm>
           <a:prstGeom prst="line">
             <a:avLst/>
           </a:prstGeom>
-          <a:ln w="15875">
+          <a:ln w="19050">
             <a:solidFill>
               <a:srgbClr val="FFFFFF"/>
             </a:solidFill>
@@ -3870,46 +4214,40 @@
           </a:fontRef>
         </p:style>
       </p:cxnSp>
-      <p:sp>
-        <p:nvSpPr>
-          <p:cNvPr id="3" name="Content Placeholder 2">
+      <p:pic>
+        <p:nvPicPr>
+          <p:cNvPr id="8" name="Picture 7">
             <a:extLst>
               <a:ext uri="{FF2B5EF4-FFF2-40B4-BE49-F238E27FC236}">
-                <a16:creationId xmlns:a16="http://schemas.microsoft.com/office/drawing/2014/main" id="{2272F8D8-67FB-48CE-8E34-F24D5C2BC4A5}"/>
+                <a16:creationId xmlns:a16="http://schemas.microsoft.com/office/drawing/2014/main" id="{FB2969B5-D3A8-4117-82AB-49F1F163EE9D}"/>
               </a:ext>
             </a:extLst>
           </p:cNvPr>
-          <p:cNvSpPr>
-            <a:spLocks noGrp="1"/>
-          </p:cNvSpPr>
-          <p:nvPr>
-            <p:ph idx="1"/>
-          </p:nvPr>
-        </p:nvSpPr>
+          <p:cNvPicPr>
+            <a:picLocks noChangeAspect="1"/>
+          </p:cNvPicPr>
+          <p:nvPr/>
+        </p:nvPicPr>
+        <p:blipFill>
+          <a:blip r:embed="rId3"/>
+          <a:stretch>
+            <a:fillRect/>
+          </a:stretch>
+        </p:blipFill>
         <p:spPr>
           <a:xfrm>
-            <a:off x="5155379" y="1065862"/>
-            <a:ext cx="5744685" cy="4726276"/>
+            <a:off x="4308187" y="1056839"/>
+            <a:ext cx="7631517" cy="5088106"/>
           </a:xfrm>
+          <a:prstGeom prst="rect">
+            <a:avLst/>
+          </a:prstGeom>
         </p:spPr>
-        <p:txBody>
-          <a:bodyPr anchor="ctr">
-            <a:normAutofit/>
-          </a:bodyPr>
-          <a:lstStyle/>
-          <a:p>
-            <a:endParaRPr lang="pt-BR" sz="2000">
-              <a:solidFill>
-                <a:srgbClr val="FFFFFF"/>
-              </a:solidFill>
-            </a:endParaRPr>
-          </a:p>
-        </p:txBody>
-      </p:sp>
+      </p:pic>
     </p:spTree>
     <p:extLst>
       <p:ext uri="{BB962C8B-B14F-4D97-AF65-F5344CB8AC3E}">
-        <p14:creationId xmlns:p14="http://schemas.microsoft.com/office/powerpoint/2010/main" val="3484148446"/>
+        <p14:creationId xmlns:p14="http://schemas.microsoft.com/office/powerpoint/2010/main" val="3688191614"/>
       </p:ext>
     </p:extLst>
   </p:cSld>
@@ -3946,10 +4284,10 @@
       </p:grpSpPr>
       <p:sp>
         <p:nvSpPr>
-          <p:cNvPr id="9" name="Rectangle 8">
+          <p:cNvPr id="11" name="Rectangle 10">
             <a:extLst>
               <a:ext uri="{FF2B5EF4-FFF2-40B4-BE49-F238E27FC236}">
-                <a16:creationId xmlns:a16="http://schemas.microsoft.com/office/drawing/2014/main" id="{C5E6CFF1-2F42-4E10-9A97-F116F46F53FE}"/>
+                <a16:creationId xmlns:a16="http://schemas.microsoft.com/office/drawing/2014/main" id="{E20EB187-900F-4AF5-813B-101456D9FD39}"/>
               </a:ext>
               <a:ext uri="{C183D7F6-B498-43B3-948B-1728B52AA6E4}">
                 <adec:decorative xmlns:adec="http://schemas.microsoft.com/office/drawing/2017/decorative" val="1"/>
@@ -4009,13 +4347,10 @@
       </p:sp>
       <p:pic>
         <p:nvPicPr>
-          <p:cNvPr id="4" name="Picture 3">
+          <p:cNvPr id="6" name="Picture 5" descr="A picture containing electronics, computer, circuit&#10;&#10;Description automatically generated">
             <a:extLst>
               <a:ext uri="{FF2B5EF4-FFF2-40B4-BE49-F238E27FC236}">
-                <a16:creationId xmlns:a16="http://schemas.microsoft.com/office/drawing/2014/main" id="{C4AA4AA6-9FF7-48CB-98A0-A66DBA2FE0BA}"/>
-              </a:ext>
-              <a:ext uri="{C183D7F6-B498-43B3-948B-1728B52AA6E4}">
-                <adec:decorative xmlns:adec="http://schemas.microsoft.com/office/drawing/2017/decorative" val="1"/>
+                <a16:creationId xmlns:a16="http://schemas.microsoft.com/office/drawing/2014/main" id="{B4F517AA-3829-469A-93B7-269D2415604B}"/>
               </a:ext>
             </a:extLst>
           </p:cNvPr>
@@ -4044,17 +4379,14 @@
           <a:prstGeom prst="rect">
             <a:avLst/>
           </a:prstGeom>
-          <a:solidFill>
-            <a:schemeClr val="bg1"/>
-          </a:solidFill>
         </p:spPr>
       </p:pic>
       <p:sp>
         <p:nvSpPr>
-          <p:cNvPr id="2" name="Title 1">
+          <p:cNvPr id="3" name="Subtitle 2">
             <a:extLst>
               <a:ext uri="{FF2B5EF4-FFF2-40B4-BE49-F238E27FC236}">
-                <a16:creationId xmlns:a16="http://schemas.microsoft.com/office/drawing/2014/main" id="{8BC56C71-4680-4AA5-812E-912A593164B9}"/>
+                <a16:creationId xmlns:a16="http://schemas.microsoft.com/office/drawing/2014/main" id="{BF1F035C-B3CE-4CD7-B935-1EF938E567AD}"/>
               </a:ext>
             </a:extLst>
           </p:cNvPr>
@@ -4062,39 +4394,40 @@
             <a:spLocks noGrp="1"/>
           </p:cNvSpPr>
           <p:nvPr>
-            <p:ph type="title"/>
+            <p:ph type="subTitle" idx="1"/>
           </p:nvPr>
         </p:nvSpPr>
         <p:spPr>
           <a:xfrm>
-            <a:off x="838201" y="1065862"/>
-            <a:ext cx="3313164" cy="4726276"/>
+            <a:off x="849963" y="1200152"/>
+            <a:ext cx="2816535" cy="4457696"/>
           </a:xfrm>
         </p:spPr>
         <p:txBody>
-          <a:bodyPr>
+          <a:bodyPr anchor="ctr">
             <a:normAutofit/>
           </a:bodyPr>
           <a:lstStyle/>
           <a:p>
             <a:pPr algn="r"/>
             <a:r>
-              <a:rPr lang="pt-BR" sz="4000" dirty="0">
+              <a:rPr lang="pt-BR" sz="2800" dirty="0">
                 <a:solidFill>
                   <a:srgbClr val="FFFFFF"/>
                 </a:solidFill>
+                <a:latin typeface="Franklin Gothic Medium" panose="020B0603020102020204" pitchFamily="34" charset="0"/>
               </a:rPr>
-              <a:t>Tela de Login</a:t>
+              <a:t>Modelagem do Banco de dados</a:t>
             </a:r>
           </a:p>
         </p:txBody>
       </p:sp>
       <p:cxnSp>
         <p:nvCxnSpPr>
-          <p:cNvPr id="11" name="Straight Connector 10">
+          <p:cNvPr id="13" name="Straight Connector 12">
             <a:extLst>
               <a:ext uri="{FF2B5EF4-FFF2-40B4-BE49-F238E27FC236}">
-                <a16:creationId xmlns:a16="http://schemas.microsoft.com/office/drawing/2014/main" id="{67182200-4859-4C8D-BCBB-55B245C28BA3}"/>
+                <a16:creationId xmlns:a16="http://schemas.microsoft.com/office/drawing/2014/main" id="{624D17C8-E9C2-48A4-AA36-D7048A6CCC41}"/>
               </a:ext>
               <a:ext uri="{C183D7F6-B498-43B3-948B-1728B52AA6E4}">
                 <adec:decorative xmlns:adec="http://schemas.microsoft.com/office/drawing/2017/decorative" val="1"/>
@@ -4114,13 +4447,13 @@
         </p:nvCxnSpPr>
         <p:spPr>
           <a:xfrm>
-            <a:off x="4653372" y="2286000"/>
+            <a:off x="4055891" y="2286000"/>
             <a:ext cx="0" cy="2286000"/>
           </a:xfrm>
           <a:prstGeom prst="line">
             <a:avLst/>
           </a:prstGeom>
-          <a:ln w="15875">
+          <a:ln w="19050">
             <a:solidFill>
               <a:srgbClr val="FFFFFF"/>
             </a:solidFill>
@@ -4141,46 +4474,40 @@
           </a:fontRef>
         </p:style>
       </p:cxnSp>
-      <p:sp>
-        <p:nvSpPr>
-          <p:cNvPr id="3" name="Content Placeholder 2">
+      <p:pic>
+        <p:nvPicPr>
+          <p:cNvPr id="7" name="Picture 6">
             <a:extLst>
               <a:ext uri="{FF2B5EF4-FFF2-40B4-BE49-F238E27FC236}">
-                <a16:creationId xmlns:a16="http://schemas.microsoft.com/office/drawing/2014/main" id="{2272F8D8-67FB-48CE-8E34-F24D5C2BC4A5}"/>
+                <a16:creationId xmlns:a16="http://schemas.microsoft.com/office/drawing/2014/main" id="{A13C2DF5-A6EA-4998-83A5-18EA8472E28E}"/>
               </a:ext>
             </a:extLst>
           </p:cNvPr>
-          <p:cNvSpPr>
-            <a:spLocks noGrp="1"/>
-          </p:cNvSpPr>
-          <p:nvPr>
-            <p:ph idx="1"/>
-          </p:nvPr>
-        </p:nvSpPr>
+          <p:cNvPicPr>
+            <a:picLocks noChangeAspect="1"/>
+          </p:cNvPicPr>
+          <p:nvPr/>
+        </p:nvPicPr>
+        <p:blipFill>
+          <a:blip r:embed="rId3"/>
+          <a:stretch>
+            <a:fillRect/>
+          </a:stretch>
+        </p:blipFill>
         <p:spPr>
           <a:xfrm>
-            <a:off x="5155379" y="1065862"/>
-            <a:ext cx="5744685" cy="4726276"/>
+            <a:off x="4286631" y="319967"/>
+            <a:ext cx="7600565" cy="6186770"/>
           </a:xfrm>
+          <a:prstGeom prst="rect">
+            <a:avLst/>
+          </a:prstGeom>
         </p:spPr>
-        <p:txBody>
-          <a:bodyPr anchor="ctr">
-            <a:normAutofit/>
-          </a:bodyPr>
-          <a:lstStyle/>
-          <a:p>
-            <a:endParaRPr lang="pt-BR" sz="2000" dirty="0">
-              <a:solidFill>
-                <a:srgbClr val="FFFFFF"/>
-              </a:solidFill>
-            </a:endParaRPr>
-          </a:p>
-        </p:txBody>
-      </p:sp>
+      </p:pic>
     </p:spTree>
     <p:extLst>
       <p:ext uri="{BB962C8B-B14F-4D97-AF65-F5344CB8AC3E}">
-        <p14:creationId xmlns:p14="http://schemas.microsoft.com/office/powerpoint/2010/main" val="2989240547"/>
+        <p14:creationId xmlns:p14="http://schemas.microsoft.com/office/powerpoint/2010/main" val="3986310132"/>
       </p:ext>
     </p:extLst>
   </p:cSld>
@@ -4191,6 +4518,367 @@
 </file>
 
 <file path=ppt/slides/slide12.xml><?xml version="1.0" encoding="utf-8"?>
+<p:sld xmlns:a="http://schemas.openxmlformats.org/drawingml/2006/main" xmlns:r="http://schemas.openxmlformats.org/officeDocument/2006/relationships" xmlns:p="http://schemas.openxmlformats.org/presentationml/2006/main">
+  <p:cSld>
+    <p:bg>
+      <p:bgPr>
+        <a:solidFill>
+          <a:srgbClr val="000000"/>
+        </a:solidFill>
+        <a:effectLst/>
+      </p:bgPr>
+    </p:bg>
+    <p:spTree>
+      <p:nvGrpSpPr>
+        <p:cNvPr id="1" name=""/>
+        <p:cNvGrpSpPr/>
+        <p:nvPr/>
+      </p:nvGrpSpPr>
+      <p:grpSpPr>
+        <a:xfrm>
+          <a:off x="0" y="0"/>
+          <a:ext cx="0" cy="0"/>
+          <a:chOff x="0" y="0"/>
+          <a:chExt cx="0" cy="0"/>
+        </a:xfrm>
+      </p:grpSpPr>
+      <p:sp>
+        <p:nvSpPr>
+          <p:cNvPr id="16" name="Rectangle 15">
+            <a:extLst>
+              <a:ext uri="{FF2B5EF4-FFF2-40B4-BE49-F238E27FC236}">
+                <a16:creationId xmlns:a16="http://schemas.microsoft.com/office/drawing/2014/main" id="{71B2258F-86CA-4D4D-8270-BC05FCDEBFB3}"/>
+              </a:ext>
+              <a:ext uri="{C183D7F6-B498-43B3-948B-1728B52AA6E4}">
+                <adec:decorative xmlns:adec="http://schemas.microsoft.com/office/drawing/2017/decorative" val="1"/>
+              </a:ext>
+            </a:extLst>
+          </p:cNvPr>
+          <p:cNvSpPr>
+            <a:spLocks noGrp="1" noRot="1" noChangeAspect="1" noMove="1" noResize="1" noEditPoints="1" noAdjustHandles="1" noChangeArrowheads="1" noChangeShapeType="1" noTextEdit="1"/>
+          </p:cNvSpPr>
+          <p:nvPr>
+            <p:extLst>
+              <p:ext uri="{386F3935-93C4-4BCD-93E2-E3B085C9AB24}">
+                <p16:designElem xmlns:p16="http://schemas.microsoft.com/office/powerpoint/2015/main" val="1"/>
+              </p:ext>
+            </p:extLst>
+          </p:nvPr>
+        </p:nvSpPr>
+        <p:spPr>
+          <a:xfrm>
+            <a:off x="0" y="0"/>
+            <a:ext cx="12192000" cy="6857999"/>
+          </a:xfrm>
+          <a:prstGeom prst="rect">
+            <a:avLst/>
+          </a:prstGeom>
+          <a:solidFill>
+            <a:srgbClr val="000000"/>
+          </a:solidFill>
+          <a:ln>
+            <a:noFill/>
+          </a:ln>
+        </p:spPr>
+        <p:style>
+          <a:lnRef idx="2">
+            <a:schemeClr val="accent1">
+              <a:shade val="50000"/>
+            </a:schemeClr>
+          </a:lnRef>
+          <a:fillRef idx="1">
+            <a:schemeClr val="accent1"/>
+          </a:fillRef>
+          <a:effectRef idx="0">
+            <a:schemeClr val="accent1"/>
+          </a:effectRef>
+          <a:fontRef idx="minor">
+            <a:schemeClr val="lt1"/>
+          </a:fontRef>
+        </p:style>
+        <p:txBody>
+          <a:bodyPr rtlCol="0" anchor="ctr"/>
+          <a:lstStyle/>
+          <a:p>
+            <a:pPr algn="ctr"/>
+            <a:endParaRPr lang="en-US"/>
+          </a:p>
+        </p:txBody>
+      </p:sp>
+      <p:pic>
+        <p:nvPicPr>
+          <p:cNvPr id="4" name="Picture 3">
+            <a:extLst>
+              <a:ext uri="{FF2B5EF4-FFF2-40B4-BE49-F238E27FC236}">
+                <a16:creationId xmlns:a16="http://schemas.microsoft.com/office/drawing/2014/main" id="{C4AA4AA6-9FF7-48CB-98A0-A66DBA2FE0BA}"/>
+              </a:ext>
+              <a:ext uri="{C183D7F6-B498-43B3-948B-1728B52AA6E4}">
+                <adec:decorative xmlns:adec="http://schemas.microsoft.com/office/drawing/2017/decorative" val="1"/>
+              </a:ext>
+            </a:extLst>
+          </p:cNvPr>
+          <p:cNvPicPr>
+            <a:picLocks noChangeAspect="1"/>
+          </p:cNvPicPr>
+          <p:nvPr/>
+        </p:nvPicPr>
+        <p:blipFill rotWithShape="1">
+          <a:blip r:embed="rId2">
+            <a:alphaModFix amt="35000"/>
+            <a:extLst>
+              <a:ext uri="{28A0092B-C50C-407E-A947-70E740481C1C}">
+                <a14:useLocalDpi xmlns:a14="http://schemas.microsoft.com/office/drawing/2010/main" val="0"/>
+              </a:ext>
+            </a:extLst>
+          </a:blip>
+          <a:srcRect l="2284" r="8828"/>
+          <a:stretch/>
+        </p:blipFill>
+        <p:spPr>
+          <a:xfrm>
+            <a:off x="20" y="0"/>
+            <a:ext cx="12191980" cy="6857999"/>
+          </a:xfrm>
+          <a:prstGeom prst="rect">
+            <a:avLst/>
+          </a:prstGeom>
+          <a:solidFill>
+            <a:schemeClr val="bg1"/>
+          </a:solidFill>
+        </p:spPr>
+      </p:pic>
+      <p:sp>
+        <p:nvSpPr>
+          <p:cNvPr id="2" name="Title 1">
+            <a:extLst>
+              <a:ext uri="{FF2B5EF4-FFF2-40B4-BE49-F238E27FC236}">
+                <a16:creationId xmlns:a16="http://schemas.microsoft.com/office/drawing/2014/main" id="{8BC56C71-4680-4AA5-812E-912A593164B9}"/>
+              </a:ext>
+            </a:extLst>
+          </p:cNvPr>
+          <p:cNvSpPr>
+            <a:spLocks noGrp="1"/>
+          </p:cNvSpPr>
+          <p:nvPr>
+            <p:ph type="title"/>
+          </p:nvPr>
+        </p:nvSpPr>
+        <p:spPr>
+          <a:xfrm>
+            <a:off x="1139687" y="1427162"/>
+            <a:ext cx="9528313" cy="2900518"/>
+          </a:xfrm>
+        </p:spPr>
+        <p:txBody>
+          <a:bodyPr vert="horz" lIns="91440" tIns="45720" rIns="91440" bIns="45720" rtlCol="0" anchor="b">
+            <a:normAutofit/>
+          </a:bodyPr>
+          <a:lstStyle/>
+          <a:p>
+            <a:pPr algn="ctr"/>
+            <a:r>
+              <a:rPr lang="en-US" sz="6000" dirty="0" err="1">
+                <a:solidFill>
+                  <a:srgbClr val="FFFFFF"/>
+                </a:solidFill>
+                <a:latin typeface="Franklin Gothic Medium" panose="020B0603020102020204" pitchFamily="34" charset="0"/>
+              </a:rPr>
+              <a:t>Apresentação</a:t>
+            </a:r>
+            <a:r>
+              <a:rPr lang="en-US" sz="6000" dirty="0">
+                <a:solidFill>
+                  <a:srgbClr val="FFFFFF"/>
+                </a:solidFill>
+                <a:latin typeface="Franklin Gothic Medium" panose="020B0603020102020204" pitchFamily="34" charset="0"/>
+              </a:rPr>
+              <a:t> da </a:t>
+            </a:r>
+            <a:r>
+              <a:rPr lang="en-US" sz="6000" dirty="0" err="1">
+                <a:solidFill>
+                  <a:srgbClr val="FFFFFF"/>
+                </a:solidFill>
+                <a:latin typeface="Franklin Gothic Medium" panose="020B0603020102020204" pitchFamily="34" charset="0"/>
+              </a:rPr>
+              <a:t>criação</a:t>
+            </a:r>
+            <a:r>
+              <a:rPr lang="en-US" sz="6000" dirty="0">
+                <a:solidFill>
+                  <a:srgbClr val="FFFFFF"/>
+                </a:solidFill>
+                <a:latin typeface="Franklin Gothic Medium" panose="020B0603020102020204" pitchFamily="34" charset="0"/>
+              </a:rPr>
+              <a:t> do banco de dados no Azure</a:t>
+            </a:r>
+            <a:endParaRPr lang="en-US" sz="6000" kern="1200" dirty="0">
+              <a:solidFill>
+                <a:srgbClr val="FFFFFF"/>
+              </a:solidFill>
+              <a:latin typeface="Franklin Gothic Medium" panose="020B0603020102020204" pitchFamily="34" charset="0"/>
+            </a:endParaRPr>
+          </a:p>
+        </p:txBody>
+      </p:sp>
+    </p:spTree>
+    <p:extLst>
+      <p:ext uri="{BB962C8B-B14F-4D97-AF65-F5344CB8AC3E}">
+        <p14:creationId xmlns:p14="http://schemas.microsoft.com/office/powerpoint/2010/main" val="1740483682"/>
+      </p:ext>
+    </p:extLst>
+  </p:cSld>
+  <p:clrMapOvr>
+    <a:overrideClrMapping bg1="dk1" tx1="lt1" bg2="dk2" tx2="lt2" accent1="accent1" accent2="accent2" accent3="accent3" accent4="accent4" accent5="accent5" accent6="accent6" hlink="hlink" folHlink="folHlink"/>
+  </p:clrMapOvr>
+</p:sld>
+</file>
+
+<file path=ppt/slides/slide13.xml><?xml version="1.0" encoding="utf-8"?>
+<p:sld xmlns:a="http://schemas.openxmlformats.org/drawingml/2006/main" xmlns:r="http://schemas.openxmlformats.org/officeDocument/2006/relationships" xmlns:p="http://schemas.openxmlformats.org/presentationml/2006/main">
+  <p:cSld>
+    <p:bg>
+      <p:bgPr>
+        <a:solidFill>
+          <a:schemeClr val="bg1"/>
+        </a:solidFill>
+        <a:effectLst/>
+      </p:bgPr>
+    </p:bg>
+    <p:spTree>
+      <p:nvGrpSpPr>
+        <p:cNvPr id="1" name=""/>
+        <p:cNvGrpSpPr/>
+        <p:nvPr/>
+      </p:nvGrpSpPr>
+      <p:grpSpPr>
+        <a:xfrm>
+          <a:off x="0" y="0"/>
+          <a:ext cx="0" cy="0"/>
+          <a:chOff x="0" y="0"/>
+          <a:chExt cx="0" cy="0"/>
+        </a:xfrm>
+      </p:grpSpPr>
+      <p:pic>
+        <p:nvPicPr>
+          <p:cNvPr id="5" name="Picture 4" descr="A picture containing electronics, computer, circuit&#10;&#10;Description automatically generated">
+            <a:extLst>
+              <a:ext uri="{FF2B5EF4-FFF2-40B4-BE49-F238E27FC236}">
+                <a16:creationId xmlns:a16="http://schemas.microsoft.com/office/drawing/2014/main" id="{91E009F8-34B0-40DF-8DAC-294F04ABF0E9}"/>
+              </a:ext>
+            </a:extLst>
+          </p:cNvPr>
+          <p:cNvPicPr>
+            <a:picLocks noChangeAspect="1"/>
+          </p:cNvPicPr>
+          <p:nvPr/>
+        </p:nvPicPr>
+        <p:blipFill rotWithShape="1">
+          <a:blip r:embed="rId3">
+            <a:alphaModFix amt="35000"/>
+            <a:extLst>
+              <a:ext uri="{28A0092B-C50C-407E-A947-70E740481C1C}">
+                <a14:useLocalDpi xmlns:a14="http://schemas.microsoft.com/office/drawing/2010/main" val="0"/>
+              </a:ext>
+            </a:extLst>
+          </a:blip>
+          <a:srcRect l="2284" r="8828"/>
+          <a:stretch/>
+        </p:blipFill>
+        <p:spPr>
+          <a:xfrm>
+            <a:off x="20" y="1"/>
+            <a:ext cx="12191980" cy="6857999"/>
+          </a:xfrm>
+          <a:prstGeom prst="rect">
+            <a:avLst/>
+          </a:prstGeom>
+        </p:spPr>
+      </p:pic>
+      <p:sp>
+        <p:nvSpPr>
+          <p:cNvPr id="3" name="Subtitle 2">
+            <a:extLst>
+              <a:ext uri="{FF2B5EF4-FFF2-40B4-BE49-F238E27FC236}">
+                <a16:creationId xmlns:a16="http://schemas.microsoft.com/office/drawing/2014/main" id="{BF1F035C-B3CE-4CD7-B935-1EF938E567AD}"/>
+              </a:ext>
+            </a:extLst>
+          </p:cNvPr>
+          <p:cNvSpPr>
+            <a:spLocks noGrp="1"/>
+          </p:cNvSpPr>
+          <p:nvPr>
+            <p:ph type="subTitle" idx="1"/>
+          </p:nvPr>
+        </p:nvSpPr>
+        <p:spPr>
+          <a:xfrm>
+            <a:off x="3101010" y="617077"/>
+            <a:ext cx="4209022" cy="783393"/>
+          </a:xfrm>
+        </p:spPr>
+        <p:txBody>
+          <a:bodyPr anchor="ctr">
+            <a:noAutofit/>
+          </a:bodyPr>
+          <a:lstStyle/>
+          <a:p>
+            <a:pPr algn="r"/>
+            <a:r>
+              <a:rPr lang="pt-BR" sz="4000" dirty="0">
+                <a:solidFill>
+                  <a:srgbClr val="FFFFFF"/>
+                </a:solidFill>
+                <a:latin typeface="Franklin Gothic Medium" panose="020B0603020102020204" pitchFamily="34" charset="0"/>
+              </a:rPr>
+              <a:t>Planilha de Risco</a:t>
+            </a:r>
+          </a:p>
+        </p:txBody>
+      </p:sp>
+      <p:pic>
+        <p:nvPicPr>
+          <p:cNvPr id="6" name="Imagem 2">
+            <a:extLst>
+              <a:ext uri="{FF2B5EF4-FFF2-40B4-BE49-F238E27FC236}">
+                <a16:creationId xmlns:a16="http://schemas.microsoft.com/office/drawing/2014/main" id="{EAED6DF8-92EE-4309-B5F2-7FAAAA052641}"/>
+              </a:ext>
+            </a:extLst>
+          </p:cNvPr>
+          <p:cNvPicPr>
+            <a:picLocks noChangeAspect="1"/>
+          </p:cNvPicPr>
+          <p:nvPr/>
+        </p:nvPicPr>
+        <p:blipFill rotWithShape="1">
+          <a:blip r:embed="rId4"/>
+          <a:srcRect l="-117" t="1828" r="117" b="1029"/>
+          <a:stretch/>
+        </p:blipFill>
+        <p:spPr>
+          <a:xfrm>
+            <a:off x="495300" y="2017546"/>
+            <a:ext cx="11201400" cy="3701143"/>
+          </a:xfrm>
+          <a:prstGeom prst="rect">
+            <a:avLst/>
+          </a:prstGeom>
+        </p:spPr>
+      </p:pic>
+    </p:spTree>
+    <p:extLst>
+      <p:ext uri="{BB962C8B-B14F-4D97-AF65-F5344CB8AC3E}">
+        <p14:creationId xmlns:p14="http://schemas.microsoft.com/office/powerpoint/2010/main" val="2113097928"/>
+      </p:ext>
+    </p:extLst>
+  </p:cSld>
+  <p:clrMapOvr>
+    <a:overrideClrMapping bg1="dk1" tx1="lt1" bg2="dk2" tx2="lt2" accent1="accent1" accent2="accent2" accent3="accent3" accent4="accent4" accent5="accent5" accent6="accent6" hlink="hlink" folHlink="folHlink"/>
+  </p:clrMapOvr>
+</p:sld>
+</file>
+
+<file path=ppt/slides/slide14.xml><?xml version="1.0" encoding="utf-8"?>
 <p:sld xmlns:a="http://schemas.openxmlformats.org/drawingml/2006/main" xmlns:r="http://schemas.openxmlformats.org/officeDocument/2006/relationships" xmlns:p="http://schemas.openxmlformats.org/presentationml/2006/main">
   <p:cSld>
     <p:bg>
@@ -4217,10 +4905,10 @@
       </p:grpSpPr>
       <p:sp>
         <p:nvSpPr>
-          <p:cNvPr id="11" name="Rectangle 10">
+          <p:cNvPr id="16" name="Rectangle 15">
             <a:extLst>
               <a:ext uri="{FF2B5EF4-FFF2-40B4-BE49-F238E27FC236}">
-                <a16:creationId xmlns:a16="http://schemas.microsoft.com/office/drawing/2014/main" id="{E20EB187-900F-4AF5-813B-101456D9FD39}"/>
+                <a16:creationId xmlns:a16="http://schemas.microsoft.com/office/drawing/2014/main" id="{9228552E-C8B1-4A80-8448-0787CE0FC704}"/>
               </a:ext>
               <a:ext uri="{C183D7F6-B498-43B3-948B-1728B52AA6E4}">
                 <adec:decorative xmlns:adec="http://schemas.microsoft.com/office/drawing/2017/decorative" val="1"/>
@@ -4280,10 +4968,13 @@
       </p:sp>
       <p:pic>
         <p:nvPicPr>
-          <p:cNvPr id="6" name="Picture 5" descr="A picture containing electronics, computer, circuit&#10;&#10;Description automatically generated">
+          <p:cNvPr id="4" name="Picture 3">
             <a:extLst>
               <a:ext uri="{FF2B5EF4-FFF2-40B4-BE49-F238E27FC236}">
-                <a16:creationId xmlns:a16="http://schemas.microsoft.com/office/drawing/2014/main" id="{B4F517AA-3829-469A-93B7-269D2415604B}"/>
+                <a16:creationId xmlns:a16="http://schemas.microsoft.com/office/drawing/2014/main" id="{C4AA4AA6-9FF7-48CB-98A0-A66DBA2FE0BA}"/>
+              </a:ext>
+              <a:ext uri="{C183D7F6-B498-43B3-948B-1728B52AA6E4}">
+                <adec:decorative xmlns:adec="http://schemas.microsoft.com/office/drawing/2017/decorative" val="1"/>
               </a:ext>
             </a:extLst>
           </p:cNvPr>
@@ -4312,14 +5003,17 @@
           <a:prstGeom prst="rect">
             <a:avLst/>
           </a:prstGeom>
+          <a:solidFill>
+            <a:schemeClr val="bg1"/>
+          </a:solidFill>
         </p:spPr>
       </p:pic>
       <p:sp>
         <p:nvSpPr>
-          <p:cNvPr id="3" name="Subtitle 2">
+          <p:cNvPr id="2" name="Title 1">
             <a:extLst>
               <a:ext uri="{FF2B5EF4-FFF2-40B4-BE49-F238E27FC236}">
-                <a16:creationId xmlns:a16="http://schemas.microsoft.com/office/drawing/2014/main" id="{BF1F035C-B3CE-4CD7-B935-1EF938E567AD}"/>
+                <a16:creationId xmlns:a16="http://schemas.microsoft.com/office/drawing/2014/main" id="{8BC56C71-4680-4AA5-812E-912A593164B9}"/>
               </a:ext>
             </a:extLst>
           </p:cNvPr>
@@ -4327,119 +5021,37 @@
             <a:spLocks noGrp="1"/>
           </p:cNvSpPr>
           <p:nvPr>
-            <p:ph type="subTitle" idx="1"/>
+            <p:ph type="title"/>
           </p:nvPr>
         </p:nvSpPr>
         <p:spPr>
           <a:xfrm>
-            <a:off x="849963" y="1200152"/>
-            <a:ext cx="2816535" cy="4457696"/>
+            <a:off x="4679266" y="2658159"/>
+            <a:ext cx="2833468" cy="1325563"/>
           </a:xfrm>
         </p:spPr>
         <p:txBody>
-          <a:bodyPr anchor="ctr">
+          <a:bodyPr>
             <a:normAutofit/>
           </a:bodyPr>
           <a:lstStyle/>
           <a:p>
-            <a:pPr algn="r"/>
             <a:r>
-              <a:rPr lang="pt-BR" sz="2800" dirty="0">
+              <a:rPr lang="pt-BR" sz="4400" dirty="0">
                 <a:solidFill>
                   <a:srgbClr val="FFFFFF"/>
                 </a:solidFill>
+                <a:latin typeface="Franklin Gothic Medium" panose="020B0603020102020204" pitchFamily="34" charset="0"/>
               </a:rPr>
-              <a:t>Modelagem do Banco de dados</a:t>
+              <a:t>Obrigado!</a:t>
             </a:r>
           </a:p>
         </p:txBody>
       </p:sp>
-      <p:cxnSp>
-        <p:nvCxnSpPr>
-          <p:cNvPr id="13" name="Straight Connector 12">
-            <a:extLst>
-              <a:ext uri="{FF2B5EF4-FFF2-40B4-BE49-F238E27FC236}">
-                <a16:creationId xmlns:a16="http://schemas.microsoft.com/office/drawing/2014/main" id="{624D17C8-E9C2-48A4-AA36-D7048A6CCC41}"/>
-              </a:ext>
-              <a:ext uri="{C183D7F6-B498-43B3-948B-1728B52AA6E4}">
-                <adec:decorative xmlns:adec="http://schemas.microsoft.com/office/drawing/2017/decorative" val="1"/>
-              </a:ext>
-            </a:extLst>
-          </p:cNvPr>
-          <p:cNvCxnSpPr>
-            <a:cxnSpLocks noGrp="1" noRot="1" noChangeAspect="1" noMove="1" noResize="1" noEditPoints="1" noAdjustHandles="1" noChangeArrowheads="1" noChangeShapeType="1"/>
-          </p:cNvCxnSpPr>
-          <p:nvPr>
-            <p:extLst>
-              <p:ext uri="{386F3935-93C4-4BCD-93E2-E3B085C9AB24}">
-                <p16:designElem xmlns:p16="http://schemas.microsoft.com/office/powerpoint/2015/main" val="1"/>
-              </p:ext>
-            </p:extLst>
-          </p:nvPr>
-        </p:nvCxnSpPr>
-        <p:spPr>
-          <a:xfrm>
-            <a:off x="4055891" y="2286000"/>
-            <a:ext cx="0" cy="2286000"/>
-          </a:xfrm>
-          <a:prstGeom prst="line">
-            <a:avLst/>
-          </a:prstGeom>
-          <a:ln w="19050">
-            <a:solidFill>
-              <a:srgbClr val="FFFFFF"/>
-            </a:solidFill>
-          </a:ln>
-        </p:spPr>
-        <p:style>
-          <a:lnRef idx="1">
-            <a:schemeClr val="accent1"/>
-          </a:lnRef>
-          <a:fillRef idx="0">
-            <a:schemeClr val="accent1"/>
-          </a:fillRef>
-          <a:effectRef idx="0">
-            <a:schemeClr val="accent1"/>
-          </a:effectRef>
-          <a:fontRef idx="minor">
-            <a:schemeClr val="tx1"/>
-          </a:fontRef>
-        </p:style>
-      </p:cxnSp>
-      <p:pic>
-        <p:nvPicPr>
-          <p:cNvPr id="8" name="Picture 7">
-            <a:extLst>
-              <a:ext uri="{FF2B5EF4-FFF2-40B4-BE49-F238E27FC236}">
-                <a16:creationId xmlns:a16="http://schemas.microsoft.com/office/drawing/2014/main" id="{FB2969B5-D3A8-4117-82AB-49F1F163EE9D}"/>
-              </a:ext>
-            </a:extLst>
-          </p:cNvPr>
-          <p:cNvPicPr>
-            <a:picLocks noChangeAspect="1"/>
-          </p:cNvPicPr>
-          <p:nvPr/>
-        </p:nvPicPr>
-        <p:blipFill>
-          <a:blip r:embed="rId3"/>
-          <a:stretch>
-            <a:fillRect/>
-          </a:stretch>
-        </p:blipFill>
-        <p:spPr>
-          <a:xfrm>
-            <a:off x="4308187" y="1056839"/>
-            <a:ext cx="7631517" cy="5088106"/>
-          </a:xfrm>
-          <a:prstGeom prst="rect">
-            <a:avLst/>
-          </a:prstGeom>
-        </p:spPr>
-      </p:pic>
     </p:spTree>
     <p:extLst>
       <p:ext uri="{BB962C8B-B14F-4D97-AF65-F5344CB8AC3E}">
-        <p14:creationId xmlns:p14="http://schemas.microsoft.com/office/powerpoint/2010/main" val="3688191614"/>
+        <p14:creationId xmlns:p14="http://schemas.microsoft.com/office/powerpoint/2010/main" val="4171364791"/>
       </p:ext>
     </p:extLst>
   </p:cSld>
@@ -4449,7 +5061,481 @@
 </p:sld>
 </file>
 
-<file path=ppt/slides/slide13.xml><?xml version="1.0" encoding="utf-8"?>
+<file path=ppt/slides/slide2.xml><?xml version="1.0" encoding="utf-8"?>
+<p:sld xmlns:a="http://schemas.openxmlformats.org/drawingml/2006/main" xmlns:r="http://schemas.openxmlformats.org/officeDocument/2006/relationships" xmlns:p="http://schemas.openxmlformats.org/presentationml/2006/main">
+  <p:cSld>
+    <p:bg>
+      <p:bgPr>
+        <a:solidFill>
+          <a:schemeClr val="tx1"/>
+        </a:solidFill>
+        <a:effectLst/>
+      </p:bgPr>
+    </p:bg>
+    <p:spTree>
+      <p:nvGrpSpPr>
+        <p:cNvPr id="1" name=""/>
+        <p:cNvGrpSpPr/>
+        <p:nvPr/>
+      </p:nvGrpSpPr>
+      <p:grpSpPr>
+        <a:xfrm>
+          <a:off x="0" y="0"/>
+          <a:ext cx="0" cy="0"/>
+          <a:chOff x="0" y="0"/>
+          <a:chExt cx="0" cy="0"/>
+        </a:xfrm>
+      </p:grpSpPr>
+      <p:pic>
+        <p:nvPicPr>
+          <p:cNvPr id="6" name="Picture 5" descr="A picture containing electronics, computer, circuit&#10;&#10;Description automatically generated">
+            <a:extLst>
+              <a:ext uri="{FF2B5EF4-FFF2-40B4-BE49-F238E27FC236}">
+                <a16:creationId xmlns:a16="http://schemas.microsoft.com/office/drawing/2014/main" id="{B2F89AD0-7435-468F-B63A-583DB6D97DC3}"/>
+              </a:ext>
+            </a:extLst>
+          </p:cNvPr>
+          <p:cNvPicPr>
+            <a:picLocks noChangeAspect="1"/>
+          </p:cNvPicPr>
+          <p:nvPr/>
+        </p:nvPicPr>
+        <p:blipFill rotWithShape="1">
+          <a:blip r:embed="rId2">
+            <a:alphaModFix amt="35000"/>
+            <a:extLst>
+              <a:ext uri="{28A0092B-C50C-407E-A947-70E740481C1C}">
+                <a14:useLocalDpi xmlns:a14="http://schemas.microsoft.com/office/drawing/2010/main" val="0"/>
+              </a:ext>
+            </a:extLst>
+          </a:blip>
+          <a:srcRect l="2284" r="8828"/>
+          <a:stretch/>
+        </p:blipFill>
+        <p:spPr>
+          <a:xfrm>
+            <a:off x="-1" y="-1"/>
+            <a:ext cx="12192001" cy="6858001"/>
+          </a:xfrm>
+          <a:prstGeom prst="rect">
+            <a:avLst/>
+          </a:prstGeom>
+        </p:spPr>
+      </p:pic>
+      <p:sp>
+        <p:nvSpPr>
+          <p:cNvPr id="4" name="Title 3">
+            <a:extLst>
+              <a:ext uri="{FF2B5EF4-FFF2-40B4-BE49-F238E27FC236}">
+                <a16:creationId xmlns:a16="http://schemas.microsoft.com/office/drawing/2014/main" id="{CC52F52D-D1F6-4F9E-A07B-CAECEC0193BF}"/>
+              </a:ext>
+            </a:extLst>
+          </p:cNvPr>
+          <p:cNvSpPr>
+            <a:spLocks noGrp="1"/>
+          </p:cNvSpPr>
+          <p:nvPr>
+            <p:ph type="title"/>
+          </p:nvPr>
+        </p:nvSpPr>
+        <p:spPr/>
+        <p:txBody>
+          <a:bodyPr/>
+          <a:lstStyle/>
+          <a:p>
+            <a:pPr algn="ctr"/>
+            <a:r>
+              <a:rPr lang="pt-BR" dirty="0">
+                <a:solidFill>
+                  <a:schemeClr val="bg1"/>
+                </a:solidFill>
+                <a:latin typeface="Franklin Gothic Medium" panose="020B0603020102020204" pitchFamily="34" charset="0"/>
+                <a:cs typeface="Times New Roman" panose="02020603050405020304" pitchFamily="18" charset="0"/>
+              </a:rPr>
+              <a:t>O PROBLEMA QUE ENCONTRAMOS...</a:t>
+            </a:r>
+          </a:p>
+        </p:txBody>
+      </p:sp>
+      <p:sp>
+        <p:nvSpPr>
+          <p:cNvPr id="8" name="Content Placeholder 7">
+            <a:extLst>
+              <a:ext uri="{FF2B5EF4-FFF2-40B4-BE49-F238E27FC236}">
+                <a16:creationId xmlns:a16="http://schemas.microsoft.com/office/drawing/2014/main" id="{B4F6DFD2-65A1-45E0-A89B-4ECA1A743957}"/>
+              </a:ext>
+            </a:extLst>
+          </p:cNvPr>
+          <p:cNvSpPr>
+            <a:spLocks noGrp="1"/>
+          </p:cNvSpPr>
+          <p:nvPr>
+            <p:ph idx="1"/>
+          </p:nvPr>
+        </p:nvSpPr>
+        <p:spPr>
+          <a:xfrm>
+            <a:off x="838200" y="2182481"/>
+            <a:ext cx="10515600" cy="4351338"/>
+          </a:xfrm>
+        </p:spPr>
+        <p:txBody>
+          <a:bodyPr>
+            <a:normAutofit/>
+          </a:bodyPr>
+          <a:lstStyle/>
+          <a:p>
+            <a:pPr marL="0" indent="0">
+              <a:buNone/>
+            </a:pPr>
+            <a:r>
+              <a:rPr lang="pt-PT" dirty="0">
+                <a:solidFill>
+                  <a:schemeClr val="bg1"/>
+                </a:solidFill>
+                <a:latin typeface="Franklin Gothic Medium" panose="020B0603020102020204" pitchFamily="34" charset="0"/>
+                <a:cs typeface="Times New Roman" panose="02020603050405020304" pitchFamily="18" charset="0"/>
+              </a:rPr>
+              <a:t>	Um dos grandes problemas das empresas de varejo é a quantidade de tempo que os clientes enfrentam em filas de pagamento. Esse problema faz com que clientes dessistam de comprar.</a:t>
+            </a:r>
+            <a:endParaRPr lang="pt-BR" dirty="0">
+              <a:solidFill>
+                <a:schemeClr val="bg1"/>
+              </a:solidFill>
+              <a:latin typeface="Franklin Gothic Medium" panose="020B0603020102020204" pitchFamily="34" charset="0"/>
+              <a:cs typeface="Times New Roman" panose="02020603050405020304" pitchFamily="18" charset="0"/>
+            </a:endParaRPr>
+          </a:p>
+          <a:p>
+            <a:pPr marL="0" indent="0">
+              <a:buNone/>
+            </a:pPr>
+            <a:r>
+              <a:rPr lang="pt-PT" dirty="0">
+                <a:solidFill>
+                  <a:schemeClr val="bg1"/>
+                </a:solidFill>
+                <a:latin typeface="Franklin Gothic Medium" panose="020B0603020102020204" pitchFamily="34" charset="0"/>
+                <a:cs typeface="Times New Roman" panose="02020603050405020304" pitchFamily="18" charset="0"/>
+              </a:rPr>
+              <a:t>	Tal cenário é constantemente repetido já que não há investimento em tecnologias de gestão de fila eficiente que possibilite monitorar quantos clientes aguardam atendimento para a efetuação da compra e quantos desistem no meio do caminho.</a:t>
+            </a:r>
+            <a:endParaRPr lang="pt-BR" dirty="0">
+              <a:solidFill>
+                <a:schemeClr val="bg1"/>
+              </a:solidFill>
+              <a:latin typeface="Franklin Gothic Medium" panose="020B0603020102020204" pitchFamily="34" charset="0"/>
+              <a:cs typeface="Times New Roman" panose="02020603050405020304" pitchFamily="18" charset="0"/>
+            </a:endParaRPr>
+          </a:p>
+          <a:p>
+            <a:endParaRPr lang="pt-BR" dirty="0">
+              <a:solidFill>
+                <a:schemeClr val="bg1"/>
+              </a:solidFill>
+              <a:latin typeface="Franklin Gothic Medium" panose="020B0603020102020204" pitchFamily="34" charset="0"/>
+              <a:cs typeface="Times New Roman" panose="02020603050405020304" pitchFamily="18" charset="0"/>
+            </a:endParaRPr>
+          </a:p>
+        </p:txBody>
+      </p:sp>
+    </p:spTree>
+    <p:extLst>
+      <p:ext uri="{BB962C8B-B14F-4D97-AF65-F5344CB8AC3E}">
+        <p14:creationId xmlns:p14="http://schemas.microsoft.com/office/powerpoint/2010/main" val="1133088658"/>
+      </p:ext>
+    </p:extLst>
+  </p:cSld>
+  <p:clrMapOvr>
+    <a:masterClrMapping/>
+  </p:clrMapOvr>
+</p:sld>
+</file>
+
+<file path=ppt/slides/slide3.xml><?xml version="1.0" encoding="utf-8"?>
+<p:sld xmlns:a="http://schemas.openxmlformats.org/drawingml/2006/main" xmlns:r="http://schemas.openxmlformats.org/officeDocument/2006/relationships" xmlns:p="http://schemas.openxmlformats.org/presentationml/2006/main">
+  <p:cSld>
+    <p:bg>
+      <p:bgPr>
+        <a:solidFill>
+          <a:schemeClr val="tx1"/>
+        </a:solidFill>
+        <a:effectLst/>
+      </p:bgPr>
+    </p:bg>
+    <p:spTree>
+      <p:nvGrpSpPr>
+        <p:cNvPr id="1" name=""/>
+        <p:cNvGrpSpPr/>
+        <p:nvPr/>
+      </p:nvGrpSpPr>
+      <p:grpSpPr>
+        <a:xfrm>
+          <a:off x="0" y="0"/>
+          <a:ext cx="0" cy="0"/>
+          <a:chOff x="0" y="0"/>
+          <a:chExt cx="0" cy="0"/>
+        </a:xfrm>
+      </p:grpSpPr>
+      <p:pic>
+        <p:nvPicPr>
+          <p:cNvPr id="5" name="Picture 4" descr="A picture containing electronics, computer, circuit&#10;&#10;Description automatically generated">
+            <a:extLst>
+              <a:ext uri="{FF2B5EF4-FFF2-40B4-BE49-F238E27FC236}">
+                <a16:creationId xmlns:a16="http://schemas.microsoft.com/office/drawing/2014/main" id="{91E009F8-34B0-40DF-8DAC-294F04ABF0E9}"/>
+              </a:ext>
+            </a:extLst>
+          </p:cNvPr>
+          <p:cNvPicPr>
+            <a:picLocks noChangeAspect="1"/>
+          </p:cNvPicPr>
+          <p:nvPr/>
+        </p:nvPicPr>
+        <p:blipFill rotWithShape="1">
+          <a:blip r:embed="rId2">
+            <a:alphaModFix amt="35000"/>
+            <a:extLst>
+              <a:ext uri="{28A0092B-C50C-407E-A947-70E740481C1C}">
+                <a14:useLocalDpi xmlns:a14="http://schemas.microsoft.com/office/drawing/2010/main" val="0"/>
+              </a:ext>
+            </a:extLst>
+          </a:blip>
+          <a:srcRect/>
+          <a:stretch/>
+        </p:blipFill>
+        <p:spPr>
+          <a:xfrm>
+            <a:off x="0" y="1"/>
+            <a:ext cx="12192000" cy="6858000"/>
+          </a:xfrm>
+          <a:prstGeom prst="rect">
+            <a:avLst/>
+          </a:prstGeom>
+        </p:spPr>
+      </p:pic>
+      <p:sp>
+        <p:nvSpPr>
+          <p:cNvPr id="8" name="Text Placeholder 7">
+            <a:extLst>
+              <a:ext uri="{FF2B5EF4-FFF2-40B4-BE49-F238E27FC236}">
+                <a16:creationId xmlns:a16="http://schemas.microsoft.com/office/drawing/2014/main" id="{14D07BE5-274F-413A-A636-21C560B93F66}"/>
+              </a:ext>
+            </a:extLst>
+          </p:cNvPr>
+          <p:cNvSpPr>
+            <a:spLocks noGrp="1"/>
+          </p:cNvSpPr>
+          <p:nvPr>
+            <p:ph type="body" idx="1"/>
+          </p:nvPr>
+        </p:nvSpPr>
+        <p:spPr>
+          <a:xfrm>
+            <a:off x="3112222" y="1089760"/>
+            <a:ext cx="5157787" cy="545911"/>
+          </a:xfrm>
+        </p:spPr>
+        <p:txBody>
+          <a:bodyPr>
+            <a:noAutofit/>
+          </a:bodyPr>
+          <a:lstStyle/>
+          <a:p>
+            <a:pPr algn="ctr"/>
+            <a:r>
+              <a:rPr lang="pt-PT" sz="3200" dirty="0">
+                <a:solidFill>
+                  <a:schemeClr val="bg1"/>
+                </a:solidFill>
+                <a:latin typeface="Franklin Gothic Medium" panose="020B0603020102020204" pitchFamily="34" charset="0"/>
+                <a:cs typeface="Times New Roman" panose="02020603050405020304" pitchFamily="18" charset="0"/>
+              </a:rPr>
+              <a:t>QUEM SOFRE COM ESTE PROBLEMA?</a:t>
+            </a:r>
+          </a:p>
+          <a:p>
+            <a:endParaRPr lang="pt-BR" sz="3200" dirty="0">
+              <a:solidFill>
+                <a:schemeClr val="bg1"/>
+              </a:solidFill>
+              <a:latin typeface="Franklin Gothic Medium" panose="020B0603020102020204" pitchFamily="34" charset="0"/>
+              <a:cs typeface="Times New Roman" panose="02020603050405020304" pitchFamily="18" charset="0"/>
+            </a:endParaRPr>
+          </a:p>
+        </p:txBody>
+      </p:sp>
+      <p:sp>
+        <p:nvSpPr>
+          <p:cNvPr id="9" name="Content Placeholder 8">
+            <a:extLst>
+              <a:ext uri="{FF2B5EF4-FFF2-40B4-BE49-F238E27FC236}">
+                <a16:creationId xmlns:a16="http://schemas.microsoft.com/office/drawing/2014/main" id="{D90546AB-94C1-4A51-9ED3-736A63BEAA12}"/>
+              </a:ext>
+            </a:extLst>
+          </p:cNvPr>
+          <p:cNvSpPr>
+            <a:spLocks noGrp="1"/>
+          </p:cNvSpPr>
+          <p:nvPr>
+            <p:ph sz="half" idx="2"/>
+          </p:nvPr>
+        </p:nvSpPr>
+        <p:spPr>
+          <a:xfrm>
+            <a:off x="234877" y="1138725"/>
+            <a:ext cx="11957123" cy="2348707"/>
+          </a:xfrm>
+        </p:spPr>
+        <p:txBody>
+          <a:bodyPr/>
+          <a:lstStyle/>
+          <a:p>
+            <a:pPr marL="0" indent="0">
+              <a:buNone/>
+            </a:pPr>
+            <a:r>
+              <a:rPr lang="pt-PT" dirty="0">
+                <a:solidFill>
+                  <a:schemeClr val="bg1"/>
+                </a:solidFill>
+                <a:latin typeface="Franklin Gothic Medium" panose="020B0603020102020204" pitchFamily="34" charset="0"/>
+                <a:cs typeface="Times New Roman" panose="02020603050405020304" pitchFamily="18" charset="0"/>
+              </a:rPr>
+              <a:t>	A demora nas filas geram estresse e desistência da compra, fazendo com  que o mesmo venha perder seu tempo e não tem mais credibilidade com a loja ; e também a loja, pois perde a confiabilidade dos clientes por conta da espera e gera conflito em horários corridos.</a:t>
+            </a:r>
+            <a:endParaRPr lang="pt-BR" dirty="0">
+              <a:solidFill>
+                <a:schemeClr val="bg1"/>
+              </a:solidFill>
+              <a:latin typeface="Franklin Gothic Medium" panose="020B0603020102020204" pitchFamily="34" charset="0"/>
+              <a:cs typeface="Times New Roman" panose="02020603050405020304" pitchFamily="18" charset="0"/>
+            </a:endParaRPr>
+          </a:p>
+        </p:txBody>
+      </p:sp>
+      <p:sp>
+        <p:nvSpPr>
+          <p:cNvPr id="10" name="Text Placeholder 9">
+            <a:extLst>
+              <a:ext uri="{FF2B5EF4-FFF2-40B4-BE49-F238E27FC236}">
+                <a16:creationId xmlns:a16="http://schemas.microsoft.com/office/drawing/2014/main" id="{854810A8-B014-4E2B-841A-B15341EAF21F}"/>
+              </a:ext>
+            </a:extLst>
+          </p:cNvPr>
+          <p:cNvSpPr>
+            <a:spLocks noGrp="1"/>
+          </p:cNvSpPr>
+          <p:nvPr>
+            <p:ph type="body" sz="quarter" idx="3"/>
+          </p:nvPr>
+        </p:nvSpPr>
+        <p:spPr>
+          <a:xfrm>
+            <a:off x="3403050" y="4226264"/>
+            <a:ext cx="5183188" cy="823912"/>
+          </a:xfrm>
+        </p:spPr>
+        <p:txBody>
+          <a:bodyPr>
+            <a:noAutofit/>
+          </a:bodyPr>
+          <a:lstStyle/>
+          <a:p>
+            <a:pPr algn="ctr"/>
+            <a:r>
+              <a:rPr lang="pt-PT" sz="3200" dirty="0">
+                <a:solidFill>
+                  <a:schemeClr val="bg1"/>
+                </a:solidFill>
+                <a:latin typeface="Franklin Gothic Medium" panose="020B0603020102020204" pitchFamily="34" charset="0"/>
+                <a:cs typeface="Times New Roman" panose="02020603050405020304" pitchFamily="18" charset="0"/>
+              </a:rPr>
+              <a:t>QUANTO CUSTA O PROBLEMA ?</a:t>
+            </a:r>
+          </a:p>
+          <a:p>
+            <a:endParaRPr lang="pt-BR" sz="3200" dirty="0">
+              <a:solidFill>
+                <a:schemeClr val="bg1"/>
+              </a:solidFill>
+              <a:latin typeface="Franklin Gothic Medium" panose="020B0603020102020204" pitchFamily="34" charset="0"/>
+              <a:cs typeface="Times New Roman" panose="02020603050405020304" pitchFamily="18" charset="0"/>
+            </a:endParaRPr>
+          </a:p>
+        </p:txBody>
+      </p:sp>
+      <p:sp>
+        <p:nvSpPr>
+          <p:cNvPr id="11" name="Content Placeholder 10">
+            <a:extLst>
+              <a:ext uri="{FF2B5EF4-FFF2-40B4-BE49-F238E27FC236}">
+                <a16:creationId xmlns:a16="http://schemas.microsoft.com/office/drawing/2014/main" id="{F352A439-F3F0-4C84-8A92-FF2F6296D276}"/>
+              </a:ext>
+            </a:extLst>
+          </p:cNvPr>
+          <p:cNvSpPr>
+            <a:spLocks noGrp="1"/>
+          </p:cNvSpPr>
+          <p:nvPr>
+            <p:ph sz="quarter" idx="4"/>
+          </p:nvPr>
+        </p:nvSpPr>
+        <p:spPr>
+          <a:xfrm>
+            <a:off x="456406" y="4528226"/>
+            <a:ext cx="11279188" cy="3684588"/>
+          </a:xfrm>
+        </p:spPr>
+        <p:txBody>
+          <a:bodyPr/>
+          <a:lstStyle/>
+          <a:p>
+            <a:pPr marL="0" indent="0">
+              <a:buNone/>
+            </a:pPr>
+            <a:r>
+              <a:rPr lang="pt-PT" dirty="0">
+                <a:solidFill>
+                  <a:schemeClr val="bg1"/>
+                </a:solidFill>
+                <a:latin typeface="Franklin Gothic Medium" panose="020B0603020102020204" pitchFamily="34" charset="0"/>
+                <a:cs typeface="Times New Roman" panose="02020603050405020304" pitchFamily="18" charset="0"/>
+              </a:rPr>
+              <a:t>	Conforme levantamento do site Retail Reimagined, cerca de 85% dos brasileiros já desistiram das compras por causa de filas e serviço ruim. O tempo de espera impacta diretamente na formação de opinião dos consumidores a respeito dos serviços.</a:t>
+            </a:r>
+            <a:endParaRPr lang="pt-BR" dirty="0">
+              <a:solidFill>
+                <a:schemeClr val="bg1"/>
+              </a:solidFill>
+              <a:latin typeface="Franklin Gothic Medium" panose="020B0603020102020204" pitchFamily="34" charset="0"/>
+              <a:cs typeface="Times New Roman" panose="02020603050405020304" pitchFamily="18" charset="0"/>
+            </a:endParaRPr>
+          </a:p>
+          <a:p>
+            <a:endParaRPr lang="pt-BR" dirty="0">
+              <a:solidFill>
+                <a:schemeClr val="bg1"/>
+              </a:solidFill>
+              <a:latin typeface="Franklin Gothic Medium" panose="020B0603020102020204" pitchFamily="34" charset="0"/>
+              <a:cs typeface="Times New Roman" panose="02020603050405020304" pitchFamily="18" charset="0"/>
+            </a:endParaRPr>
+          </a:p>
+        </p:txBody>
+      </p:sp>
+    </p:spTree>
+    <p:extLst>
+      <p:ext uri="{BB962C8B-B14F-4D97-AF65-F5344CB8AC3E}">
+        <p14:creationId xmlns:p14="http://schemas.microsoft.com/office/powerpoint/2010/main" val="2123204267"/>
+      </p:ext>
+    </p:extLst>
+  </p:cSld>
+  <p:clrMapOvr>
+    <a:masterClrMapping/>
+  </p:clrMapOvr>
+</p:sld>
+</file>
+
+<file path=ppt/slides/slide4.xml><?xml version="1.0" encoding="utf-8"?>
 <p:sld xmlns:a="http://schemas.openxmlformats.org/drawingml/2006/main" xmlns:r="http://schemas.openxmlformats.org/officeDocument/2006/relationships" xmlns:p="http://schemas.openxmlformats.org/presentationml/2006/main">
   <p:cSld>
     <p:bg>
@@ -4476,10 +5562,10 @@
       </p:grpSpPr>
       <p:sp>
         <p:nvSpPr>
-          <p:cNvPr id="11" name="Rectangle 10">
+          <p:cNvPr id="13" name="Rectangle 12">
             <a:extLst>
               <a:ext uri="{FF2B5EF4-FFF2-40B4-BE49-F238E27FC236}">
-                <a16:creationId xmlns:a16="http://schemas.microsoft.com/office/drawing/2014/main" id="{E20EB187-900F-4AF5-813B-101456D9FD39}"/>
+                <a16:creationId xmlns:a16="http://schemas.microsoft.com/office/drawing/2014/main" id="{9228552E-C8B1-4A80-8448-0787CE0FC704}"/>
               </a:ext>
               <a:ext uri="{C183D7F6-B498-43B3-948B-1728B52AA6E4}">
                 <adec:decorative xmlns:adec="http://schemas.microsoft.com/office/drawing/2017/decorative" val="1"/>
@@ -4539,10 +5625,10 @@
       </p:sp>
       <p:pic>
         <p:nvPicPr>
-          <p:cNvPr id="6" name="Picture 5" descr="A picture containing electronics, computer, circuit&#10;&#10;Description automatically generated">
+          <p:cNvPr id="5" name="Picture 4" descr="A picture containing electronics, computer, circuit&#10;&#10;Description automatically generated">
             <a:extLst>
               <a:ext uri="{FF2B5EF4-FFF2-40B4-BE49-F238E27FC236}">
-                <a16:creationId xmlns:a16="http://schemas.microsoft.com/office/drawing/2014/main" id="{B4F517AA-3829-469A-93B7-269D2415604B}"/>
+                <a16:creationId xmlns:a16="http://schemas.microsoft.com/office/drawing/2014/main" id="{91E009F8-34B0-40DF-8DAC-294F04ABF0E9}"/>
               </a:ext>
             </a:extLst>
           </p:cNvPr>
@@ -4575,10 +5661,10 @@
       </p:pic>
       <p:sp>
         <p:nvSpPr>
-          <p:cNvPr id="3" name="Subtitle 2">
+          <p:cNvPr id="7" name="Title 6">
             <a:extLst>
               <a:ext uri="{FF2B5EF4-FFF2-40B4-BE49-F238E27FC236}">
-                <a16:creationId xmlns:a16="http://schemas.microsoft.com/office/drawing/2014/main" id="{BF1F035C-B3CE-4CD7-B935-1EF938E567AD}"/>
+                <a16:creationId xmlns:a16="http://schemas.microsoft.com/office/drawing/2014/main" id="{4F661403-D1DF-46C8-A9D9-5E7C6806FA30}"/>
               </a:ext>
             </a:extLst>
           </p:cNvPr>
@@ -4586,119 +5672,89 @@
             <a:spLocks noGrp="1"/>
           </p:cNvSpPr>
           <p:nvPr>
-            <p:ph type="subTitle" idx="1"/>
+            <p:ph type="title"/>
           </p:nvPr>
         </p:nvSpPr>
         <p:spPr>
           <a:xfrm>
-            <a:off x="849963" y="1200152"/>
-            <a:ext cx="2816535" cy="4457696"/>
+            <a:off x="838200" y="365125"/>
+            <a:ext cx="10515600" cy="1325563"/>
           </a:xfrm>
         </p:spPr>
         <p:txBody>
-          <a:bodyPr anchor="ctr">
+          <a:bodyPr>
             <a:normAutofit/>
           </a:bodyPr>
           <a:lstStyle/>
           <a:p>
-            <a:pPr algn="r"/>
+            <a:pPr algn="ctr"/>
             <a:r>
-              <a:rPr lang="pt-BR" sz="2800" dirty="0">
+              <a:rPr lang="pt-BR" dirty="0">
                 <a:solidFill>
                   <a:srgbClr val="FFFFFF"/>
                 </a:solidFill>
+                <a:latin typeface="Franklin Gothic Medium" panose="020B0603020102020204" pitchFamily="34" charset="0"/>
               </a:rPr>
-              <a:t>Modelagem do Banco de dados</a:t>
+              <a:t>Solução – Sensor da Fila</a:t>
             </a:r>
           </a:p>
         </p:txBody>
       </p:sp>
-      <p:cxnSp>
-        <p:nvCxnSpPr>
-          <p:cNvPr id="13" name="Straight Connector 12">
+      <p:sp>
+        <p:nvSpPr>
+          <p:cNvPr id="8" name="Content Placeholder 7">
             <a:extLst>
               <a:ext uri="{FF2B5EF4-FFF2-40B4-BE49-F238E27FC236}">
-                <a16:creationId xmlns:a16="http://schemas.microsoft.com/office/drawing/2014/main" id="{624D17C8-E9C2-48A4-AA36-D7048A6CCC41}"/>
-              </a:ext>
-              <a:ext uri="{C183D7F6-B498-43B3-948B-1728B52AA6E4}">
-                <adec:decorative xmlns:adec="http://schemas.microsoft.com/office/drawing/2017/decorative" val="1"/>
+                <a16:creationId xmlns:a16="http://schemas.microsoft.com/office/drawing/2014/main" id="{68EA92C1-55E4-41A7-953C-72A2E0EC1426}"/>
               </a:ext>
             </a:extLst>
           </p:cNvPr>
-          <p:cNvCxnSpPr>
-            <a:cxnSpLocks noGrp="1" noRot="1" noChangeAspect="1" noMove="1" noResize="1" noEditPoints="1" noAdjustHandles="1" noChangeArrowheads="1" noChangeShapeType="1"/>
-          </p:cNvCxnSpPr>
+          <p:cNvSpPr>
+            <a:spLocks noGrp="1"/>
+          </p:cNvSpPr>
           <p:nvPr>
-            <p:extLst>
-              <p:ext uri="{386F3935-93C4-4BCD-93E2-E3B085C9AB24}">
-                <p16:designElem xmlns:p16="http://schemas.microsoft.com/office/powerpoint/2015/main" val="1"/>
-              </p:ext>
-            </p:extLst>
+            <p:ph idx="1"/>
           </p:nvPr>
-        </p:nvCxnSpPr>
+        </p:nvSpPr>
         <p:spPr>
           <a:xfrm>
-            <a:off x="4055891" y="2286000"/>
-            <a:ext cx="0" cy="2286000"/>
+            <a:off x="838200" y="1825625"/>
+            <a:ext cx="10889974" cy="4351338"/>
           </a:xfrm>
-          <a:prstGeom prst="line">
-            <a:avLst/>
-          </a:prstGeom>
-          <a:ln w="19050">
-            <a:solidFill>
-              <a:srgbClr val="FFFFFF"/>
-            </a:solidFill>
-          </a:ln>
         </p:spPr>
-        <p:style>
-          <a:lnRef idx="1">
-            <a:schemeClr val="accent1"/>
-          </a:lnRef>
-          <a:fillRef idx="0">
-            <a:schemeClr val="accent1"/>
-          </a:fillRef>
-          <a:effectRef idx="0">
-            <a:schemeClr val="accent1"/>
-          </a:effectRef>
-          <a:fontRef idx="minor">
-            <a:schemeClr val="tx1"/>
-          </a:fontRef>
-        </p:style>
-      </p:cxnSp>
-      <p:pic>
-        <p:nvPicPr>
-          <p:cNvPr id="7" name="Picture 6">
-            <a:extLst>
-              <a:ext uri="{FF2B5EF4-FFF2-40B4-BE49-F238E27FC236}">
-                <a16:creationId xmlns:a16="http://schemas.microsoft.com/office/drawing/2014/main" id="{A13C2DF5-A6EA-4998-83A5-18EA8472E28E}"/>
-              </a:ext>
-            </a:extLst>
-          </p:cNvPr>
-          <p:cNvPicPr>
-            <a:picLocks noChangeAspect="1"/>
-          </p:cNvPicPr>
-          <p:nvPr/>
-        </p:nvPicPr>
-        <p:blipFill>
-          <a:blip r:embed="rId3"/>
-          <a:stretch>
-            <a:fillRect/>
-          </a:stretch>
-        </p:blipFill>
-        <p:spPr>
-          <a:xfrm>
-            <a:off x="4286631" y="319967"/>
-            <a:ext cx="7600565" cy="6186770"/>
-          </a:xfrm>
-          <a:prstGeom prst="rect">
-            <a:avLst/>
-          </a:prstGeom>
-        </p:spPr>
-      </p:pic>
+        <p:txBody>
+          <a:bodyPr>
+            <a:normAutofit/>
+          </a:bodyPr>
+          <a:lstStyle/>
+          <a:p>
+            <a:pPr marL="0" indent="0">
+              <a:buNone/>
+            </a:pPr>
+            <a:r>
+              <a:rPr lang="pt-BR" dirty="0">
+                <a:latin typeface="Franklin Gothic Medium" panose="020B0603020102020204" pitchFamily="34" charset="0"/>
+              </a:rPr>
+              <a:t>	Criamos um sistema que evita quantidade de filas excessivas e tempo de espera demorado. Será instalado dois sensores TRCT5000 (entrada) e (saída) para contar a quantidade de pessoas na fila, onde o responsável da loja poderá ter acesso em tempo real via site da quantidade de pessoas na fila sendo avisado por alertas . Assim, ele poderá tomar uma decisão rápida, ágil e eficaz para melhoria da loja. Evitando assim o congestionamento, a insatisfação dos clientes e problemas de espera na loja. </a:t>
+            </a:r>
+          </a:p>
+          <a:p>
+            <a:pPr marL="0" indent="0">
+              <a:buNone/>
+            </a:pPr>
+            <a:endParaRPr lang="pt-BR" dirty="0">
+              <a:solidFill>
+                <a:srgbClr val="FFFFFF"/>
+              </a:solidFill>
+              <a:latin typeface="Franklin Gothic Medium" panose="020B0603020102020204" pitchFamily="34" charset="0"/>
+            </a:endParaRPr>
+          </a:p>
+        </p:txBody>
+      </p:sp>
     </p:spTree>
     <p:extLst>
       <p:ext uri="{BB962C8B-B14F-4D97-AF65-F5344CB8AC3E}">
-        <p14:creationId xmlns:p14="http://schemas.microsoft.com/office/powerpoint/2010/main" val="3986310132"/>
+        <p14:creationId xmlns:p14="http://schemas.microsoft.com/office/powerpoint/2010/main" val="2838228046"/>
       </p:ext>
     </p:extLst>
   </p:cSld>
@@ -4708,150 +5764,7 @@
 </p:sld>
 </file>
 
-<file path=ppt/slides/slide14.xml><?xml version="1.0" encoding="utf-8"?>
-<p:sld xmlns:a="http://schemas.openxmlformats.org/drawingml/2006/main" xmlns:r="http://schemas.openxmlformats.org/officeDocument/2006/relationships" xmlns:p="http://schemas.openxmlformats.org/presentationml/2006/main">
-  <p:cSld>
-    <p:bg>
-      <p:bgPr>
-        <a:solidFill>
-          <a:schemeClr val="bg1"/>
-        </a:solidFill>
-        <a:effectLst/>
-      </p:bgPr>
-    </p:bg>
-    <p:spTree>
-      <p:nvGrpSpPr>
-        <p:cNvPr id="1" name=""/>
-        <p:cNvGrpSpPr/>
-        <p:nvPr/>
-      </p:nvGrpSpPr>
-      <p:grpSpPr>
-        <a:xfrm>
-          <a:off x="0" y="0"/>
-          <a:ext cx="0" cy="0"/>
-          <a:chOff x="0" y="0"/>
-          <a:chExt cx="0" cy="0"/>
-        </a:xfrm>
-      </p:grpSpPr>
-      <p:pic>
-        <p:nvPicPr>
-          <p:cNvPr id="5" name="Picture 4" descr="A picture containing electronics, computer, circuit&#10;&#10;Description automatically generated">
-            <a:extLst>
-              <a:ext uri="{FF2B5EF4-FFF2-40B4-BE49-F238E27FC236}">
-                <a16:creationId xmlns:a16="http://schemas.microsoft.com/office/drawing/2014/main" id="{91E009F8-34B0-40DF-8DAC-294F04ABF0E9}"/>
-              </a:ext>
-            </a:extLst>
-          </p:cNvPr>
-          <p:cNvPicPr>
-            <a:picLocks noChangeAspect="1"/>
-          </p:cNvPicPr>
-          <p:nvPr/>
-        </p:nvPicPr>
-        <p:blipFill rotWithShape="1">
-          <a:blip r:embed="rId3">
-            <a:alphaModFix amt="35000"/>
-            <a:extLst>
-              <a:ext uri="{28A0092B-C50C-407E-A947-70E740481C1C}">
-                <a14:useLocalDpi xmlns:a14="http://schemas.microsoft.com/office/drawing/2010/main" val="0"/>
-              </a:ext>
-            </a:extLst>
-          </a:blip>
-          <a:srcRect l="2284" r="8828"/>
-          <a:stretch/>
-        </p:blipFill>
-        <p:spPr>
-          <a:xfrm>
-            <a:off x="20" y="1"/>
-            <a:ext cx="12191980" cy="6857999"/>
-          </a:xfrm>
-          <a:prstGeom prst="rect">
-            <a:avLst/>
-          </a:prstGeom>
-        </p:spPr>
-      </p:pic>
-      <p:sp>
-        <p:nvSpPr>
-          <p:cNvPr id="3" name="Subtitle 2">
-            <a:extLst>
-              <a:ext uri="{FF2B5EF4-FFF2-40B4-BE49-F238E27FC236}">
-                <a16:creationId xmlns:a16="http://schemas.microsoft.com/office/drawing/2014/main" id="{BF1F035C-B3CE-4CD7-B935-1EF938E567AD}"/>
-              </a:ext>
-            </a:extLst>
-          </p:cNvPr>
-          <p:cNvSpPr>
-            <a:spLocks noGrp="1"/>
-          </p:cNvSpPr>
-          <p:nvPr>
-            <p:ph type="subTitle" idx="1"/>
-          </p:nvPr>
-        </p:nvSpPr>
-        <p:spPr>
-          <a:xfrm>
-            <a:off x="4493496" y="617077"/>
-            <a:ext cx="2816535" cy="783393"/>
-          </a:xfrm>
-        </p:spPr>
-        <p:txBody>
-          <a:bodyPr anchor="ctr">
-            <a:normAutofit/>
-          </a:bodyPr>
-          <a:lstStyle/>
-          <a:p>
-            <a:pPr algn="r"/>
-            <a:r>
-              <a:rPr lang="pt-BR" sz="2800" dirty="0">
-                <a:solidFill>
-                  <a:srgbClr val="FFFFFF"/>
-                </a:solidFill>
-              </a:rPr>
-              <a:t>Planilha de Risco</a:t>
-            </a:r>
-          </a:p>
-        </p:txBody>
-      </p:sp>
-      <p:pic>
-        <p:nvPicPr>
-          <p:cNvPr id="6" name="Imagem 2">
-            <a:extLst>
-              <a:ext uri="{FF2B5EF4-FFF2-40B4-BE49-F238E27FC236}">
-                <a16:creationId xmlns:a16="http://schemas.microsoft.com/office/drawing/2014/main" id="{EAED6DF8-92EE-4309-B5F2-7FAAAA052641}"/>
-              </a:ext>
-            </a:extLst>
-          </p:cNvPr>
-          <p:cNvPicPr>
-            <a:picLocks noChangeAspect="1"/>
-          </p:cNvPicPr>
-          <p:nvPr/>
-        </p:nvPicPr>
-        <p:blipFill rotWithShape="1">
-          <a:blip r:embed="rId4"/>
-          <a:srcRect l="-117" t="1828" r="117" b="1029"/>
-          <a:stretch/>
-        </p:blipFill>
-        <p:spPr>
-          <a:xfrm>
-            <a:off x="495300" y="2017546"/>
-            <a:ext cx="11201400" cy="3701143"/>
-          </a:xfrm>
-          <a:prstGeom prst="rect">
-            <a:avLst/>
-          </a:prstGeom>
-        </p:spPr>
-      </p:pic>
-    </p:spTree>
-    <p:extLst>
-      <p:ext uri="{BB962C8B-B14F-4D97-AF65-F5344CB8AC3E}">
-        <p14:creationId xmlns:p14="http://schemas.microsoft.com/office/powerpoint/2010/main" val="2113097928"/>
-      </p:ext>
-    </p:extLst>
-  </p:cSld>
-  <p:clrMapOvr>
-    <a:overrideClrMapping bg1="dk1" tx1="lt1" bg2="dk2" tx2="lt2" accent1="accent1" accent2="accent2" accent3="accent3" accent4="accent4" accent5="accent5" accent6="accent6" hlink="hlink" folHlink="folHlink"/>
-  </p:clrMapOvr>
-</p:sld>
-</file>
-
-<file path=ppt/slides/slide15.xml><?xml version="1.0" encoding="utf-8"?>
+<file path=ppt/slides/slide5.xml><?xml version="1.0" encoding="utf-8"?>
 <p:sld xmlns:a="http://schemas.openxmlformats.org/drawingml/2006/main" xmlns:r="http://schemas.openxmlformats.org/officeDocument/2006/relationships" xmlns:p="http://schemas.openxmlformats.org/presentationml/2006/main">
   <p:cSld>
     <p:bg>
@@ -4878,10 +5791,10 @@
       </p:grpSpPr>
       <p:sp>
         <p:nvSpPr>
-          <p:cNvPr id="9" name="Rectangle 8">
+          <p:cNvPr id="11" name="Rectangle 10">
             <a:extLst>
               <a:ext uri="{FF2B5EF4-FFF2-40B4-BE49-F238E27FC236}">
-                <a16:creationId xmlns:a16="http://schemas.microsoft.com/office/drawing/2014/main" id="{C5E6CFF1-2F42-4E10-9A97-F116F46F53FE}"/>
+                <a16:creationId xmlns:a16="http://schemas.microsoft.com/office/drawing/2014/main" id="{9228552E-C8B1-4A80-8448-0787CE0FC704}"/>
               </a:ext>
               <a:ext uri="{C183D7F6-B498-43B3-948B-1728B52AA6E4}">
                 <adec:decorative xmlns:adec="http://schemas.microsoft.com/office/drawing/2017/decorative" val="1"/>
@@ -4941,13 +5854,10 @@
       </p:sp>
       <p:pic>
         <p:nvPicPr>
-          <p:cNvPr id="4" name="Picture 3">
+          <p:cNvPr id="5" name="Picture 4" descr="A picture containing electronics, computer, circuit&#10;&#10;Description automatically generated">
             <a:extLst>
               <a:ext uri="{FF2B5EF4-FFF2-40B4-BE49-F238E27FC236}">
-                <a16:creationId xmlns:a16="http://schemas.microsoft.com/office/drawing/2014/main" id="{C4AA4AA6-9FF7-48CB-98A0-A66DBA2FE0BA}"/>
-              </a:ext>
-              <a:ext uri="{C183D7F6-B498-43B3-948B-1728B52AA6E4}">
-                <adec:decorative xmlns:adec="http://schemas.microsoft.com/office/drawing/2017/decorative" val="1"/>
+                <a16:creationId xmlns:a16="http://schemas.microsoft.com/office/drawing/2014/main" id="{91E009F8-34B0-40DF-8DAC-294F04ABF0E9}"/>
               </a:ext>
             </a:extLst>
           </p:cNvPr>
@@ -4976,17 +5886,14 @@
           <a:prstGeom prst="rect">
             <a:avLst/>
           </a:prstGeom>
-          <a:solidFill>
-            <a:schemeClr val="bg1"/>
-          </a:solidFill>
         </p:spPr>
       </p:pic>
       <p:sp>
         <p:nvSpPr>
-          <p:cNvPr id="2" name="Title 1">
+          <p:cNvPr id="4" name="Title 3">
             <a:extLst>
               <a:ext uri="{FF2B5EF4-FFF2-40B4-BE49-F238E27FC236}">
-                <a16:creationId xmlns:a16="http://schemas.microsoft.com/office/drawing/2014/main" id="{8BC56C71-4680-4AA5-812E-912A593164B9}"/>
+                <a16:creationId xmlns:a16="http://schemas.microsoft.com/office/drawing/2014/main" id="{55CB77D3-E366-45EA-9914-7C7C981EEC4F}"/>
               </a:ext>
             </a:extLst>
           </p:cNvPr>
@@ -4999,8 +5906,8 @@
         </p:nvSpPr>
         <p:spPr>
           <a:xfrm>
-            <a:off x="838201" y="1065862"/>
-            <a:ext cx="3313164" cy="4726276"/>
+            <a:off x="838200" y="365125"/>
+            <a:ext cx="10515600" cy="1325563"/>
           </a:xfrm>
         </p:spPr>
         <p:txBody>
@@ -5009,76 +5916,25 @@
           </a:bodyPr>
           <a:lstStyle/>
           <a:p>
-            <a:pPr algn="r"/>
+            <a:pPr algn="ctr"/>
             <a:r>
-              <a:rPr lang="pt-BR" sz="4000" dirty="0">
+              <a:rPr lang="pt-BR" dirty="0">
                 <a:solidFill>
                   <a:srgbClr val="FFFFFF"/>
                 </a:solidFill>
+                <a:latin typeface="Franklin Gothic Medium" panose="020B0603020102020204" pitchFamily="34" charset="0"/>
               </a:rPr>
-              <a:t>Tela de Login</a:t>
+              <a:t>Como será realizado isso?</a:t>
             </a:r>
           </a:p>
         </p:txBody>
       </p:sp>
-      <p:cxnSp>
-        <p:nvCxnSpPr>
-          <p:cNvPr id="11" name="Straight Connector 10">
-            <a:extLst>
-              <a:ext uri="{FF2B5EF4-FFF2-40B4-BE49-F238E27FC236}">
-                <a16:creationId xmlns:a16="http://schemas.microsoft.com/office/drawing/2014/main" id="{67182200-4859-4C8D-BCBB-55B245C28BA3}"/>
-              </a:ext>
-              <a:ext uri="{C183D7F6-B498-43B3-948B-1728B52AA6E4}">
-                <adec:decorative xmlns:adec="http://schemas.microsoft.com/office/drawing/2017/decorative" val="1"/>
-              </a:ext>
-            </a:extLst>
-          </p:cNvPr>
-          <p:cNvCxnSpPr>
-            <a:cxnSpLocks noGrp="1" noRot="1" noChangeAspect="1" noMove="1" noResize="1" noEditPoints="1" noAdjustHandles="1" noChangeArrowheads="1" noChangeShapeType="1"/>
-          </p:cNvCxnSpPr>
-          <p:nvPr>
-            <p:extLst>
-              <p:ext uri="{386F3935-93C4-4BCD-93E2-E3B085C9AB24}">
-                <p16:designElem xmlns:p16="http://schemas.microsoft.com/office/powerpoint/2015/main" val="1"/>
-              </p:ext>
-            </p:extLst>
-          </p:nvPr>
-        </p:nvCxnSpPr>
-        <p:spPr>
-          <a:xfrm>
-            <a:off x="4653372" y="2286000"/>
-            <a:ext cx="0" cy="2286000"/>
-          </a:xfrm>
-          <a:prstGeom prst="line">
-            <a:avLst/>
-          </a:prstGeom>
-          <a:ln w="15875">
-            <a:solidFill>
-              <a:srgbClr val="FFFFFF"/>
-            </a:solidFill>
-          </a:ln>
-        </p:spPr>
-        <p:style>
-          <a:lnRef idx="1">
-            <a:schemeClr val="accent1"/>
-          </a:lnRef>
-          <a:fillRef idx="0">
-            <a:schemeClr val="accent1"/>
-          </a:fillRef>
-          <a:effectRef idx="0">
-            <a:schemeClr val="accent1"/>
-          </a:effectRef>
-          <a:fontRef idx="minor">
-            <a:schemeClr val="tx1"/>
-          </a:fontRef>
-        </p:style>
-      </p:cxnSp>
       <p:sp>
         <p:nvSpPr>
-          <p:cNvPr id="3" name="Content Placeholder 2">
+          <p:cNvPr id="6" name="Content Placeholder 5">
             <a:extLst>
               <a:ext uri="{FF2B5EF4-FFF2-40B4-BE49-F238E27FC236}">
-                <a16:creationId xmlns:a16="http://schemas.microsoft.com/office/drawing/2014/main" id="{2272F8D8-67FB-48CE-8E34-F24D5C2BC4A5}"/>
+                <a16:creationId xmlns:a16="http://schemas.microsoft.com/office/drawing/2014/main" id="{1BBF277C-442D-4A6D-B886-DFDF3933062D}"/>
               </a:ext>
             </a:extLst>
           </p:cNvPr>
@@ -5091,20 +5947,338 @@
         </p:nvSpPr>
         <p:spPr>
           <a:xfrm>
-            <a:off x="5155379" y="1065862"/>
-            <a:ext cx="5744685" cy="4726276"/>
+            <a:off x="145775" y="1825625"/>
+            <a:ext cx="11648660" cy="467001"/>
           </a:xfrm>
         </p:spPr>
         <p:txBody>
-          <a:bodyPr anchor="ctr">
-            <a:normAutofit/>
+          <a:bodyPr>
+            <a:normAutofit lnSpcReduction="10000"/>
           </a:bodyPr>
           <a:lstStyle/>
           <a:p>
-            <a:endParaRPr lang="pt-BR" sz="2000" dirty="0">
+            <a:pPr marL="0" indent="0" algn="ctr">
+              <a:buNone/>
+            </a:pPr>
+            <a:r>
+              <a:rPr lang="pt-BR" dirty="0"/>
+              <a:t>Será colocado os </a:t>
+            </a:r>
+            <a:r>
+              <a:rPr lang="pt-BR" dirty="0">
+                <a:latin typeface="Franklin Gothic Medium" panose="020B0603020102020204" pitchFamily="34" charset="0"/>
+              </a:rPr>
+              <a:t>sensores</a:t>
+            </a:r>
+            <a:r>
+              <a:rPr lang="pt-BR" dirty="0"/>
+              <a:t> na entrada e na saída apresentando alertas no site.  </a:t>
+            </a:r>
+          </a:p>
+          <a:p>
+            <a:endParaRPr lang="pt-BR" dirty="0">
               <a:solidFill>
                 <a:srgbClr val="FFFFFF"/>
               </a:solidFill>
+            </a:endParaRPr>
+          </a:p>
+        </p:txBody>
+      </p:sp>
+      <p:pic>
+        <p:nvPicPr>
+          <p:cNvPr id="9" name="Imagem 8">
+            <a:extLst>
+              <a:ext uri="{FF2B5EF4-FFF2-40B4-BE49-F238E27FC236}">
+                <a16:creationId xmlns:a16="http://schemas.microsoft.com/office/drawing/2014/main" id="{2D9E5BC8-E522-4BED-A312-A43FA4E8702F}"/>
+              </a:ext>
+            </a:extLst>
+          </p:cNvPr>
+          <p:cNvPicPr>
+            <a:picLocks noChangeAspect="1"/>
+          </p:cNvPicPr>
+          <p:nvPr/>
+        </p:nvPicPr>
+        <p:blipFill>
+          <a:blip r:embed="rId3" cstate="print">
+            <a:extLst>
+              <a:ext uri="{28A0092B-C50C-407E-A947-70E740481C1C}">
+                <a14:useLocalDpi xmlns:a14="http://schemas.microsoft.com/office/drawing/2010/main" val="0"/>
+              </a:ext>
+            </a:extLst>
+          </a:blip>
+          <a:stretch>
+            <a:fillRect/>
+          </a:stretch>
+        </p:blipFill>
+        <p:spPr>
+          <a:xfrm>
+            <a:off x="1875132" y="4118250"/>
+            <a:ext cx="684598" cy="684598"/>
+          </a:xfrm>
+          <a:prstGeom prst="rect">
+            <a:avLst/>
+          </a:prstGeom>
+        </p:spPr>
+      </p:pic>
+      <p:pic>
+        <p:nvPicPr>
+          <p:cNvPr id="10" name="Imagem 11">
+            <a:extLst>
+              <a:ext uri="{FF2B5EF4-FFF2-40B4-BE49-F238E27FC236}">
+                <a16:creationId xmlns:a16="http://schemas.microsoft.com/office/drawing/2014/main" id="{43BC75BA-63D1-4E05-9392-327DF9F3A536}"/>
+              </a:ext>
+            </a:extLst>
+          </p:cNvPr>
+          <p:cNvPicPr>
+            <a:picLocks noChangeAspect="1"/>
+          </p:cNvPicPr>
+          <p:nvPr/>
+        </p:nvPicPr>
+        <p:blipFill>
+          <a:blip r:embed="rId4" cstate="print">
+            <a:extLst>
+              <a:ext uri="{28A0092B-C50C-407E-A947-70E740481C1C}">
+                <a14:useLocalDpi xmlns:a14="http://schemas.microsoft.com/office/drawing/2010/main" val="0"/>
+              </a:ext>
+            </a:extLst>
+          </a:blip>
+          <a:stretch>
+            <a:fillRect/>
+          </a:stretch>
+        </p:blipFill>
+        <p:spPr>
+          <a:xfrm>
+            <a:off x="1916171" y="5537649"/>
+            <a:ext cx="585550" cy="585550"/>
+          </a:xfrm>
+          <a:prstGeom prst="rect">
+            <a:avLst/>
+          </a:prstGeom>
+        </p:spPr>
+      </p:pic>
+      <p:pic>
+        <p:nvPicPr>
+          <p:cNvPr id="12" name="Imagem 13">
+            <a:extLst>
+              <a:ext uri="{FF2B5EF4-FFF2-40B4-BE49-F238E27FC236}">
+                <a16:creationId xmlns:a16="http://schemas.microsoft.com/office/drawing/2014/main" id="{4E61D44B-729B-4449-BEC7-AF8C9D53F1D0}"/>
+              </a:ext>
+            </a:extLst>
+          </p:cNvPr>
+          <p:cNvPicPr>
+            <a:picLocks noChangeAspect="1"/>
+          </p:cNvPicPr>
+          <p:nvPr/>
+        </p:nvPicPr>
+        <p:blipFill>
+          <a:blip r:embed="rId5" cstate="print">
+            <a:extLst>
+              <a:ext uri="{28A0092B-C50C-407E-A947-70E740481C1C}">
+                <a14:useLocalDpi xmlns:a14="http://schemas.microsoft.com/office/drawing/2010/main" val="0"/>
+              </a:ext>
+            </a:extLst>
+          </a:blip>
+          <a:stretch>
+            <a:fillRect/>
+          </a:stretch>
+        </p:blipFill>
+        <p:spPr>
+          <a:xfrm>
+            <a:off x="1875132" y="2774677"/>
+            <a:ext cx="667629" cy="667629"/>
+          </a:xfrm>
+          <a:prstGeom prst="rect">
+            <a:avLst/>
+          </a:prstGeom>
+        </p:spPr>
+      </p:pic>
+      <p:sp>
+        <p:nvSpPr>
+          <p:cNvPr id="7" name="TextBox 6">
+            <a:extLst>
+              <a:ext uri="{FF2B5EF4-FFF2-40B4-BE49-F238E27FC236}">
+                <a16:creationId xmlns:a16="http://schemas.microsoft.com/office/drawing/2014/main" id="{5A2FDB67-8B38-4974-A336-07E8F1C5A6D6}"/>
+              </a:ext>
+            </a:extLst>
+          </p:cNvPr>
+          <p:cNvSpPr txBox="1"/>
+          <p:nvPr/>
+        </p:nvSpPr>
+        <p:spPr>
+          <a:xfrm>
+            <a:off x="2855760" y="2508326"/>
+            <a:ext cx="9023240" cy="1200329"/>
+          </a:xfrm>
+          <a:prstGeom prst="rect">
+            <a:avLst/>
+          </a:prstGeom>
+          <a:noFill/>
+        </p:spPr>
+        <p:txBody>
+          <a:bodyPr wrap="square" rtlCol="0">
+            <a:spAutoFit/>
+          </a:bodyPr>
+          <a:lstStyle/>
+          <a:p>
+            <a:pPr algn="ctr"/>
+            <a:r>
+              <a:rPr lang="pt-BR" dirty="0">
+                <a:latin typeface="Franklin Gothic Medium" panose="020B0603020102020204" pitchFamily="34" charset="0"/>
+              </a:rPr>
+              <a:t>Alerta verde : </a:t>
+            </a:r>
+            <a:r>
+              <a:rPr lang="pt-BR" b="1" dirty="0">
+                <a:latin typeface="Franklin Gothic Medium" panose="020B0603020102020204" pitchFamily="34" charset="0"/>
+              </a:rPr>
+              <a:t>Ideal</a:t>
+            </a:r>
+          </a:p>
+          <a:p>
+            <a:r>
+              <a:rPr lang="pt-BR" dirty="0">
+                <a:latin typeface="Franklin Gothic Medium" panose="020B0603020102020204" pitchFamily="34" charset="0"/>
+              </a:rPr>
+              <a:t>O alerta verde significa o ideal para o funcionamento da fila.  Entrada = Saída . </a:t>
+            </a:r>
+          </a:p>
+          <a:p>
+            <a:r>
+              <a:rPr lang="pt-BR" dirty="0">
+                <a:latin typeface="Franklin Gothic Medium" panose="020B0603020102020204" pitchFamily="34" charset="0"/>
+              </a:rPr>
+              <a:t>Obs: Ele não será acionado. Será apenas apresentado no relatório diário.</a:t>
+            </a:r>
+          </a:p>
+          <a:p>
+            <a:endParaRPr lang="pt-BR" dirty="0">
+              <a:latin typeface="Franklin Gothic Medium" panose="020B0603020102020204" pitchFamily="34" charset="0"/>
+            </a:endParaRPr>
+          </a:p>
+        </p:txBody>
+      </p:sp>
+      <p:sp>
+        <p:nvSpPr>
+          <p:cNvPr id="8" name="TextBox 7">
+            <a:extLst>
+              <a:ext uri="{FF2B5EF4-FFF2-40B4-BE49-F238E27FC236}">
+                <a16:creationId xmlns:a16="http://schemas.microsoft.com/office/drawing/2014/main" id="{20057B7B-90E6-4955-8393-B8A7E4427835}"/>
+              </a:ext>
+            </a:extLst>
+          </p:cNvPr>
+          <p:cNvSpPr txBox="1"/>
+          <p:nvPr/>
+        </p:nvSpPr>
+        <p:spPr>
+          <a:xfrm>
+            <a:off x="2855760" y="3797387"/>
+            <a:ext cx="8938675" cy="923330"/>
+          </a:xfrm>
+          <a:prstGeom prst="rect">
+            <a:avLst/>
+          </a:prstGeom>
+          <a:noFill/>
+        </p:spPr>
+        <p:txBody>
+          <a:bodyPr wrap="square" rtlCol="0">
+            <a:spAutoFit/>
+          </a:bodyPr>
+          <a:lstStyle/>
+          <a:p>
+            <a:pPr algn="ctr"/>
+            <a:r>
+              <a:rPr lang="pt-BR" dirty="0">
+                <a:latin typeface="Franklin Gothic Medium" panose="020B0603020102020204" pitchFamily="34" charset="0"/>
+              </a:rPr>
+              <a:t>Alerta Amarelo : </a:t>
+            </a:r>
+            <a:r>
+              <a:rPr lang="pt-BR" b="1" dirty="0">
+                <a:latin typeface="Franklin Gothic Medium" panose="020B0603020102020204" pitchFamily="34" charset="0"/>
+              </a:rPr>
+              <a:t>Atenção!</a:t>
+            </a:r>
+            <a:endParaRPr lang="pt-BR" dirty="0">
+              <a:latin typeface="Franklin Gothic Medium" panose="020B0603020102020204" pitchFamily="34" charset="0"/>
+            </a:endParaRPr>
+          </a:p>
+          <a:p>
+            <a:r>
+              <a:rPr lang="pt-BR" dirty="0">
+                <a:latin typeface="Franklin Gothic Medium" panose="020B0603020102020204" pitchFamily="34" charset="0"/>
+              </a:rPr>
+              <a:t>O alerta amarelo significa que a quantidade de entradas foram maiores que as saídas. </a:t>
+            </a:r>
+          </a:p>
+          <a:p>
+            <a:r>
+              <a:rPr lang="pt-BR" dirty="0">
+                <a:latin typeface="Franklin Gothic Medium" panose="020B0603020102020204" pitchFamily="34" charset="0"/>
+              </a:rPr>
+              <a:t>Entrada &gt; saída</a:t>
+            </a:r>
+          </a:p>
+        </p:txBody>
+      </p:sp>
+      <p:sp>
+        <p:nvSpPr>
+          <p:cNvPr id="13" name="TextBox 12">
+            <a:extLst>
+              <a:ext uri="{FF2B5EF4-FFF2-40B4-BE49-F238E27FC236}">
+                <a16:creationId xmlns:a16="http://schemas.microsoft.com/office/drawing/2014/main" id="{FD4A7CF0-DC38-4AC3-B269-187DB5CFD5ED}"/>
+              </a:ext>
+            </a:extLst>
+          </p:cNvPr>
+          <p:cNvSpPr txBox="1"/>
+          <p:nvPr/>
+        </p:nvSpPr>
+        <p:spPr>
+          <a:xfrm>
+            <a:off x="2855760" y="5240443"/>
+            <a:ext cx="8938675" cy="1200329"/>
+          </a:xfrm>
+          <a:prstGeom prst="rect">
+            <a:avLst/>
+          </a:prstGeom>
+          <a:noFill/>
+        </p:spPr>
+        <p:txBody>
+          <a:bodyPr wrap="square" rtlCol="0">
+            <a:spAutoFit/>
+          </a:bodyPr>
+          <a:lstStyle/>
+          <a:p>
+            <a:pPr algn="ctr"/>
+            <a:r>
+              <a:rPr lang="pt-BR" dirty="0">
+                <a:latin typeface="Franklin Gothic Medium" panose="020B0603020102020204" pitchFamily="34" charset="0"/>
+              </a:rPr>
+              <a:t>Alerta vermelho : </a:t>
+            </a:r>
+            <a:r>
+              <a:rPr lang="pt-BR" b="1" dirty="0">
+                <a:latin typeface="Franklin Gothic Medium" panose="020B0603020102020204" pitchFamily="34" charset="0"/>
+              </a:rPr>
+              <a:t>Crítico</a:t>
+            </a:r>
+            <a:r>
+              <a:rPr lang="pt-BR" dirty="0">
+                <a:latin typeface="Franklin Gothic Medium" panose="020B0603020102020204" pitchFamily="34" charset="0"/>
+              </a:rPr>
+              <a:t> </a:t>
+            </a:r>
+          </a:p>
+          <a:p>
+            <a:r>
+              <a:rPr lang="pt-BR" dirty="0">
+                <a:latin typeface="Franklin Gothic Medium" panose="020B0603020102020204" pitchFamily="34" charset="0"/>
+              </a:rPr>
+              <a:t>O alerta vermelho significa que a quantidade de saídas foram maiores que a as entradas. Entrada &lt; Saída</a:t>
+            </a:r>
+          </a:p>
+          <a:p>
+            <a:endParaRPr lang="pt-BR" dirty="0">
+              <a:latin typeface="Franklin Gothic Medium" panose="020B0603020102020204" pitchFamily="34" charset="0"/>
             </a:endParaRPr>
           </a:p>
         </p:txBody>
@@ -5112,7 +6286,7 @@
     </p:spTree>
     <p:extLst>
       <p:ext uri="{BB962C8B-B14F-4D97-AF65-F5344CB8AC3E}">
-        <p14:creationId xmlns:p14="http://schemas.microsoft.com/office/powerpoint/2010/main" val="4171364791"/>
+        <p14:creationId xmlns:p14="http://schemas.microsoft.com/office/powerpoint/2010/main" val="3312039311"/>
       </p:ext>
     </p:extLst>
   </p:cSld>
@@ -5122,481 +6296,7 @@
 </p:sld>
 </file>
 
-<file path=ppt/slides/slide2.xml><?xml version="1.0" encoding="utf-8"?>
-<p:sld xmlns:a="http://schemas.openxmlformats.org/drawingml/2006/main" xmlns:r="http://schemas.openxmlformats.org/officeDocument/2006/relationships" xmlns:p="http://schemas.openxmlformats.org/presentationml/2006/main">
-  <p:cSld>
-    <p:bg>
-      <p:bgPr>
-        <a:solidFill>
-          <a:schemeClr val="tx1"/>
-        </a:solidFill>
-        <a:effectLst/>
-      </p:bgPr>
-    </p:bg>
-    <p:spTree>
-      <p:nvGrpSpPr>
-        <p:cNvPr id="1" name=""/>
-        <p:cNvGrpSpPr/>
-        <p:nvPr/>
-      </p:nvGrpSpPr>
-      <p:grpSpPr>
-        <a:xfrm>
-          <a:off x="0" y="0"/>
-          <a:ext cx="0" cy="0"/>
-          <a:chOff x="0" y="0"/>
-          <a:chExt cx="0" cy="0"/>
-        </a:xfrm>
-      </p:grpSpPr>
-      <p:pic>
-        <p:nvPicPr>
-          <p:cNvPr id="6" name="Picture 5" descr="A picture containing electronics, computer, circuit&#10;&#10;Description automatically generated">
-            <a:extLst>
-              <a:ext uri="{FF2B5EF4-FFF2-40B4-BE49-F238E27FC236}">
-                <a16:creationId xmlns:a16="http://schemas.microsoft.com/office/drawing/2014/main" id="{B2F89AD0-7435-468F-B63A-583DB6D97DC3}"/>
-              </a:ext>
-            </a:extLst>
-          </p:cNvPr>
-          <p:cNvPicPr>
-            <a:picLocks noChangeAspect="1"/>
-          </p:cNvPicPr>
-          <p:nvPr/>
-        </p:nvPicPr>
-        <p:blipFill rotWithShape="1">
-          <a:blip r:embed="rId2">
-            <a:alphaModFix amt="35000"/>
-            <a:extLst>
-              <a:ext uri="{28A0092B-C50C-407E-A947-70E740481C1C}">
-                <a14:useLocalDpi xmlns:a14="http://schemas.microsoft.com/office/drawing/2010/main" val="0"/>
-              </a:ext>
-            </a:extLst>
-          </a:blip>
-          <a:srcRect l="2284" r="8828"/>
-          <a:stretch/>
-        </p:blipFill>
-        <p:spPr>
-          <a:xfrm>
-            <a:off x="-1" y="-1"/>
-            <a:ext cx="12192001" cy="6858001"/>
-          </a:xfrm>
-          <a:prstGeom prst="rect">
-            <a:avLst/>
-          </a:prstGeom>
-        </p:spPr>
-      </p:pic>
-      <p:sp>
-        <p:nvSpPr>
-          <p:cNvPr id="4" name="Title 3">
-            <a:extLst>
-              <a:ext uri="{FF2B5EF4-FFF2-40B4-BE49-F238E27FC236}">
-                <a16:creationId xmlns:a16="http://schemas.microsoft.com/office/drawing/2014/main" id="{CC52F52D-D1F6-4F9E-A07B-CAECEC0193BF}"/>
-              </a:ext>
-            </a:extLst>
-          </p:cNvPr>
-          <p:cNvSpPr>
-            <a:spLocks noGrp="1"/>
-          </p:cNvSpPr>
-          <p:nvPr>
-            <p:ph type="title"/>
-          </p:nvPr>
-        </p:nvSpPr>
-        <p:spPr/>
-        <p:txBody>
-          <a:bodyPr/>
-          <a:lstStyle/>
-          <a:p>
-            <a:pPr algn="ctr"/>
-            <a:r>
-              <a:rPr lang="pt-BR" dirty="0">
-                <a:solidFill>
-                  <a:schemeClr val="bg1"/>
-                </a:solidFill>
-                <a:latin typeface="Franklin Gothic Medium" panose="020B0603020102020204" pitchFamily="34" charset="0"/>
-                <a:cs typeface="Times New Roman" panose="02020603050405020304" pitchFamily="18" charset="0"/>
-              </a:rPr>
-              <a:t>O PROBLEMA QUE ENCONTRAMOS...</a:t>
-            </a:r>
-          </a:p>
-        </p:txBody>
-      </p:sp>
-      <p:sp>
-        <p:nvSpPr>
-          <p:cNvPr id="8" name="Content Placeholder 7">
-            <a:extLst>
-              <a:ext uri="{FF2B5EF4-FFF2-40B4-BE49-F238E27FC236}">
-                <a16:creationId xmlns:a16="http://schemas.microsoft.com/office/drawing/2014/main" id="{B4F6DFD2-65A1-45E0-A89B-4ECA1A743957}"/>
-              </a:ext>
-            </a:extLst>
-          </p:cNvPr>
-          <p:cNvSpPr>
-            <a:spLocks noGrp="1"/>
-          </p:cNvSpPr>
-          <p:nvPr>
-            <p:ph idx="1"/>
-          </p:nvPr>
-        </p:nvSpPr>
-        <p:spPr>
-          <a:xfrm>
-            <a:off x="838200" y="2182481"/>
-            <a:ext cx="10515600" cy="4351338"/>
-          </a:xfrm>
-        </p:spPr>
-        <p:txBody>
-          <a:bodyPr>
-            <a:normAutofit/>
-          </a:bodyPr>
-          <a:lstStyle/>
-          <a:p>
-            <a:pPr marL="0" indent="0">
-              <a:buNone/>
-            </a:pPr>
-            <a:r>
-              <a:rPr lang="pt-PT" dirty="0">
-                <a:solidFill>
-                  <a:schemeClr val="bg1"/>
-                </a:solidFill>
-                <a:latin typeface="Franklin Gothic Medium" panose="020B0603020102020204" pitchFamily="34" charset="0"/>
-                <a:cs typeface="Times New Roman" panose="02020603050405020304" pitchFamily="18" charset="0"/>
-              </a:rPr>
-              <a:t>	Um dos grandes problemas das empresas de varejo é a quantidade de tempo que os clientes enfrentam em filas de pagamento. Esse problema faz com que clientes dessistam de comprar.</a:t>
-            </a:r>
-            <a:endParaRPr lang="pt-BR" dirty="0">
-              <a:solidFill>
-                <a:schemeClr val="bg1"/>
-              </a:solidFill>
-              <a:latin typeface="Franklin Gothic Medium" panose="020B0603020102020204" pitchFamily="34" charset="0"/>
-              <a:cs typeface="Times New Roman" panose="02020603050405020304" pitchFamily="18" charset="0"/>
-            </a:endParaRPr>
-          </a:p>
-          <a:p>
-            <a:pPr marL="0" indent="0">
-              <a:buNone/>
-            </a:pPr>
-            <a:r>
-              <a:rPr lang="pt-PT" dirty="0">
-                <a:solidFill>
-                  <a:schemeClr val="bg1"/>
-                </a:solidFill>
-                <a:latin typeface="Franklin Gothic Medium" panose="020B0603020102020204" pitchFamily="34" charset="0"/>
-                <a:cs typeface="Times New Roman" panose="02020603050405020304" pitchFamily="18" charset="0"/>
-              </a:rPr>
-              <a:t>	Tal cenário é constantemente repetido já que não há investimento em tecnologias de gestão de fila eficiente que possibilite monitorar quantos clientes aguardam atendimento para a efetuação da compra e quantos desistem no meio do caminho.</a:t>
-            </a:r>
-            <a:endParaRPr lang="pt-BR" dirty="0">
-              <a:solidFill>
-                <a:schemeClr val="bg1"/>
-              </a:solidFill>
-              <a:latin typeface="Franklin Gothic Medium" panose="020B0603020102020204" pitchFamily="34" charset="0"/>
-              <a:cs typeface="Times New Roman" panose="02020603050405020304" pitchFamily="18" charset="0"/>
-            </a:endParaRPr>
-          </a:p>
-          <a:p>
-            <a:endParaRPr lang="pt-BR" dirty="0">
-              <a:solidFill>
-                <a:schemeClr val="bg1"/>
-              </a:solidFill>
-              <a:latin typeface="Franklin Gothic Medium" panose="020B0603020102020204" pitchFamily="34" charset="0"/>
-              <a:cs typeface="Times New Roman" panose="02020603050405020304" pitchFamily="18" charset="0"/>
-            </a:endParaRPr>
-          </a:p>
-        </p:txBody>
-      </p:sp>
-    </p:spTree>
-    <p:extLst>
-      <p:ext uri="{BB962C8B-B14F-4D97-AF65-F5344CB8AC3E}">
-        <p14:creationId xmlns:p14="http://schemas.microsoft.com/office/powerpoint/2010/main" val="1133088658"/>
-      </p:ext>
-    </p:extLst>
-  </p:cSld>
-  <p:clrMapOvr>
-    <a:masterClrMapping/>
-  </p:clrMapOvr>
-</p:sld>
-</file>
-
-<file path=ppt/slides/slide3.xml><?xml version="1.0" encoding="utf-8"?>
-<p:sld xmlns:a="http://schemas.openxmlformats.org/drawingml/2006/main" xmlns:r="http://schemas.openxmlformats.org/officeDocument/2006/relationships" xmlns:p="http://schemas.openxmlformats.org/presentationml/2006/main">
-  <p:cSld>
-    <p:bg>
-      <p:bgPr>
-        <a:solidFill>
-          <a:schemeClr val="tx1"/>
-        </a:solidFill>
-        <a:effectLst/>
-      </p:bgPr>
-    </p:bg>
-    <p:spTree>
-      <p:nvGrpSpPr>
-        <p:cNvPr id="1" name=""/>
-        <p:cNvGrpSpPr/>
-        <p:nvPr/>
-      </p:nvGrpSpPr>
-      <p:grpSpPr>
-        <a:xfrm>
-          <a:off x="0" y="0"/>
-          <a:ext cx="0" cy="0"/>
-          <a:chOff x="0" y="0"/>
-          <a:chExt cx="0" cy="0"/>
-        </a:xfrm>
-      </p:grpSpPr>
-      <p:pic>
-        <p:nvPicPr>
-          <p:cNvPr id="5" name="Picture 4" descr="A picture containing electronics, computer, circuit&#10;&#10;Description automatically generated">
-            <a:extLst>
-              <a:ext uri="{FF2B5EF4-FFF2-40B4-BE49-F238E27FC236}">
-                <a16:creationId xmlns:a16="http://schemas.microsoft.com/office/drawing/2014/main" id="{91E009F8-34B0-40DF-8DAC-294F04ABF0E9}"/>
-              </a:ext>
-            </a:extLst>
-          </p:cNvPr>
-          <p:cNvPicPr>
-            <a:picLocks noChangeAspect="1"/>
-          </p:cNvPicPr>
-          <p:nvPr/>
-        </p:nvPicPr>
-        <p:blipFill rotWithShape="1">
-          <a:blip r:embed="rId2">
-            <a:alphaModFix amt="35000"/>
-            <a:extLst>
-              <a:ext uri="{28A0092B-C50C-407E-A947-70E740481C1C}">
-                <a14:useLocalDpi xmlns:a14="http://schemas.microsoft.com/office/drawing/2010/main" val="0"/>
-              </a:ext>
-            </a:extLst>
-          </a:blip>
-          <a:srcRect/>
-          <a:stretch/>
-        </p:blipFill>
-        <p:spPr>
-          <a:xfrm>
-            <a:off x="0" y="1"/>
-            <a:ext cx="12192000" cy="6858000"/>
-          </a:xfrm>
-          <a:prstGeom prst="rect">
-            <a:avLst/>
-          </a:prstGeom>
-        </p:spPr>
-      </p:pic>
-      <p:sp>
-        <p:nvSpPr>
-          <p:cNvPr id="8" name="Text Placeholder 7">
-            <a:extLst>
-              <a:ext uri="{FF2B5EF4-FFF2-40B4-BE49-F238E27FC236}">
-                <a16:creationId xmlns:a16="http://schemas.microsoft.com/office/drawing/2014/main" id="{14D07BE5-274F-413A-A636-21C560B93F66}"/>
-              </a:ext>
-            </a:extLst>
-          </p:cNvPr>
-          <p:cNvSpPr>
-            <a:spLocks noGrp="1"/>
-          </p:cNvSpPr>
-          <p:nvPr>
-            <p:ph type="body" idx="1"/>
-          </p:nvPr>
-        </p:nvSpPr>
-        <p:spPr>
-          <a:xfrm>
-            <a:off x="3112222" y="1089760"/>
-            <a:ext cx="5157787" cy="545911"/>
-          </a:xfrm>
-        </p:spPr>
-        <p:txBody>
-          <a:bodyPr>
-            <a:noAutofit/>
-          </a:bodyPr>
-          <a:lstStyle/>
-          <a:p>
-            <a:pPr algn="ctr"/>
-            <a:r>
-              <a:rPr lang="pt-PT" sz="3200" dirty="0">
-                <a:solidFill>
-                  <a:schemeClr val="bg1"/>
-                </a:solidFill>
-                <a:latin typeface="Franklin Gothic Medium" panose="020B0603020102020204" pitchFamily="34" charset="0"/>
-                <a:cs typeface="Times New Roman" panose="02020603050405020304" pitchFamily="18" charset="0"/>
-              </a:rPr>
-              <a:t>QUEM SOFRE COM ESTE PROBLEMA?</a:t>
-            </a:r>
-          </a:p>
-          <a:p>
-            <a:endParaRPr lang="pt-BR" sz="3200" dirty="0">
-              <a:solidFill>
-                <a:schemeClr val="bg1"/>
-              </a:solidFill>
-              <a:latin typeface="Franklin Gothic Medium" panose="020B0603020102020204" pitchFamily="34" charset="0"/>
-              <a:cs typeface="Times New Roman" panose="02020603050405020304" pitchFamily="18" charset="0"/>
-            </a:endParaRPr>
-          </a:p>
-        </p:txBody>
-      </p:sp>
-      <p:sp>
-        <p:nvSpPr>
-          <p:cNvPr id="9" name="Content Placeholder 8">
-            <a:extLst>
-              <a:ext uri="{FF2B5EF4-FFF2-40B4-BE49-F238E27FC236}">
-                <a16:creationId xmlns:a16="http://schemas.microsoft.com/office/drawing/2014/main" id="{D90546AB-94C1-4A51-9ED3-736A63BEAA12}"/>
-              </a:ext>
-            </a:extLst>
-          </p:cNvPr>
-          <p:cNvSpPr>
-            <a:spLocks noGrp="1"/>
-          </p:cNvSpPr>
-          <p:nvPr>
-            <p:ph sz="half" idx="2"/>
-          </p:nvPr>
-        </p:nvSpPr>
-        <p:spPr>
-          <a:xfrm>
-            <a:off x="234877" y="1138725"/>
-            <a:ext cx="11957123" cy="2348707"/>
-          </a:xfrm>
-        </p:spPr>
-        <p:txBody>
-          <a:bodyPr/>
-          <a:lstStyle/>
-          <a:p>
-            <a:pPr marL="0" indent="0">
-              <a:buNone/>
-            </a:pPr>
-            <a:r>
-              <a:rPr lang="pt-PT" dirty="0">
-                <a:solidFill>
-                  <a:schemeClr val="bg1"/>
-                </a:solidFill>
-                <a:latin typeface="Franklin Gothic Medium" panose="020B0603020102020204" pitchFamily="34" charset="0"/>
-                <a:cs typeface="Times New Roman" panose="02020603050405020304" pitchFamily="18" charset="0"/>
-              </a:rPr>
-              <a:t>	A demora nas filas geram estresse e desistência da compra, fazendo com  que o mesmo venha perder seu tempo e não tem mais credibilidade com a loja ; e também a loja, pois perde a confiabilidade dos clientes por conta da espera e gera conflito em horários corridos.</a:t>
-            </a:r>
-            <a:endParaRPr lang="pt-BR" dirty="0">
-              <a:solidFill>
-                <a:schemeClr val="bg1"/>
-              </a:solidFill>
-              <a:latin typeface="Franklin Gothic Medium" panose="020B0603020102020204" pitchFamily="34" charset="0"/>
-              <a:cs typeface="Times New Roman" panose="02020603050405020304" pitchFamily="18" charset="0"/>
-            </a:endParaRPr>
-          </a:p>
-        </p:txBody>
-      </p:sp>
-      <p:sp>
-        <p:nvSpPr>
-          <p:cNvPr id="10" name="Text Placeholder 9">
-            <a:extLst>
-              <a:ext uri="{FF2B5EF4-FFF2-40B4-BE49-F238E27FC236}">
-                <a16:creationId xmlns:a16="http://schemas.microsoft.com/office/drawing/2014/main" id="{854810A8-B014-4E2B-841A-B15341EAF21F}"/>
-              </a:ext>
-            </a:extLst>
-          </p:cNvPr>
-          <p:cNvSpPr>
-            <a:spLocks noGrp="1"/>
-          </p:cNvSpPr>
-          <p:nvPr>
-            <p:ph type="body" sz="quarter" idx="3"/>
-          </p:nvPr>
-        </p:nvSpPr>
-        <p:spPr>
-          <a:xfrm>
-            <a:off x="3403050" y="4226264"/>
-            <a:ext cx="5183188" cy="823912"/>
-          </a:xfrm>
-        </p:spPr>
-        <p:txBody>
-          <a:bodyPr>
-            <a:noAutofit/>
-          </a:bodyPr>
-          <a:lstStyle/>
-          <a:p>
-            <a:pPr algn="ctr"/>
-            <a:r>
-              <a:rPr lang="pt-PT" sz="3200" dirty="0">
-                <a:solidFill>
-                  <a:schemeClr val="bg1"/>
-                </a:solidFill>
-                <a:latin typeface="Franklin Gothic Medium" panose="020B0603020102020204" pitchFamily="34" charset="0"/>
-                <a:cs typeface="Times New Roman" panose="02020603050405020304" pitchFamily="18" charset="0"/>
-              </a:rPr>
-              <a:t>QUANTO CUSTA O PROBLEMA ?</a:t>
-            </a:r>
-          </a:p>
-          <a:p>
-            <a:endParaRPr lang="pt-BR" sz="3200" dirty="0">
-              <a:solidFill>
-                <a:schemeClr val="bg1"/>
-              </a:solidFill>
-              <a:latin typeface="Franklin Gothic Medium" panose="020B0603020102020204" pitchFamily="34" charset="0"/>
-              <a:cs typeface="Times New Roman" panose="02020603050405020304" pitchFamily="18" charset="0"/>
-            </a:endParaRPr>
-          </a:p>
-        </p:txBody>
-      </p:sp>
-      <p:sp>
-        <p:nvSpPr>
-          <p:cNvPr id="11" name="Content Placeholder 10">
-            <a:extLst>
-              <a:ext uri="{FF2B5EF4-FFF2-40B4-BE49-F238E27FC236}">
-                <a16:creationId xmlns:a16="http://schemas.microsoft.com/office/drawing/2014/main" id="{F352A439-F3F0-4C84-8A92-FF2F6296D276}"/>
-              </a:ext>
-            </a:extLst>
-          </p:cNvPr>
-          <p:cNvSpPr>
-            <a:spLocks noGrp="1"/>
-          </p:cNvSpPr>
-          <p:nvPr>
-            <p:ph sz="quarter" idx="4"/>
-          </p:nvPr>
-        </p:nvSpPr>
-        <p:spPr>
-          <a:xfrm>
-            <a:off x="456406" y="4528226"/>
-            <a:ext cx="11279188" cy="3684588"/>
-          </a:xfrm>
-        </p:spPr>
-        <p:txBody>
-          <a:bodyPr/>
-          <a:lstStyle/>
-          <a:p>
-            <a:pPr marL="0" indent="0">
-              <a:buNone/>
-            </a:pPr>
-            <a:r>
-              <a:rPr lang="pt-PT" dirty="0">
-                <a:solidFill>
-                  <a:schemeClr val="bg1"/>
-                </a:solidFill>
-                <a:latin typeface="Franklin Gothic Medium" panose="020B0603020102020204" pitchFamily="34" charset="0"/>
-                <a:cs typeface="Times New Roman" panose="02020603050405020304" pitchFamily="18" charset="0"/>
-              </a:rPr>
-              <a:t>	Conforme levantamento do site Retail Reimagined, cerca de 85% dos brasileiros já desistiram das compras por causa de filas e serviço ruim. O tempo de espera impacta diretamente na formação de opinião dos consumidores a respeito dos serviços.</a:t>
-            </a:r>
-            <a:endParaRPr lang="pt-BR" dirty="0">
-              <a:solidFill>
-                <a:schemeClr val="bg1"/>
-              </a:solidFill>
-              <a:latin typeface="Franklin Gothic Medium" panose="020B0603020102020204" pitchFamily="34" charset="0"/>
-              <a:cs typeface="Times New Roman" panose="02020603050405020304" pitchFamily="18" charset="0"/>
-            </a:endParaRPr>
-          </a:p>
-          <a:p>
-            <a:endParaRPr lang="pt-BR" dirty="0">
-              <a:solidFill>
-                <a:schemeClr val="bg1"/>
-              </a:solidFill>
-              <a:latin typeface="Franklin Gothic Medium" panose="020B0603020102020204" pitchFamily="34" charset="0"/>
-              <a:cs typeface="Times New Roman" panose="02020603050405020304" pitchFamily="18" charset="0"/>
-            </a:endParaRPr>
-          </a:p>
-        </p:txBody>
-      </p:sp>
-    </p:spTree>
-    <p:extLst>
-      <p:ext uri="{BB962C8B-B14F-4D97-AF65-F5344CB8AC3E}">
-        <p14:creationId xmlns:p14="http://schemas.microsoft.com/office/powerpoint/2010/main" val="2123204267"/>
-      </p:ext>
-    </p:extLst>
-  </p:cSld>
-  <p:clrMapOvr>
-    <a:masterClrMapping/>
-  </p:clrMapOvr>
-</p:sld>
-</file>
-
-<file path=ppt/slides/slide4.xml><?xml version="1.0" encoding="utf-8"?>
+<file path=ppt/slides/slide6.xml><?xml version="1.0" encoding="utf-8"?>
 <p:sld xmlns:a="http://schemas.openxmlformats.org/drawingml/2006/main" xmlns:r="http://schemas.openxmlformats.org/officeDocument/2006/relationships" xmlns:p="http://schemas.openxmlformats.org/presentationml/2006/main">
   <p:cSld>
     <p:bg>
@@ -5623,10 +6323,10 @@
       </p:grpSpPr>
       <p:sp>
         <p:nvSpPr>
-          <p:cNvPr id="13" name="Rectangle 12">
+          <p:cNvPr id="19" name="Rectangle 18">
             <a:extLst>
               <a:ext uri="{FF2B5EF4-FFF2-40B4-BE49-F238E27FC236}">
-                <a16:creationId xmlns:a16="http://schemas.microsoft.com/office/drawing/2014/main" id="{9228552E-C8B1-4A80-8448-0787CE0FC704}"/>
+                <a16:creationId xmlns:a16="http://schemas.microsoft.com/office/drawing/2014/main" id="{C5E6CFF1-2F42-4E10-9A97-F116F46F53FE}"/>
               </a:ext>
               <a:ext uri="{C183D7F6-B498-43B3-948B-1728B52AA6E4}">
                 <adec:decorative xmlns:adec="http://schemas.microsoft.com/office/drawing/2017/decorative" val="1"/>
@@ -5722,10 +6422,10 @@
       </p:pic>
       <p:sp>
         <p:nvSpPr>
-          <p:cNvPr id="7" name="Title 6">
+          <p:cNvPr id="4" name="Title 3">
             <a:extLst>
               <a:ext uri="{FF2B5EF4-FFF2-40B4-BE49-F238E27FC236}">
-                <a16:creationId xmlns:a16="http://schemas.microsoft.com/office/drawing/2014/main" id="{4F661403-D1DF-46C8-A9D9-5E7C6806FA30}"/>
+                <a16:creationId xmlns:a16="http://schemas.microsoft.com/office/drawing/2014/main" id="{CC213A2F-3DD1-4F69-B52E-7A39F4680115}"/>
               </a:ext>
             </a:extLst>
           </p:cNvPr>
@@ -5738,8 +6438,8 @@
         </p:nvSpPr>
         <p:spPr>
           <a:xfrm>
-            <a:off x="838200" y="365125"/>
-            <a:ext cx="10515600" cy="1325563"/>
+            <a:off x="-440705" y="1065862"/>
+            <a:ext cx="3313164" cy="4726276"/>
           </a:xfrm>
         </p:spPr>
         <p:txBody>
@@ -5748,74 +6448,105 @@
           </a:bodyPr>
           <a:lstStyle/>
           <a:p>
-            <a:pPr algn="ctr"/>
+            <a:pPr algn="r"/>
             <a:r>
-              <a:rPr lang="pt-BR" dirty="0">
+              <a:rPr lang="pt-BR" sz="4000" dirty="0">
                 <a:solidFill>
                   <a:srgbClr val="FFFFFF"/>
                 </a:solidFill>
                 <a:latin typeface="Franklin Gothic Medium" panose="020B0603020102020204" pitchFamily="34" charset="0"/>
               </a:rPr>
-              <a:t>Solução – Sensor da Fila</a:t>
+              <a:t>Desenho de solução</a:t>
             </a:r>
           </a:p>
         </p:txBody>
       </p:sp>
-      <p:sp>
-        <p:nvSpPr>
-          <p:cNvPr id="8" name="Content Placeholder 7">
+      <p:cxnSp>
+        <p:nvCxnSpPr>
+          <p:cNvPr id="21" name="Straight Connector 20">
             <a:extLst>
               <a:ext uri="{FF2B5EF4-FFF2-40B4-BE49-F238E27FC236}">
-                <a16:creationId xmlns:a16="http://schemas.microsoft.com/office/drawing/2014/main" id="{68EA92C1-55E4-41A7-953C-72A2E0EC1426}"/>
+                <a16:creationId xmlns:a16="http://schemas.microsoft.com/office/drawing/2014/main" id="{67182200-4859-4C8D-BCBB-55B245C28BA3}"/>
+              </a:ext>
+              <a:ext uri="{C183D7F6-B498-43B3-948B-1728B52AA6E4}">
+                <adec:decorative xmlns:adec="http://schemas.microsoft.com/office/drawing/2017/decorative" val="1"/>
               </a:ext>
             </a:extLst>
           </p:cNvPr>
-          <p:cNvSpPr>
-            <a:spLocks noGrp="1"/>
-          </p:cNvSpPr>
+          <p:cNvCxnSpPr>
+            <a:cxnSpLocks noGrp="1" noRot="1" noChangeAspect="1" noMove="1" noResize="1" noEditPoints="1" noAdjustHandles="1" noChangeArrowheads="1" noChangeShapeType="1"/>
+          </p:cNvCxnSpPr>
           <p:nvPr>
-            <p:ph idx="1"/>
+            <p:extLst>
+              <p:ext uri="{386F3935-93C4-4BCD-93E2-E3B085C9AB24}">
+                <p16:designElem xmlns:p16="http://schemas.microsoft.com/office/powerpoint/2015/main" val="1"/>
+              </p:ext>
+            </p:extLst>
           </p:nvPr>
-        </p:nvSpPr>
+        </p:nvCxnSpPr>
         <p:spPr>
           <a:xfrm>
-            <a:off x="838200" y="1825625"/>
-            <a:ext cx="10889974" cy="4351338"/>
+            <a:off x="4653372" y="2286000"/>
+            <a:ext cx="0" cy="2286000"/>
           </a:xfrm>
+          <a:prstGeom prst="line">
+            <a:avLst/>
+          </a:prstGeom>
+          <a:ln w="15875">
+            <a:solidFill>
+              <a:srgbClr val="FFFFFF"/>
+            </a:solidFill>
+          </a:ln>
         </p:spPr>
-        <p:txBody>
-          <a:bodyPr>
-            <a:normAutofit/>
-          </a:bodyPr>
-          <a:lstStyle/>
-          <a:p>
-            <a:pPr marL="0" indent="0">
-              <a:buNone/>
-            </a:pPr>
-            <a:r>
-              <a:rPr lang="pt-BR" dirty="0">
-                <a:latin typeface="Franklin Gothic Medium" panose="020B0603020102020204" pitchFamily="34" charset="0"/>
-              </a:rPr>
-              <a:t>	Criamos um sistema que evita quantidade de filas excessivas e tempo de espera demorado. Será instalado dois sensores TRCT5000 (entrada) e (saída) para contar a quantidade de pessoas na fila, onde o responsável da loja poderá ter acesso em tempo real via site da quantidade de pessoas na fila sendo avisado por alertas . Assim, ele poderá tomar uma decisão rápida, ágil e eficaz para melhoria da loja. Evitando assim o congestionamento, a insatisfação dos clientes e problemas de espera na loja. </a:t>
-            </a:r>
-          </a:p>
-          <a:p>
-            <a:pPr marL="0" indent="0">
-              <a:buNone/>
-            </a:pPr>
-            <a:endParaRPr lang="pt-BR" dirty="0">
-              <a:solidFill>
-                <a:srgbClr val="FFFFFF"/>
-              </a:solidFill>
-              <a:latin typeface="Franklin Gothic Medium" panose="020B0603020102020204" pitchFamily="34" charset="0"/>
-            </a:endParaRPr>
-          </a:p>
-        </p:txBody>
-      </p:sp>
+        <p:style>
+          <a:lnRef idx="1">
+            <a:schemeClr val="accent1"/>
+          </a:lnRef>
+          <a:fillRef idx="0">
+            <a:schemeClr val="accent1"/>
+          </a:fillRef>
+          <a:effectRef idx="0">
+            <a:schemeClr val="accent1"/>
+          </a:effectRef>
+          <a:fontRef idx="minor">
+            <a:schemeClr val="tx1"/>
+          </a:fontRef>
+        </p:style>
+      </p:cxnSp>
+      <p:pic>
+        <p:nvPicPr>
+          <p:cNvPr id="2" name="Picture 1">
+            <a:extLst>
+              <a:ext uri="{FF2B5EF4-FFF2-40B4-BE49-F238E27FC236}">
+                <a16:creationId xmlns:a16="http://schemas.microsoft.com/office/drawing/2014/main" id="{B4B45C18-975A-4189-A681-5853606EC525}"/>
+              </a:ext>
+            </a:extLst>
+          </p:cNvPr>
+          <p:cNvPicPr>
+            <a:picLocks noChangeAspect="1"/>
+          </p:cNvPicPr>
+          <p:nvPr/>
+        </p:nvPicPr>
+        <p:blipFill>
+          <a:blip r:embed="rId3"/>
+          <a:stretch>
+            <a:fillRect/>
+          </a:stretch>
+        </p:blipFill>
+        <p:spPr>
+          <a:xfrm>
+            <a:off x="2965160" y="914049"/>
+            <a:ext cx="9097645" cy="5029902"/>
+          </a:xfrm>
+          <a:prstGeom prst="rect">
+            <a:avLst/>
+          </a:prstGeom>
+        </p:spPr>
+      </p:pic>
     </p:spTree>
     <p:extLst>
       <p:ext uri="{BB962C8B-B14F-4D97-AF65-F5344CB8AC3E}">
-        <p14:creationId xmlns:p14="http://schemas.microsoft.com/office/powerpoint/2010/main" val="2838228046"/>
+        <p14:creationId xmlns:p14="http://schemas.microsoft.com/office/powerpoint/2010/main" val="3556123582"/>
       </p:ext>
     </p:extLst>
   </p:cSld>
@@ -5825,7 +6556,7 @@
 </p:sld>
 </file>
 
-<file path=ppt/slides/slide5.xml><?xml version="1.0" encoding="utf-8"?>
+<file path=ppt/slides/slide7.xml><?xml version="1.0" encoding="utf-8"?>
 <p:sld xmlns:a="http://schemas.openxmlformats.org/drawingml/2006/main" xmlns:r="http://schemas.openxmlformats.org/officeDocument/2006/relationships" xmlns:p="http://schemas.openxmlformats.org/presentationml/2006/main">
   <p:cSld>
     <p:bg>
@@ -5852,10 +6583,10 @@
       </p:grpSpPr>
       <p:sp>
         <p:nvSpPr>
-          <p:cNvPr id="11" name="Rectangle 10">
+          <p:cNvPr id="10" name="Rectangle 9">
             <a:extLst>
               <a:ext uri="{FF2B5EF4-FFF2-40B4-BE49-F238E27FC236}">
-                <a16:creationId xmlns:a16="http://schemas.microsoft.com/office/drawing/2014/main" id="{9228552E-C8B1-4A80-8448-0787CE0FC704}"/>
+                <a16:creationId xmlns:a16="http://schemas.microsoft.com/office/drawing/2014/main" id="{E20EB187-900F-4AF5-813B-101456D9FD39}"/>
               </a:ext>
               <a:ext uri="{C183D7F6-B498-43B3-948B-1728B52AA6E4}">
                 <adec:decorative xmlns:adec="http://schemas.microsoft.com/office/drawing/2017/decorative" val="1"/>
@@ -5951,763 +6682,6 @@
       </p:pic>
       <p:sp>
         <p:nvSpPr>
-          <p:cNvPr id="4" name="Title 3">
-            <a:extLst>
-              <a:ext uri="{FF2B5EF4-FFF2-40B4-BE49-F238E27FC236}">
-                <a16:creationId xmlns:a16="http://schemas.microsoft.com/office/drawing/2014/main" id="{55CB77D3-E366-45EA-9914-7C7C981EEC4F}"/>
-              </a:ext>
-            </a:extLst>
-          </p:cNvPr>
-          <p:cNvSpPr>
-            <a:spLocks noGrp="1"/>
-          </p:cNvSpPr>
-          <p:nvPr>
-            <p:ph type="title"/>
-          </p:nvPr>
-        </p:nvSpPr>
-        <p:spPr>
-          <a:xfrm>
-            <a:off x="838200" y="365125"/>
-            <a:ext cx="10515600" cy="1325563"/>
-          </a:xfrm>
-        </p:spPr>
-        <p:txBody>
-          <a:bodyPr>
-            <a:normAutofit/>
-          </a:bodyPr>
-          <a:lstStyle/>
-          <a:p>
-            <a:pPr algn="ctr"/>
-            <a:r>
-              <a:rPr lang="pt-BR" dirty="0">
-                <a:solidFill>
-                  <a:srgbClr val="FFFFFF"/>
-                </a:solidFill>
-                <a:latin typeface="Franklin Gothic Medium" panose="020B0603020102020204" pitchFamily="34" charset="0"/>
-              </a:rPr>
-              <a:t>Como será realizado isso?</a:t>
-            </a:r>
-          </a:p>
-        </p:txBody>
-      </p:sp>
-      <p:sp>
-        <p:nvSpPr>
-          <p:cNvPr id="6" name="Content Placeholder 5">
-            <a:extLst>
-              <a:ext uri="{FF2B5EF4-FFF2-40B4-BE49-F238E27FC236}">
-                <a16:creationId xmlns:a16="http://schemas.microsoft.com/office/drawing/2014/main" id="{1BBF277C-442D-4A6D-B886-DFDF3933062D}"/>
-              </a:ext>
-            </a:extLst>
-          </p:cNvPr>
-          <p:cNvSpPr>
-            <a:spLocks noGrp="1"/>
-          </p:cNvSpPr>
-          <p:nvPr>
-            <p:ph idx="1"/>
-          </p:nvPr>
-        </p:nvSpPr>
-        <p:spPr>
-          <a:xfrm>
-            <a:off x="145775" y="1825625"/>
-            <a:ext cx="11648660" cy="467001"/>
-          </a:xfrm>
-        </p:spPr>
-        <p:txBody>
-          <a:bodyPr>
-            <a:normAutofit lnSpcReduction="10000"/>
-          </a:bodyPr>
-          <a:lstStyle/>
-          <a:p>
-            <a:pPr marL="0" indent="0" algn="ctr">
-              <a:buNone/>
-            </a:pPr>
-            <a:r>
-              <a:rPr lang="pt-BR" dirty="0"/>
-              <a:t>Será colocado os sensores na entrada e na saída apresentando alertas no site.  </a:t>
-            </a:r>
-          </a:p>
-          <a:p>
-            <a:endParaRPr lang="pt-BR" dirty="0">
-              <a:solidFill>
-                <a:srgbClr val="FFFFFF"/>
-              </a:solidFill>
-            </a:endParaRPr>
-          </a:p>
-        </p:txBody>
-      </p:sp>
-      <p:pic>
-        <p:nvPicPr>
-          <p:cNvPr id="9" name="Imagem 8">
-            <a:extLst>
-              <a:ext uri="{FF2B5EF4-FFF2-40B4-BE49-F238E27FC236}">
-                <a16:creationId xmlns:a16="http://schemas.microsoft.com/office/drawing/2014/main" id="{2D9E5BC8-E522-4BED-A312-A43FA4E8702F}"/>
-              </a:ext>
-            </a:extLst>
-          </p:cNvPr>
-          <p:cNvPicPr>
-            <a:picLocks noChangeAspect="1"/>
-          </p:cNvPicPr>
-          <p:nvPr/>
-        </p:nvPicPr>
-        <p:blipFill>
-          <a:blip r:embed="rId3" cstate="print">
-            <a:extLst>
-              <a:ext uri="{28A0092B-C50C-407E-A947-70E740481C1C}">
-                <a14:useLocalDpi xmlns:a14="http://schemas.microsoft.com/office/drawing/2010/main" val="0"/>
-              </a:ext>
-            </a:extLst>
-          </a:blip>
-          <a:stretch>
-            <a:fillRect/>
-          </a:stretch>
-        </p:blipFill>
-        <p:spPr>
-          <a:xfrm>
-            <a:off x="1875132" y="4118250"/>
-            <a:ext cx="684598" cy="684598"/>
-          </a:xfrm>
-          <a:prstGeom prst="rect">
-            <a:avLst/>
-          </a:prstGeom>
-        </p:spPr>
-      </p:pic>
-      <p:pic>
-        <p:nvPicPr>
-          <p:cNvPr id="10" name="Imagem 11">
-            <a:extLst>
-              <a:ext uri="{FF2B5EF4-FFF2-40B4-BE49-F238E27FC236}">
-                <a16:creationId xmlns:a16="http://schemas.microsoft.com/office/drawing/2014/main" id="{43BC75BA-63D1-4E05-9392-327DF9F3A536}"/>
-              </a:ext>
-            </a:extLst>
-          </p:cNvPr>
-          <p:cNvPicPr>
-            <a:picLocks noChangeAspect="1"/>
-          </p:cNvPicPr>
-          <p:nvPr/>
-        </p:nvPicPr>
-        <p:blipFill>
-          <a:blip r:embed="rId4" cstate="print">
-            <a:extLst>
-              <a:ext uri="{28A0092B-C50C-407E-A947-70E740481C1C}">
-                <a14:useLocalDpi xmlns:a14="http://schemas.microsoft.com/office/drawing/2010/main" val="0"/>
-              </a:ext>
-            </a:extLst>
-          </a:blip>
-          <a:stretch>
-            <a:fillRect/>
-          </a:stretch>
-        </p:blipFill>
-        <p:spPr>
-          <a:xfrm>
-            <a:off x="1916171" y="5537649"/>
-            <a:ext cx="585550" cy="585550"/>
-          </a:xfrm>
-          <a:prstGeom prst="rect">
-            <a:avLst/>
-          </a:prstGeom>
-        </p:spPr>
-      </p:pic>
-      <p:pic>
-        <p:nvPicPr>
-          <p:cNvPr id="12" name="Imagem 13">
-            <a:extLst>
-              <a:ext uri="{FF2B5EF4-FFF2-40B4-BE49-F238E27FC236}">
-                <a16:creationId xmlns:a16="http://schemas.microsoft.com/office/drawing/2014/main" id="{4E61D44B-729B-4449-BEC7-AF8C9D53F1D0}"/>
-              </a:ext>
-            </a:extLst>
-          </p:cNvPr>
-          <p:cNvPicPr>
-            <a:picLocks noChangeAspect="1"/>
-          </p:cNvPicPr>
-          <p:nvPr/>
-        </p:nvPicPr>
-        <p:blipFill>
-          <a:blip r:embed="rId5" cstate="print">
-            <a:extLst>
-              <a:ext uri="{28A0092B-C50C-407E-A947-70E740481C1C}">
-                <a14:useLocalDpi xmlns:a14="http://schemas.microsoft.com/office/drawing/2010/main" val="0"/>
-              </a:ext>
-            </a:extLst>
-          </a:blip>
-          <a:stretch>
-            <a:fillRect/>
-          </a:stretch>
-        </p:blipFill>
-        <p:spPr>
-          <a:xfrm>
-            <a:off x="1875132" y="2774677"/>
-            <a:ext cx="667629" cy="667629"/>
-          </a:xfrm>
-          <a:prstGeom prst="rect">
-            <a:avLst/>
-          </a:prstGeom>
-        </p:spPr>
-      </p:pic>
-      <p:sp>
-        <p:nvSpPr>
-          <p:cNvPr id="7" name="TextBox 6">
-            <a:extLst>
-              <a:ext uri="{FF2B5EF4-FFF2-40B4-BE49-F238E27FC236}">
-                <a16:creationId xmlns:a16="http://schemas.microsoft.com/office/drawing/2014/main" id="{5A2FDB67-8B38-4974-A336-07E8F1C5A6D6}"/>
-              </a:ext>
-            </a:extLst>
-          </p:cNvPr>
-          <p:cNvSpPr txBox="1"/>
-          <p:nvPr/>
-        </p:nvSpPr>
-        <p:spPr>
-          <a:xfrm>
-            <a:off x="2855760" y="2508326"/>
-            <a:ext cx="9023240" cy="1200329"/>
-          </a:xfrm>
-          <a:prstGeom prst="rect">
-            <a:avLst/>
-          </a:prstGeom>
-          <a:noFill/>
-        </p:spPr>
-        <p:txBody>
-          <a:bodyPr wrap="square" rtlCol="0">
-            <a:spAutoFit/>
-          </a:bodyPr>
-          <a:lstStyle/>
-          <a:p>
-            <a:pPr algn="ctr"/>
-            <a:r>
-              <a:rPr lang="pt-BR" dirty="0"/>
-              <a:t>Alerta verde : </a:t>
-            </a:r>
-            <a:r>
-              <a:rPr lang="pt-BR" b="1" dirty="0"/>
-              <a:t>Ideal</a:t>
-            </a:r>
-          </a:p>
-          <a:p>
-            <a:r>
-              <a:rPr lang="pt-BR" dirty="0"/>
-              <a:t>O alerta verde significa o ideal para o funcionamento da fila.  Entrada = Saída . </a:t>
-            </a:r>
-          </a:p>
-          <a:p>
-            <a:r>
-              <a:rPr lang="pt-BR" dirty="0"/>
-              <a:t>Obs: Ele não será acionado. Será apenas apresentado no relatório diário.</a:t>
-            </a:r>
-          </a:p>
-          <a:p>
-            <a:endParaRPr lang="pt-BR" dirty="0"/>
-          </a:p>
-        </p:txBody>
-      </p:sp>
-      <p:sp>
-        <p:nvSpPr>
-          <p:cNvPr id="8" name="TextBox 7">
-            <a:extLst>
-              <a:ext uri="{FF2B5EF4-FFF2-40B4-BE49-F238E27FC236}">
-                <a16:creationId xmlns:a16="http://schemas.microsoft.com/office/drawing/2014/main" id="{20057B7B-90E6-4955-8393-B8A7E4427835}"/>
-              </a:ext>
-            </a:extLst>
-          </p:cNvPr>
-          <p:cNvSpPr txBox="1"/>
-          <p:nvPr/>
-        </p:nvSpPr>
-        <p:spPr>
-          <a:xfrm>
-            <a:off x="2855760" y="3797387"/>
-            <a:ext cx="8938675" cy="923330"/>
-          </a:xfrm>
-          <a:prstGeom prst="rect">
-            <a:avLst/>
-          </a:prstGeom>
-          <a:noFill/>
-        </p:spPr>
-        <p:txBody>
-          <a:bodyPr wrap="square" rtlCol="0">
-            <a:spAutoFit/>
-          </a:bodyPr>
-          <a:lstStyle/>
-          <a:p>
-            <a:pPr algn="ctr"/>
-            <a:r>
-              <a:rPr lang="pt-BR" dirty="0"/>
-              <a:t>Alerta Amarelo : </a:t>
-            </a:r>
-            <a:r>
-              <a:rPr lang="pt-BR" b="1" dirty="0"/>
-              <a:t>Atenção!</a:t>
-            </a:r>
-            <a:endParaRPr lang="pt-BR" dirty="0"/>
-          </a:p>
-          <a:p>
-            <a:r>
-              <a:rPr lang="pt-BR" dirty="0"/>
-              <a:t>O alerta amarelo significa que a quantidade de entradas foram maiores que as saídas. </a:t>
-            </a:r>
-          </a:p>
-          <a:p>
-            <a:r>
-              <a:rPr lang="pt-BR" dirty="0"/>
-              <a:t>Entrada &gt; saída</a:t>
-            </a:r>
-          </a:p>
-        </p:txBody>
-      </p:sp>
-      <p:sp>
-        <p:nvSpPr>
-          <p:cNvPr id="13" name="TextBox 12">
-            <a:extLst>
-              <a:ext uri="{FF2B5EF4-FFF2-40B4-BE49-F238E27FC236}">
-                <a16:creationId xmlns:a16="http://schemas.microsoft.com/office/drawing/2014/main" id="{FD4A7CF0-DC38-4AC3-B269-187DB5CFD5ED}"/>
-              </a:ext>
-            </a:extLst>
-          </p:cNvPr>
-          <p:cNvSpPr txBox="1"/>
-          <p:nvPr/>
-        </p:nvSpPr>
-        <p:spPr>
-          <a:xfrm>
-            <a:off x="2855759" y="5495588"/>
-            <a:ext cx="8938675" cy="1200329"/>
-          </a:xfrm>
-          <a:prstGeom prst="rect">
-            <a:avLst/>
-          </a:prstGeom>
-          <a:noFill/>
-        </p:spPr>
-        <p:txBody>
-          <a:bodyPr wrap="square" rtlCol="0">
-            <a:spAutoFit/>
-          </a:bodyPr>
-          <a:lstStyle/>
-          <a:p>
-            <a:pPr algn="ctr"/>
-            <a:r>
-              <a:rPr lang="pt-BR" dirty="0"/>
-              <a:t>Alerta vermelho : </a:t>
-            </a:r>
-            <a:r>
-              <a:rPr lang="pt-BR" b="1" dirty="0"/>
-              <a:t>Crítico</a:t>
-            </a:r>
-            <a:r>
-              <a:rPr lang="pt-BR" dirty="0"/>
-              <a:t> </a:t>
-            </a:r>
-          </a:p>
-          <a:p>
-            <a:r>
-              <a:rPr lang="pt-BR" dirty="0"/>
-              <a:t>O alerta vermelho significa que a quantidade de saídas foram maiores que a as entradas. Entrada &lt; Saída</a:t>
-            </a:r>
-          </a:p>
-          <a:p>
-            <a:endParaRPr lang="pt-BR" dirty="0"/>
-          </a:p>
-        </p:txBody>
-      </p:sp>
-    </p:spTree>
-    <p:extLst>
-      <p:ext uri="{BB962C8B-B14F-4D97-AF65-F5344CB8AC3E}">
-        <p14:creationId xmlns:p14="http://schemas.microsoft.com/office/powerpoint/2010/main" val="3312039311"/>
-      </p:ext>
-    </p:extLst>
-  </p:cSld>
-  <p:clrMapOvr>
-    <a:overrideClrMapping bg1="dk1" tx1="lt1" bg2="dk2" tx2="lt2" accent1="accent1" accent2="accent2" accent3="accent3" accent4="accent4" accent5="accent5" accent6="accent6" hlink="hlink" folHlink="folHlink"/>
-  </p:clrMapOvr>
-</p:sld>
-</file>
-
-<file path=ppt/slides/slide6.xml><?xml version="1.0" encoding="utf-8"?>
-<p:sld xmlns:a="http://schemas.openxmlformats.org/drawingml/2006/main" xmlns:r="http://schemas.openxmlformats.org/officeDocument/2006/relationships" xmlns:p="http://schemas.openxmlformats.org/presentationml/2006/main">
-  <p:cSld>
-    <p:bg>
-      <p:bgPr>
-        <a:solidFill>
-          <a:schemeClr val="bg1"/>
-        </a:solidFill>
-        <a:effectLst/>
-      </p:bgPr>
-    </p:bg>
-    <p:spTree>
-      <p:nvGrpSpPr>
-        <p:cNvPr id="1" name=""/>
-        <p:cNvGrpSpPr/>
-        <p:nvPr/>
-      </p:nvGrpSpPr>
-      <p:grpSpPr>
-        <a:xfrm>
-          <a:off x="0" y="0"/>
-          <a:ext cx="0" cy="0"/>
-          <a:chOff x="0" y="0"/>
-          <a:chExt cx="0" cy="0"/>
-        </a:xfrm>
-      </p:grpSpPr>
-      <p:sp>
-        <p:nvSpPr>
-          <p:cNvPr id="19" name="Rectangle 18">
-            <a:extLst>
-              <a:ext uri="{FF2B5EF4-FFF2-40B4-BE49-F238E27FC236}">
-                <a16:creationId xmlns:a16="http://schemas.microsoft.com/office/drawing/2014/main" id="{C5E6CFF1-2F42-4E10-9A97-F116F46F53FE}"/>
-              </a:ext>
-              <a:ext uri="{C183D7F6-B498-43B3-948B-1728B52AA6E4}">
-                <adec:decorative xmlns:adec="http://schemas.microsoft.com/office/drawing/2017/decorative" val="1"/>
-              </a:ext>
-            </a:extLst>
-          </p:cNvPr>
-          <p:cNvSpPr>
-            <a:spLocks noGrp="1" noRot="1" noChangeAspect="1" noMove="1" noResize="1" noEditPoints="1" noAdjustHandles="1" noChangeArrowheads="1" noChangeShapeType="1" noTextEdit="1"/>
-          </p:cNvSpPr>
-          <p:nvPr>
-            <p:extLst>
-              <p:ext uri="{386F3935-93C4-4BCD-93E2-E3B085C9AB24}">
-                <p16:designElem xmlns:p16="http://schemas.microsoft.com/office/powerpoint/2015/main" val="1"/>
-              </p:ext>
-            </p:extLst>
-          </p:nvPr>
-        </p:nvSpPr>
-        <p:spPr>
-          <a:xfrm>
-            <a:off x="0" y="0"/>
-            <a:ext cx="12192000" cy="6858000"/>
-          </a:xfrm>
-          <a:prstGeom prst="rect">
-            <a:avLst/>
-          </a:prstGeom>
-          <a:solidFill>
-            <a:srgbClr val="000000"/>
-          </a:solidFill>
-          <a:ln>
-            <a:noFill/>
-          </a:ln>
-        </p:spPr>
-        <p:style>
-          <a:lnRef idx="2">
-            <a:schemeClr val="accent1">
-              <a:shade val="50000"/>
-            </a:schemeClr>
-          </a:lnRef>
-          <a:fillRef idx="1">
-            <a:schemeClr val="accent1"/>
-          </a:fillRef>
-          <a:effectRef idx="0">
-            <a:schemeClr val="accent1"/>
-          </a:effectRef>
-          <a:fontRef idx="minor">
-            <a:schemeClr val="lt1"/>
-          </a:fontRef>
-        </p:style>
-        <p:txBody>
-          <a:bodyPr rtlCol="0" anchor="ctr"/>
-          <a:lstStyle/>
-          <a:p>
-            <a:pPr algn="ctr"/>
-            <a:endParaRPr lang="en-US"/>
-          </a:p>
-        </p:txBody>
-      </p:sp>
-      <p:pic>
-        <p:nvPicPr>
-          <p:cNvPr id="5" name="Picture 4" descr="A picture containing electronics, computer, circuit&#10;&#10;Description automatically generated">
-            <a:extLst>
-              <a:ext uri="{FF2B5EF4-FFF2-40B4-BE49-F238E27FC236}">
-                <a16:creationId xmlns:a16="http://schemas.microsoft.com/office/drawing/2014/main" id="{91E009F8-34B0-40DF-8DAC-294F04ABF0E9}"/>
-              </a:ext>
-            </a:extLst>
-          </p:cNvPr>
-          <p:cNvPicPr>
-            <a:picLocks noChangeAspect="1"/>
-          </p:cNvPicPr>
-          <p:nvPr/>
-        </p:nvPicPr>
-        <p:blipFill rotWithShape="1">
-          <a:blip r:embed="rId2">
-            <a:alphaModFix amt="35000"/>
-            <a:extLst>
-              <a:ext uri="{28A0092B-C50C-407E-A947-70E740481C1C}">
-                <a14:useLocalDpi xmlns:a14="http://schemas.microsoft.com/office/drawing/2010/main" val="0"/>
-              </a:ext>
-            </a:extLst>
-          </a:blip>
-          <a:srcRect l="2284" r="8828"/>
-          <a:stretch/>
-        </p:blipFill>
-        <p:spPr>
-          <a:xfrm>
-            <a:off x="20" y="1"/>
-            <a:ext cx="12191980" cy="6857999"/>
-          </a:xfrm>
-          <a:prstGeom prst="rect">
-            <a:avLst/>
-          </a:prstGeom>
-        </p:spPr>
-      </p:pic>
-      <p:sp>
-        <p:nvSpPr>
-          <p:cNvPr id="4" name="Title 3">
-            <a:extLst>
-              <a:ext uri="{FF2B5EF4-FFF2-40B4-BE49-F238E27FC236}">
-                <a16:creationId xmlns:a16="http://schemas.microsoft.com/office/drawing/2014/main" id="{CC213A2F-3DD1-4F69-B52E-7A39F4680115}"/>
-              </a:ext>
-            </a:extLst>
-          </p:cNvPr>
-          <p:cNvSpPr>
-            <a:spLocks noGrp="1"/>
-          </p:cNvSpPr>
-          <p:nvPr>
-            <p:ph type="title"/>
-          </p:nvPr>
-        </p:nvSpPr>
-        <p:spPr>
-          <a:xfrm>
-            <a:off x="838201" y="1065862"/>
-            <a:ext cx="3313164" cy="4726276"/>
-          </a:xfrm>
-        </p:spPr>
-        <p:txBody>
-          <a:bodyPr>
-            <a:normAutofit/>
-          </a:bodyPr>
-          <a:lstStyle/>
-          <a:p>
-            <a:pPr algn="r"/>
-            <a:r>
-              <a:rPr lang="pt-BR" sz="4000" dirty="0">
-                <a:solidFill>
-                  <a:srgbClr val="FFFFFF"/>
-                </a:solidFill>
-              </a:rPr>
-              <a:t>Desenho de solução</a:t>
-            </a:r>
-          </a:p>
-        </p:txBody>
-      </p:sp>
-      <p:cxnSp>
-        <p:nvCxnSpPr>
-          <p:cNvPr id="21" name="Straight Connector 20">
-            <a:extLst>
-              <a:ext uri="{FF2B5EF4-FFF2-40B4-BE49-F238E27FC236}">
-                <a16:creationId xmlns:a16="http://schemas.microsoft.com/office/drawing/2014/main" id="{67182200-4859-4C8D-BCBB-55B245C28BA3}"/>
-              </a:ext>
-              <a:ext uri="{C183D7F6-B498-43B3-948B-1728B52AA6E4}">
-                <adec:decorative xmlns:adec="http://schemas.microsoft.com/office/drawing/2017/decorative" val="1"/>
-              </a:ext>
-            </a:extLst>
-          </p:cNvPr>
-          <p:cNvCxnSpPr>
-            <a:cxnSpLocks noGrp="1" noRot="1" noChangeAspect="1" noMove="1" noResize="1" noEditPoints="1" noAdjustHandles="1" noChangeArrowheads="1" noChangeShapeType="1"/>
-          </p:cNvCxnSpPr>
-          <p:nvPr>
-            <p:extLst>
-              <p:ext uri="{386F3935-93C4-4BCD-93E2-E3B085C9AB24}">
-                <p16:designElem xmlns:p16="http://schemas.microsoft.com/office/powerpoint/2015/main" val="1"/>
-              </p:ext>
-            </p:extLst>
-          </p:nvPr>
-        </p:nvCxnSpPr>
-        <p:spPr>
-          <a:xfrm>
-            <a:off x="4653372" y="2286000"/>
-            <a:ext cx="0" cy="2286000"/>
-          </a:xfrm>
-          <a:prstGeom prst="line">
-            <a:avLst/>
-          </a:prstGeom>
-          <a:ln w="15875">
-            <a:solidFill>
-              <a:srgbClr val="FFFFFF"/>
-            </a:solidFill>
-          </a:ln>
-        </p:spPr>
-        <p:style>
-          <a:lnRef idx="1">
-            <a:schemeClr val="accent1"/>
-          </a:lnRef>
-          <a:fillRef idx="0">
-            <a:schemeClr val="accent1"/>
-          </a:fillRef>
-          <a:effectRef idx="0">
-            <a:schemeClr val="accent1"/>
-          </a:effectRef>
-          <a:fontRef idx="minor">
-            <a:schemeClr val="tx1"/>
-          </a:fontRef>
-        </p:style>
-      </p:cxnSp>
-      <p:sp>
-        <p:nvSpPr>
-          <p:cNvPr id="6" name="Content Placeholder 5">
-            <a:extLst>
-              <a:ext uri="{FF2B5EF4-FFF2-40B4-BE49-F238E27FC236}">
-                <a16:creationId xmlns:a16="http://schemas.microsoft.com/office/drawing/2014/main" id="{360E9249-D1AA-4F83-B37F-81D98D658848}"/>
-              </a:ext>
-            </a:extLst>
-          </p:cNvPr>
-          <p:cNvSpPr>
-            <a:spLocks noGrp="1"/>
-          </p:cNvSpPr>
-          <p:nvPr>
-            <p:ph idx="1"/>
-          </p:nvPr>
-        </p:nvSpPr>
-        <p:spPr>
-          <a:xfrm>
-            <a:off x="5155379" y="1065862"/>
-            <a:ext cx="5744685" cy="4726276"/>
-          </a:xfrm>
-        </p:spPr>
-        <p:txBody>
-          <a:bodyPr anchor="ctr">
-            <a:normAutofit/>
-          </a:bodyPr>
-          <a:lstStyle/>
-          <a:p>
-            <a:endParaRPr lang="pt-BR" sz="2000" dirty="0">
-              <a:solidFill>
-                <a:srgbClr val="FFFFFF"/>
-              </a:solidFill>
-            </a:endParaRPr>
-          </a:p>
-        </p:txBody>
-      </p:sp>
-    </p:spTree>
-    <p:extLst>
-      <p:ext uri="{BB962C8B-B14F-4D97-AF65-F5344CB8AC3E}">
-        <p14:creationId xmlns:p14="http://schemas.microsoft.com/office/powerpoint/2010/main" val="3556123582"/>
-      </p:ext>
-    </p:extLst>
-  </p:cSld>
-  <p:clrMapOvr>
-    <a:overrideClrMapping bg1="dk1" tx1="lt1" bg2="dk2" tx2="lt2" accent1="accent1" accent2="accent2" accent3="accent3" accent4="accent4" accent5="accent5" accent6="accent6" hlink="hlink" folHlink="folHlink"/>
-  </p:clrMapOvr>
-</p:sld>
-</file>
-
-<file path=ppt/slides/slide7.xml><?xml version="1.0" encoding="utf-8"?>
-<p:sld xmlns:a="http://schemas.openxmlformats.org/drawingml/2006/main" xmlns:r="http://schemas.openxmlformats.org/officeDocument/2006/relationships" xmlns:p="http://schemas.openxmlformats.org/presentationml/2006/main">
-  <p:cSld>
-    <p:bg>
-      <p:bgPr>
-        <a:solidFill>
-          <a:schemeClr val="bg1"/>
-        </a:solidFill>
-        <a:effectLst/>
-      </p:bgPr>
-    </p:bg>
-    <p:spTree>
-      <p:nvGrpSpPr>
-        <p:cNvPr id="1" name=""/>
-        <p:cNvGrpSpPr/>
-        <p:nvPr/>
-      </p:nvGrpSpPr>
-      <p:grpSpPr>
-        <a:xfrm>
-          <a:off x="0" y="0"/>
-          <a:ext cx="0" cy="0"/>
-          <a:chOff x="0" y="0"/>
-          <a:chExt cx="0" cy="0"/>
-        </a:xfrm>
-      </p:grpSpPr>
-      <p:sp>
-        <p:nvSpPr>
-          <p:cNvPr id="10" name="Rectangle 9">
-            <a:extLst>
-              <a:ext uri="{FF2B5EF4-FFF2-40B4-BE49-F238E27FC236}">
-                <a16:creationId xmlns:a16="http://schemas.microsoft.com/office/drawing/2014/main" id="{E20EB187-900F-4AF5-813B-101456D9FD39}"/>
-              </a:ext>
-              <a:ext uri="{C183D7F6-B498-43B3-948B-1728B52AA6E4}">
-                <adec:decorative xmlns:adec="http://schemas.microsoft.com/office/drawing/2017/decorative" val="1"/>
-              </a:ext>
-            </a:extLst>
-          </p:cNvPr>
-          <p:cNvSpPr>
-            <a:spLocks noGrp="1" noRot="1" noChangeAspect="1" noMove="1" noResize="1" noEditPoints="1" noAdjustHandles="1" noChangeArrowheads="1" noChangeShapeType="1" noTextEdit="1"/>
-          </p:cNvSpPr>
-          <p:nvPr>
-            <p:extLst>
-              <p:ext uri="{386F3935-93C4-4BCD-93E2-E3B085C9AB24}">
-                <p16:designElem xmlns:p16="http://schemas.microsoft.com/office/powerpoint/2015/main" val="1"/>
-              </p:ext>
-            </p:extLst>
-          </p:nvPr>
-        </p:nvSpPr>
-        <p:spPr>
-          <a:xfrm>
-            <a:off x="0" y="0"/>
-            <a:ext cx="12192000" cy="6858000"/>
-          </a:xfrm>
-          <a:prstGeom prst="rect">
-            <a:avLst/>
-          </a:prstGeom>
-          <a:solidFill>
-            <a:srgbClr val="000000"/>
-          </a:solidFill>
-          <a:ln>
-            <a:noFill/>
-          </a:ln>
-        </p:spPr>
-        <p:style>
-          <a:lnRef idx="2">
-            <a:schemeClr val="accent1">
-              <a:shade val="50000"/>
-            </a:schemeClr>
-          </a:lnRef>
-          <a:fillRef idx="1">
-            <a:schemeClr val="accent1"/>
-          </a:fillRef>
-          <a:effectRef idx="0">
-            <a:schemeClr val="accent1"/>
-          </a:effectRef>
-          <a:fontRef idx="minor">
-            <a:schemeClr val="lt1"/>
-          </a:fontRef>
-        </p:style>
-        <p:txBody>
-          <a:bodyPr rtlCol="0" anchor="ctr"/>
-          <a:lstStyle/>
-          <a:p>
-            <a:pPr algn="ctr"/>
-            <a:endParaRPr lang="en-US"/>
-          </a:p>
-        </p:txBody>
-      </p:sp>
-      <p:pic>
-        <p:nvPicPr>
-          <p:cNvPr id="5" name="Picture 4" descr="A picture containing electronics, computer, circuit&#10;&#10;Description automatically generated">
-            <a:extLst>
-              <a:ext uri="{FF2B5EF4-FFF2-40B4-BE49-F238E27FC236}">
-                <a16:creationId xmlns:a16="http://schemas.microsoft.com/office/drawing/2014/main" id="{91E009F8-34B0-40DF-8DAC-294F04ABF0E9}"/>
-              </a:ext>
-            </a:extLst>
-          </p:cNvPr>
-          <p:cNvPicPr>
-            <a:picLocks noChangeAspect="1"/>
-          </p:cNvPicPr>
-          <p:nvPr/>
-        </p:nvPicPr>
-        <p:blipFill rotWithShape="1">
-          <a:blip r:embed="rId2">
-            <a:alphaModFix amt="35000"/>
-            <a:extLst>
-              <a:ext uri="{28A0092B-C50C-407E-A947-70E740481C1C}">
-                <a14:useLocalDpi xmlns:a14="http://schemas.microsoft.com/office/drawing/2010/main" val="0"/>
-              </a:ext>
-            </a:extLst>
-          </a:blip>
-          <a:srcRect l="2284" r="8828"/>
-          <a:stretch/>
-        </p:blipFill>
-        <p:spPr>
-          <a:xfrm>
-            <a:off x="20" y="1"/>
-            <a:ext cx="12191980" cy="6857999"/>
-          </a:xfrm>
-          <a:prstGeom prst="rect">
-            <a:avLst/>
-          </a:prstGeom>
-        </p:spPr>
-      </p:pic>
-      <p:sp>
-        <p:nvSpPr>
           <p:cNvPr id="3" name="Subtitle 2">
             <a:extLst>
               <a:ext uri="{FF2B5EF4-FFF2-40B4-BE49-F238E27FC236}">
@@ -6740,6 +6714,7 @@
                 <a:solidFill>
                   <a:srgbClr val="FFFFFF"/>
                 </a:solidFill>
+                <a:latin typeface="Franklin Gothic Medium" panose="020B0603020102020204" pitchFamily="34" charset="0"/>
               </a:rPr>
               <a:t>Desenho de desenvolvimento</a:t>
             </a:r>
@@ -7004,6 +6979,7 @@
                 <a:solidFill>
                   <a:srgbClr val="FFFFFF"/>
                 </a:solidFill>
+                <a:latin typeface="Franklin Gothic Medium" panose="020B0603020102020204" pitchFamily="34" charset="0"/>
               </a:rPr>
               <a:t>BackLog</a:t>
             </a:r>
@@ -12689,7 +12665,7 @@
     <p:bg>
       <p:bgPr>
         <a:solidFill>
-          <a:schemeClr val="bg1"/>
+          <a:srgbClr val="000000"/>
         </a:solidFill>
         <a:effectLst/>
       </p:bgPr>
@@ -12710,10 +12686,10 @@
       </p:grpSpPr>
       <p:sp>
         <p:nvSpPr>
-          <p:cNvPr id="9" name="Rectangle 8">
+          <p:cNvPr id="16" name="Rectangle 15">
             <a:extLst>
               <a:ext uri="{FF2B5EF4-FFF2-40B4-BE49-F238E27FC236}">
-                <a16:creationId xmlns:a16="http://schemas.microsoft.com/office/drawing/2014/main" id="{C5E6CFF1-2F42-4E10-9A97-F116F46F53FE}"/>
+                <a16:creationId xmlns:a16="http://schemas.microsoft.com/office/drawing/2014/main" id="{71B2258F-86CA-4D4D-8270-BC05FCDEBFB3}"/>
               </a:ext>
               <a:ext uri="{C183D7F6-B498-43B3-948B-1728B52AA6E4}">
                 <adec:decorative xmlns:adec="http://schemas.microsoft.com/office/drawing/2017/decorative" val="1"/>
@@ -12734,7 +12710,7 @@
         <p:spPr>
           <a:xfrm>
             <a:off x="0" y="0"/>
-            <a:ext cx="12192000" cy="6858000"/>
+            <a:ext cx="12192000" cy="6857999"/>
           </a:xfrm>
           <a:prstGeom prst="rect">
             <a:avLst/>
@@ -12831,112 +12807,58 @@
         </p:nvSpPr>
         <p:spPr>
           <a:xfrm>
-            <a:off x="838201" y="1065862"/>
-            <a:ext cx="3313164" cy="4726276"/>
+            <a:off x="1524000" y="1427162"/>
+            <a:ext cx="9144000" cy="2900518"/>
           </a:xfrm>
         </p:spPr>
         <p:txBody>
-          <a:bodyPr>
+          <a:bodyPr vert="horz" lIns="91440" tIns="45720" rIns="91440" bIns="45720" rtlCol="0" anchor="b">
             <a:normAutofit/>
           </a:bodyPr>
           <a:lstStyle/>
           <a:p>
-            <a:pPr algn="r"/>
+            <a:pPr algn="ctr"/>
             <a:r>
-              <a:rPr lang="pt-BR" sz="4000" dirty="0">
+              <a:rPr lang="en-US" sz="6000" dirty="0" err="1">
                 <a:solidFill>
                   <a:srgbClr val="FFFFFF"/>
                 </a:solidFill>
+                <a:latin typeface="Franklin Gothic Medium" panose="020B0603020102020204" pitchFamily="34" charset="0"/>
               </a:rPr>
-              <a:t>Site</a:t>
+              <a:t>Apresentação</a:t>
             </a:r>
-          </a:p>
-        </p:txBody>
-      </p:sp>
-      <p:cxnSp>
-        <p:nvCxnSpPr>
-          <p:cNvPr id="11" name="Straight Connector 10">
-            <a:extLst>
-              <a:ext uri="{FF2B5EF4-FFF2-40B4-BE49-F238E27FC236}">
-                <a16:creationId xmlns:a16="http://schemas.microsoft.com/office/drawing/2014/main" id="{67182200-4859-4C8D-BCBB-55B245C28BA3}"/>
-              </a:ext>
-              <a:ext uri="{C183D7F6-B498-43B3-948B-1728B52AA6E4}">
-                <adec:decorative xmlns:adec="http://schemas.microsoft.com/office/drawing/2017/decorative" val="1"/>
-              </a:ext>
-            </a:extLst>
-          </p:cNvPr>
-          <p:cNvCxnSpPr>
-            <a:cxnSpLocks noGrp="1" noRot="1" noChangeAspect="1" noMove="1" noResize="1" noEditPoints="1" noAdjustHandles="1" noChangeArrowheads="1" noChangeShapeType="1"/>
-          </p:cNvCxnSpPr>
-          <p:nvPr>
-            <p:extLst>
-              <p:ext uri="{386F3935-93C4-4BCD-93E2-E3B085C9AB24}">
-                <p16:designElem xmlns:p16="http://schemas.microsoft.com/office/powerpoint/2015/main" val="1"/>
-              </p:ext>
-            </p:extLst>
-          </p:nvPr>
-        </p:nvCxnSpPr>
-        <p:spPr>
-          <a:xfrm>
-            <a:off x="4653372" y="2286000"/>
-            <a:ext cx="0" cy="2286000"/>
-          </a:xfrm>
-          <a:prstGeom prst="line">
-            <a:avLst/>
-          </a:prstGeom>
-          <a:ln w="15875">
-            <a:solidFill>
-              <a:srgbClr val="FFFFFF"/>
-            </a:solidFill>
-          </a:ln>
-        </p:spPr>
-        <p:style>
-          <a:lnRef idx="1">
-            <a:schemeClr val="accent1"/>
-          </a:lnRef>
-          <a:fillRef idx="0">
-            <a:schemeClr val="accent1"/>
-          </a:fillRef>
-          <a:effectRef idx="0">
-            <a:schemeClr val="accent1"/>
-          </a:effectRef>
-          <a:fontRef idx="minor">
-            <a:schemeClr val="tx1"/>
-          </a:fontRef>
-        </p:style>
-      </p:cxnSp>
-      <p:sp>
-        <p:nvSpPr>
-          <p:cNvPr id="3" name="Content Placeholder 2">
-            <a:extLst>
-              <a:ext uri="{FF2B5EF4-FFF2-40B4-BE49-F238E27FC236}">
-                <a16:creationId xmlns:a16="http://schemas.microsoft.com/office/drawing/2014/main" id="{2272F8D8-67FB-48CE-8E34-F24D5C2BC4A5}"/>
-              </a:ext>
-            </a:extLst>
-          </p:cNvPr>
-          <p:cNvSpPr>
-            <a:spLocks noGrp="1"/>
-          </p:cNvSpPr>
-          <p:nvPr>
-            <p:ph idx="1"/>
-          </p:nvPr>
-        </p:nvSpPr>
-        <p:spPr>
-          <a:xfrm>
-            <a:off x="5155379" y="1065862"/>
-            <a:ext cx="5744685" cy="4726276"/>
-          </a:xfrm>
-        </p:spPr>
-        <p:txBody>
-          <a:bodyPr anchor="ctr">
-            <a:normAutofit/>
-          </a:bodyPr>
-          <a:lstStyle/>
-          <a:p>
-            <a:endParaRPr lang="pt-BR" sz="2000">
+            <a:r>
+              <a:rPr lang="en-US" sz="6000" dirty="0">
+                <a:solidFill>
+                  <a:srgbClr val="FFFFFF"/>
+                </a:solidFill>
+                <a:latin typeface="Franklin Gothic Medium" panose="020B0603020102020204" pitchFamily="34" charset="0"/>
+              </a:rPr>
+              <a:t> do Site e da </a:t>
+            </a:r>
+            <a:r>
+              <a:rPr lang="en-US" sz="6000" dirty="0" err="1">
+                <a:solidFill>
+                  <a:srgbClr val="FFFFFF"/>
+                </a:solidFill>
+                <a:latin typeface="Franklin Gothic Medium" panose="020B0603020102020204" pitchFamily="34" charset="0"/>
+              </a:rPr>
+              <a:t>Tela</a:t>
+            </a:r>
+            <a:r>
+              <a:rPr lang="en-US" sz="6000" dirty="0">
+                <a:solidFill>
+                  <a:srgbClr val="FFFFFF"/>
+                </a:solidFill>
+                <a:latin typeface="Franklin Gothic Medium" panose="020B0603020102020204" pitchFamily="34" charset="0"/>
+              </a:rPr>
+              <a:t> de Login</a:t>
+            </a:r>
+            <a:endParaRPr lang="en-US" sz="6000" kern="1200" dirty="0">
               <a:solidFill>
                 <a:srgbClr val="FFFFFF"/>
               </a:solidFill>
+              <a:latin typeface="Franklin Gothic Medium" panose="020B0603020102020204" pitchFamily="34" charset="0"/>
             </a:endParaRPr>
           </a:p>
         </p:txBody>

--- a/Apresentação-PI.pptx
+++ b/Apresentação-PI.pptx
@@ -619,7 +619,7 @@
           <a:p>
             <a:fld id="{CC99361F-9B3E-4AC8-BA95-CA8AA4980469}" type="datetimeFigureOut">
               <a:rPr lang="pt-BR" smtClean="0"/>
-              <a:t>20/10/2019</a:t>
+              <a:t>21/10/2019</a:t>
             </a:fld>
             <a:endParaRPr lang="pt-BR"/>
           </a:p>
@@ -673,7 +673,7 @@
           <a:p>
             <a:fld id="{D88F5555-687E-4E94-AC5C-A34F1001606E}" type="slidenum">
               <a:rPr lang="pt-BR" smtClean="0"/>
-              <a:t>‹#›</a:t>
+              <a:t>‹nº›</a:t>
             </a:fld>
             <a:endParaRPr lang="pt-BR"/>
           </a:p>
@@ -819,7 +819,7 @@
           <a:p>
             <a:fld id="{CC99361F-9B3E-4AC8-BA95-CA8AA4980469}" type="datetimeFigureOut">
               <a:rPr lang="pt-BR" smtClean="0"/>
-              <a:t>20/10/2019</a:t>
+              <a:t>21/10/2019</a:t>
             </a:fld>
             <a:endParaRPr lang="pt-BR"/>
           </a:p>
@@ -873,7 +873,7 @@
           <a:p>
             <a:fld id="{D88F5555-687E-4E94-AC5C-A34F1001606E}" type="slidenum">
               <a:rPr lang="pt-BR" smtClean="0"/>
-              <a:t>‹#›</a:t>
+              <a:t>‹nº›</a:t>
             </a:fld>
             <a:endParaRPr lang="pt-BR"/>
           </a:p>
@@ -1029,7 +1029,7 @@
           <a:p>
             <a:fld id="{CC99361F-9B3E-4AC8-BA95-CA8AA4980469}" type="datetimeFigureOut">
               <a:rPr lang="pt-BR" smtClean="0"/>
-              <a:t>20/10/2019</a:t>
+              <a:t>21/10/2019</a:t>
             </a:fld>
             <a:endParaRPr lang="pt-BR"/>
           </a:p>
@@ -1083,7 +1083,7 @@
           <a:p>
             <a:fld id="{D88F5555-687E-4E94-AC5C-A34F1001606E}" type="slidenum">
               <a:rPr lang="pt-BR" smtClean="0"/>
-              <a:t>‹#›</a:t>
+              <a:t>‹nº›</a:t>
             </a:fld>
             <a:endParaRPr lang="pt-BR"/>
           </a:p>
@@ -1229,7 +1229,7 @@
           <a:p>
             <a:fld id="{CC99361F-9B3E-4AC8-BA95-CA8AA4980469}" type="datetimeFigureOut">
               <a:rPr lang="pt-BR" smtClean="0"/>
-              <a:t>20/10/2019</a:t>
+              <a:t>21/10/2019</a:t>
             </a:fld>
             <a:endParaRPr lang="pt-BR"/>
           </a:p>
@@ -1283,7 +1283,7 @@
           <a:p>
             <a:fld id="{D88F5555-687E-4E94-AC5C-A34F1001606E}" type="slidenum">
               <a:rPr lang="pt-BR" smtClean="0"/>
-              <a:t>‹#›</a:t>
+              <a:t>‹nº›</a:t>
             </a:fld>
             <a:endParaRPr lang="pt-BR"/>
           </a:p>
@@ -1505,7 +1505,7 @@
           <a:p>
             <a:fld id="{CC99361F-9B3E-4AC8-BA95-CA8AA4980469}" type="datetimeFigureOut">
               <a:rPr lang="pt-BR" smtClean="0"/>
-              <a:t>20/10/2019</a:t>
+              <a:t>21/10/2019</a:t>
             </a:fld>
             <a:endParaRPr lang="pt-BR"/>
           </a:p>
@@ -1559,7 +1559,7 @@
           <a:p>
             <a:fld id="{D88F5555-687E-4E94-AC5C-A34F1001606E}" type="slidenum">
               <a:rPr lang="pt-BR" smtClean="0"/>
-              <a:t>‹#›</a:t>
+              <a:t>‹nº›</a:t>
             </a:fld>
             <a:endParaRPr lang="pt-BR"/>
           </a:p>
@@ -1773,7 +1773,7 @@
           <a:p>
             <a:fld id="{CC99361F-9B3E-4AC8-BA95-CA8AA4980469}" type="datetimeFigureOut">
               <a:rPr lang="pt-BR" smtClean="0"/>
-              <a:t>20/10/2019</a:t>
+              <a:t>21/10/2019</a:t>
             </a:fld>
             <a:endParaRPr lang="pt-BR"/>
           </a:p>
@@ -1827,7 +1827,7 @@
           <a:p>
             <a:fld id="{D88F5555-687E-4E94-AC5C-A34F1001606E}" type="slidenum">
               <a:rPr lang="pt-BR" smtClean="0"/>
-              <a:t>‹#›</a:t>
+              <a:t>‹nº›</a:t>
             </a:fld>
             <a:endParaRPr lang="pt-BR"/>
           </a:p>
@@ -2188,7 +2188,7 @@
           <a:p>
             <a:fld id="{CC99361F-9B3E-4AC8-BA95-CA8AA4980469}" type="datetimeFigureOut">
               <a:rPr lang="pt-BR" smtClean="0"/>
-              <a:t>20/10/2019</a:t>
+              <a:t>21/10/2019</a:t>
             </a:fld>
             <a:endParaRPr lang="pt-BR"/>
           </a:p>
@@ -2242,7 +2242,7 @@
           <a:p>
             <a:fld id="{D88F5555-687E-4E94-AC5C-A34F1001606E}" type="slidenum">
               <a:rPr lang="pt-BR" smtClean="0"/>
-              <a:t>‹#›</a:t>
+              <a:t>‹nº›</a:t>
             </a:fld>
             <a:endParaRPr lang="pt-BR"/>
           </a:p>
@@ -2330,7 +2330,7 @@
           <a:p>
             <a:fld id="{CC99361F-9B3E-4AC8-BA95-CA8AA4980469}" type="datetimeFigureOut">
               <a:rPr lang="pt-BR" smtClean="0"/>
-              <a:t>20/10/2019</a:t>
+              <a:t>21/10/2019</a:t>
             </a:fld>
             <a:endParaRPr lang="pt-BR"/>
           </a:p>
@@ -2384,7 +2384,7 @@
           <a:p>
             <a:fld id="{D88F5555-687E-4E94-AC5C-A34F1001606E}" type="slidenum">
               <a:rPr lang="pt-BR" smtClean="0"/>
-              <a:t>‹#›</a:t>
+              <a:t>‹nº›</a:t>
             </a:fld>
             <a:endParaRPr lang="pt-BR"/>
           </a:p>
@@ -2443,7 +2443,7 @@
           <a:p>
             <a:fld id="{CC99361F-9B3E-4AC8-BA95-CA8AA4980469}" type="datetimeFigureOut">
               <a:rPr lang="pt-BR" smtClean="0"/>
-              <a:t>20/10/2019</a:t>
+              <a:t>21/10/2019</a:t>
             </a:fld>
             <a:endParaRPr lang="pt-BR"/>
           </a:p>
@@ -2497,7 +2497,7 @@
           <a:p>
             <a:fld id="{D88F5555-687E-4E94-AC5C-A34F1001606E}" type="slidenum">
               <a:rPr lang="pt-BR" smtClean="0"/>
-              <a:t>‹#›</a:t>
+              <a:t>‹nº›</a:t>
             </a:fld>
             <a:endParaRPr lang="pt-BR"/>
           </a:p>
@@ -2756,7 +2756,7 @@
           <a:p>
             <a:fld id="{CC99361F-9B3E-4AC8-BA95-CA8AA4980469}" type="datetimeFigureOut">
               <a:rPr lang="pt-BR" smtClean="0"/>
-              <a:t>20/10/2019</a:t>
+              <a:t>21/10/2019</a:t>
             </a:fld>
             <a:endParaRPr lang="pt-BR"/>
           </a:p>
@@ -2810,7 +2810,7 @@
           <a:p>
             <a:fld id="{D88F5555-687E-4E94-AC5C-A34F1001606E}" type="slidenum">
               <a:rPr lang="pt-BR" smtClean="0"/>
-              <a:t>‹#›</a:t>
+              <a:t>‹nº›</a:t>
             </a:fld>
             <a:endParaRPr lang="pt-BR"/>
           </a:p>
@@ -3045,7 +3045,7 @@
           <a:p>
             <a:fld id="{CC99361F-9B3E-4AC8-BA95-CA8AA4980469}" type="datetimeFigureOut">
               <a:rPr lang="pt-BR" smtClean="0"/>
-              <a:t>20/10/2019</a:t>
+              <a:t>21/10/2019</a:t>
             </a:fld>
             <a:endParaRPr lang="pt-BR"/>
           </a:p>
@@ -3099,7 +3099,7 @@
           <a:p>
             <a:fld id="{D88F5555-687E-4E94-AC5C-A34F1001606E}" type="slidenum">
               <a:rPr lang="pt-BR" smtClean="0"/>
-              <a:t>‹#›</a:t>
+              <a:t>‹nº›</a:t>
             </a:fld>
             <a:endParaRPr lang="pt-BR"/>
           </a:p>
@@ -3288,7 +3288,7 @@
           <a:p>
             <a:fld id="{CC99361F-9B3E-4AC8-BA95-CA8AA4980469}" type="datetimeFigureOut">
               <a:rPr lang="pt-BR" smtClean="0"/>
-              <a:t>20/10/2019</a:t>
+              <a:t>21/10/2019</a:t>
             </a:fld>
             <a:endParaRPr lang="pt-BR"/>
           </a:p>
@@ -3378,7 +3378,7 @@
           <a:p>
             <a:fld id="{D88F5555-687E-4E94-AC5C-A34F1001606E}" type="slidenum">
               <a:rPr lang="pt-BR" smtClean="0"/>
-              <a:t>‹#›</a:t>
+              <a:t>‹nº›</a:t>
             </a:fld>
             <a:endParaRPr lang="pt-BR"/>
           </a:p>
@@ -4677,40 +4677,13 @@
           <a:p>
             <a:pPr algn="ctr"/>
             <a:r>
-              <a:rPr lang="en-US" sz="6000" dirty="0" err="1">
-                <a:solidFill>
-                  <a:srgbClr val="FFFFFF"/>
-                </a:solidFill>
-                <a:latin typeface="Franklin Gothic Medium" panose="020B0603020102020204" pitchFamily="34" charset="0"/>
-              </a:rPr>
-              <a:t>Apresentação</a:t>
-            </a:r>
-            <a:r>
               <a:rPr lang="en-US" sz="6000" dirty="0">
                 <a:solidFill>
                   <a:srgbClr val="FFFFFF"/>
                 </a:solidFill>
                 <a:latin typeface="Franklin Gothic Medium" panose="020B0603020102020204" pitchFamily="34" charset="0"/>
               </a:rPr>
-              <a:t> da </a:t>
-            </a:r>
-            <a:r>
-              <a:rPr lang="en-US" sz="6000" dirty="0" err="1">
-                <a:solidFill>
-                  <a:srgbClr val="FFFFFF"/>
-                </a:solidFill>
-                <a:latin typeface="Franklin Gothic Medium" panose="020B0603020102020204" pitchFamily="34" charset="0"/>
-              </a:rPr>
-              <a:t>criação</a:t>
-            </a:r>
-            <a:r>
-              <a:rPr lang="en-US" sz="6000" dirty="0">
-                <a:solidFill>
-                  <a:srgbClr val="FFFFFF"/>
-                </a:solidFill>
-                <a:latin typeface="Franklin Gothic Medium" panose="020B0603020102020204" pitchFamily="34" charset="0"/>
-              </a:rPr>
-              <a:t> do banco de dados no Azure</a:t>
+              <a:t>Apresentação da criação do banco de dados no Azure</a:t>
             </a:r>
             <a:endParaRPr lang="en-US" sz="6000" kern="1200" dirty="0">
               <a:solidFill>
@@ -4838,10 +4811,10 @@
       </p:sp>
       <p:pic>
         <p:nvPicPr>
-          <p:cNvPr id="6" name="Imagem 2">
+          <p:cNvPr id="2" name="Imagem 1">
             <a:extLst>
               <a:ext uri="{FF2B5EF4-FFF2-40B4-BE49-F238E27FC236}">
-                <a16:creationId xmlns:a16="http://schemas.microsoft.com/office/drawing/2014/main" id="{EAED6DF8-92EE-4309-B5F2-7FAAAA052641}"/>
+                <a16:creationId xmlns:a16="http://schemas.microsoft.com/office/drawing/2014/main" id="{B1C2BDCE-D742-45ED-BC31-11DA4C849CF2}"/>
               </a:ext>
             </a:extLst>
           </p:cNvPr>
@@ -4850,15 +4823,16 @@
           </p:cNvPicPr>
           <p:nvPr/>
         </p:nvPicPr>
-        <p:blipFill rotWithShape="1">
+        <p:blipFill>
           <a:blip r:embed="rId4"/>
-          <a:srcRect l="-117" t="1828" r="117" b="1029"/>
-          <a:stretch/>
+          <a:stretch>
+            <a:fillRect/>
+          </a:stretch>
         </p:blipFill>
         <p:spPr>
           <a:xfrm>
-            <a:off x="495300" y="2017546"/>
-            <a:ext cx="11201400" cy="3701143"/>
+            <a:off x="782384" y="2017546"/>
+            <a:ext cx="10596191" cy="3539192"/>
           </a:xfrm>
           <a:prstGeom prst="rect">
             <a:avLst/>
@@ -12819,47 +12793,14 @@
           <a:p>
             <a:pPr algn="ctr"/>
             <a:r>
-              <a:rPr lang="en-US" sz="6000" dirty="0" err="1">
+              <a:rPr lang="en-US" sz="6000" kern="1200" dirty="0">
                 <a:solidFill>
                   <a:srgbClr val="FFFFFF"/>
                 </a:solidFill>
                 <a:latin typeface="Franklin Gothic Medium" panose="020B0603020102020204" pitchFamily="34" charset="0"/>
               </a:rPr>
-              <a:t>Apresentação</a:t>
+              <a:t>DEMONSTRAÇÃO DO SITE</a:t>
             </a:r>
-            <a:r>
-              <a:rPr lang="en-US" sz="6000" dirty="0">
-                <a:solidFill>
-                  <a:srgbClr val="FFFFFF"/>
-                </a:solidFill>
-                <a:latin typeface="Franklin Gothic Medium" panose="020B0603020102020204" pitchFamily="34" charset="0"/>
-              </a:rPr>
-              <a:t> do Site e da </a:t>
-            </a:r>
-            <a:r>
-              <a:rPr lang="en-US" sz="6000" dirty="0" err="1">
-                <a:solidFill>
-                  <a:srgbClr val="FFFFFF"/>
-                </a:solidFill>
-                <a:latin typeface="Franklin Gothic Medium" panose="020B0603020102020204" pitchFamily="34" charset="0"/>
-              </a:rPr>
-              <a:t>Tela</a:t>
-            </a:r>
-            <a:r>
-              <a:rPr lang="en-US" sz="6000" dirty="0">
-                <a:solidFill>
-                  <a:srgbClr val="FFFFFF"/>
-                </a:solidFill>
-                <a:latin typeface="Franklin Gothic Medium" panose="020B0603020102020204" pitchFamily="34" charset="0"/>
-              </a:rPr>
-              <a:t> de Login</a:t>
-            </a:r>
-            <a:endParaRPr lang="en-US" sz="6000" kern="1200" dirty="0">
-              <a:solidFill>
-                <a:srgbClr val="FFFFFF"/>
-              </a:solidFill>
-              <a:latin typeface="Franklin Gothic Medium" panose="020B0603020102020204" pitchFamily="34" charset="0"/>
-            </a:endParaRPr>
           </a:p>
         </p:txBody>
       </p:sp>

--- a/Apresentação-PI.pptx
+++ b/Apresentação-PI.pptx
@@ -3994,6 +3994,18 @@
   <p:clrMapOvr>
     <a:overrideClrMapping bg1="dk1" tx1="lt1" bg2="dk2" tx2="lt2" accent1="accent1" accent2="accent2" accent3="accent3" accent4="accent4" accent5="accent5" accent6="accent6" hlink="hlink" folHlink="folHlink"/>
   </p:clrMapOvr>
+  <mc:AlternateContent xmlns:mc="http://schemas.openxmlformats.org/markup-compatibility/2006">
+    <mc:Choice xmlns:p14="http://schemas.microsoft.com/office/powerpoint/2010/main" Requires="p14">
+      <p:transition spd="slow" p14:dur="1400">
+        <p14:doors dir="vert"/>
+      </p:transition>
+    </mc:Choice>
+    <mc:Fallback>
+      <p:transition spd="slow">
+        <p:fade/>
+      </p:transition>
+    </mc:Fallback>
+  </mc:AlternateContent>
 </p:sld>
 </file>
 
@@ -4254,6 +4266,18 @@
   <p:clrMapOvr>
     <a:overrideClrMapping bg1="dk1" tx1="lt1" bg2="dk2" tx2="lt2" accent1="accent1" accent2="accent2" accent3="accent3" accent4="accent4" accent5="accent5" accent6="accent6" hlink="hlink" folHlink="folHlink"/>
   </p:clrMapOvr>
+  <mc:AlternateContent xmlns:mc="http://schemas.openxmlformats.org/markup-compatibility/2006">
+    <mc:Choice xmlns:p14="http://schemas.microsoft.com/office/powerpoint/2010/main" Requires="p14">
+      <p:transition spd="slow" p14:dur="1600">
+        <p14:gallery dir="l"/>
+      </p:transition>
+    </mc:Choice>
+    <mc:Fallback>
+      <p:transition spd="slow">
+        <p:fade/>
+      </p:transition>
+    </mc:Fallback>
+  </mc:AlternateContent>
 </p:sld>
 </file>
 
@@ -4514,6 +4538,18 @@
   <p:clrMapOvr>
     <a:overrideClrMapping bg1="dk1" tx1="lt1" bg2="dk2" tx2="lt2" accent1="accent1" accent2="accent2" accent3="accent3" accent4="accent4" accent5="accent5" accent6="accent6" hlink="hlink" folHlink="folHlink"/>
   </p:clrMapOvr>
+  <mc:AlternateContent xmlns:mc="http://schemas.openxmlformats.org/markup-compatibility/2006">
+    <mc:Choice xmlns:p14="http://schemas.microsoft.com/office/powerpoint/2010/main" Requires="p14">
+      <p:transition spd="slow" p14:dur="1600">
+        <p14:gallery dir="l"/>
+      </p:transition>
+    </mc:Choice>
+    <mc:Fallback>
+      <p:transition spd="slow">
+        <p:fade/>
+      </p:transition>
+    </mc:Fallback>
+  </mc:AlternateContent>
 </p:sld>
 </file>
 
@@ -4704,6 +4740,18 @@
   <p:clrMapOvr>
     <a:overrideClrMapping bg1="dk1" tx1="lt1" bg2="dk2" tx2="lt2" accent1="accent1" accent2="accent2" accent3="accent3" accent4="accent4" accent5="accent5" accent6="accent6" hlink="hlink" folHlink="folHlink"/>
   </p:clrMapOvr>
+  <mc:AlternateContent xmlns:mc="http://schemas.openxmlformats.org/markup-compatibility/2006">
+    <mc:Choice xmlns:p14="http://schemas.microsoft.com/office/powerpoint/2010/main" Requires="p14">
+      <p:transition spd="slow" p14:dur="1250">
+        <p14:switch dir="r"/>
+      </p:transition>
+    </mc:Choice>
+    <mc:Fallback>
+      <p:transition spd="slow">
+        <p:fade/>
+      </p:transition>
+    </mc:Fallback>
+  </mc:AlternateContent>
 </p:sld>
 </file>
 
@@ -4849,6 +4897,18 @@
   <p:clrMapOvr>
     <a:overrideClrMapping bg1="dk1" tx1="lt1" bg2="dk2" tx2="lt2" accent1="accent1" accent2="accent2" accent3="accent3" accent4="accent4" accent5="accent5" accent6="accent6" hlink="hlink" folHlink="folHlink"/>
   </p:clrMapOvr>
+  <mc:AlternateContent xmlns:mc="http://schemas.openxmlformats.org/markup-compatibility/2006">
+    <mc:Choice xmlns:p14="http://schemas.microsoft.com/office/powerpoint/2010/main" Requires="p14">
+      <p:transition spd="slow" p14:dur="1600">
+        <p14:gallery dir="l"/>
+      </p:transition>
+    </mc:Choice>
+    <mc:Fallback>
+      <p:transition spd="slow">
+        <p:fade/>
+      </p:transition>
+    </mc:Fallback>
+  </mc:AlternateContent>
 </p:sld>
 </file>
 
@@ -5032,6 +5092,9 @@
   <p:clrMapOvr>
     <a:overrideClrMapping bg1="dk1" tx1="lt1" bg2="dk2" tx2="lt2" accent1="accent1" accent2="accent2" accent3="accent3" accent4="accent4" accent5="accent5" accent6="accent6" hlink="hlink" folHlink="folHlink"/>
   </p:clrMapOvr>
+  <p:transition spd="slow">
+    <p:comb/>
+  </p:transition>
 </p:sld>
 </file>
 
@@ -5170,7 +5233,7 @@
                 <a:latin typeface="Franklin Gothic Medium" panose="020B0603020102020204" pitchFamily="34" charset="0"/>
                 <a:cs typeface="Times New Roman" panose="02020603050405020304" pitchFamily="18" charset="0"/>
               </a:rPr>
-              <a:t>	Um dos grandes problemas das empresas de varejo é a quantidade de tempo que os clientes enfrentam em filas de pagamento. Esse problema faz com que clientes dessistam de comprar.</a:t>
+              <a:t>	Um dos grandes problemas das empresas de varejo é a quantidade de tempo que os clientes enfrentam em filas de pagamento. Esse problema faz com que clientes desistam de comprar.</a:t>
             </a:r>
             <a:endParaRPr lang="pt-BR" dirty="0">
               <a:solidFill>
@@ -5223,6 +5286,18 @@
   <p:clrMapOvr>
     <a:masterClrMapping/>
   </p:clrMapOvr>
+  <mc:AlternateContent xmlns:mc="http://schemas.openxmlformats.org/markup-compatibility/2006">
+    <mc:Choice xmlns:p14="http://schemas.microsoft.com/office/powerpoint/2010/main" Requires="p14">
+      <p:transition spd="slow" p14:dur="1200">
+        <p14:prism/>
+      </p:transition>
+    </mc:Choice>
+    <mc:Fallback>
+      <p:transition spd="slow">
+        <p:fade/>
+      </p:transition>
+    </mc:Fallback>
+  </mc:AlternateContent>
 </p:sld>
 </file>
 
@@ -5375,7 +5450,7 @@
                 <a:latin typeface="Franklin Gothic Medium" panose="020B0603020102020204" pitchFamily="34" charset="0"/>
                 <a:cs typeface="Times New Roman" panose="02020603050405020304" pitchFamily="18" charset="0"/>
               </a:rPr>
-              <a:t>	A demora nas filas geram estresse e desistência da compra, fazendo com  que o mesmo venha perder seu tempo e não tem mais credibilidade com a loja ; e também a loja, pois perde a confiabilidade dos clientes por conta da espera e gera conflito em horários corridos.</a:t>
+              <a:t>	A demora nas filas geram estresse e desistência da compra, fazendo com  que o mesmo venha perder seu tempo e não tenham mais vontade de frequentear a loja. A loja tambem perde a confiabilidade dos clientes por conta da espera e gera conflito em horários corridos.</a:t>
             </a:r>
             <a:endParaRPr lang="pt-BR" dirty="0">
               <a:solidFill>
@@ -5506,6 +5581,18 @@
   <p:clrMapOvr>
     <a:masterClrMapping/>
   </p:clrMapOvr>
+  <mc:AlternateContent xmlns:mc="http://schemas.openxmlformats.org/markup-compatibility/2006">
+    <mc:Choice xmlns:p14="http://schemas.microsoft.com/office/powerpoint/2010/main" Requires="p14">
+      <p:transition spd="slow" p14:dur="1200">
+        <p14:prism/>
+      </p:transition>
+    </mc:Choice>
+    <mc:Fallback>
+      <p:transition spd="slow">
+        <p:fade/>
+      </p:transition>
+    </mc:Fallback>
+  </mc:AlternateContent>
 </p:sld>
 </file>
 
@@ -5735,6 +5822,18 @@
   <p:clrMapOvr>
     <a:overrideClrMapping bg1="dk1" tx1="lt1" bg2="dk2" tx2="lt2" accent1="accent1" accent2="accent2" accent3="accent3" accent4="accent4" accent5="accent5" accent6="accent6" hlink="hlink" folHlink="folHlink"/>
   </p:clrMapOvr>
+  <mc:AlternateContent xmlns:mc="http://schemas.openxmlformats.org/markup-compatibility/2006">
+    <mc:Choice xmlns:p14="http://schemas.microsoft.com/office/powerpoint/2010/main" Requires="p14">
+      <p:transition spd="slow" p14:dur="1200">
+        <p14:prism/>
+      </p:transition>
+    </mc:Choice>
+    <mc:Fallback>
+      <p:transition spd="slow">
+        <p:fade/>
+      </p:transition>
+    </mc:Fallback>
+  </mc:AlternateContent>
 </p:sld>
 </file>
 
@@ -6267,6 +6366,18 @@
   <p:clrMapOvr>
     <a:overrideClrMapping bg1="dk1" tx1="lt1" bg2="dk2" tx2="lt2" accent1="accent1" accent2="accent2" accent3="accent3" accent4="accent4" accent5="accent5" accent6="accent6" hlink="hlink" folHlink="folHlink"/>
   </p:clrMapOvr>
+  <mc:AlternateContent xmlns:mc="http://schemas.openxmlformats.org/markup-compatibility/2006">
+    <mc:Choice xmlns:p14="http://schemas.microsoft.com/office/powerpoint/2010/main" Requires="p14">
+      <p:transition spd="slow" p14:dur="1200">
+        <p14:prism/>
+      </p:transition>
+    </mc:Choice>
+    <mc:Fallback>
+      <p:transition spd="slow">
+        <p:fade/>
+      </p:transition>
+    </mc:Fallback>
+  </mc:AlternateContent>
 </p:sld>
 </file>
 
@@ -6527,6 +6638,18 @@
   <p:clrMapOvr>
     <a:overrideClrMapping bg1="dk1" tx1="lt1" bg2="dk2" tx2="lt2" accent1="accent1" accent2="accent2" accent3="accent3" accent4="accent4" accent5="accent5" accent6="accent6" hlink="hlink" folHlink="folHlink"/>
   </p:clrMapOvr>
+  <mc:AlternateContent xmlns:mc="http://schemas.openxmlformats.org/markup-compatibility/2006">
+    <mc:Choice xmlns:p14="http://schemas.microsoft.com/office/powerpoint/2010/main" Requires="p14">
+      <p:transition spd="slow" p14:dur="1600">
+        <p14:gallery dir="l"/>
+      </p:transition>
+    </mc:Choice>
+    <mc:Fallback>
+      <p:transition spd="slow">
+        <p:fade/>
+      </p:transition>
+    </mc:Fallback>
+  </mc:AlternateContent>
 </p:sld>
 </file>
 
@@ -6787,6 +6910,18 @@
   <p:clrMapOvr>
     <a:overrideClrMapping bg1="dk1" tx1="lt1" bg2="dk2" tx2="lt2" accent1="accent1" accent2="accent2" accent3="accent3" accent4="accent4" accent5="accent5" accent6="accent6" hlink="hlink" folHlink="folHlink"/>
   </p:clrMapOvr>
+  <mc:AlternateContent xmlns:mc="http://schemas.openxmlformats.org/markup-compatibility/2006">
+    <mc:Choice xmlns:p14="http://schemas.microsoft.com/office/powerpoint/2010/main" Requires="p14">
+      <p:transition spd="slow" p14:dur="1600">
+        <p14:gallery dir="l"/>
+      </p:transition>
+    </mc:Choice>
+    <mc:Fallback>
+      <p:transition spd="slow">
+        <p:fade/>
+      </p:transition>
+    </mc:Fallback>
+  </mc:AlternateContent>
 </p:sld>
 </file>
 
@@ -12630,6 +12765,18 @@
   <p:clrMapOvr>
     <a:overrideClrMapping bg1="dk1" tx1="lt1" bg2="dk2" tx2="lt2" accent1="accent1" accent2="accent2" accent3="accent3" accent4="accent4" accent5="accent5" accent6="accent6" hlink="hlink" folHlink="folHlink"/>
   </p:clrMapOvr>
+  <mc:AlternateContent xmlns:mc="http://schemas.openxmlformats.org/markup-compatibility/2006">
+    <mc:Choice xmlns:p14="http://schemas.microsoft.com/office/powerpoint/2010/main" Requires="p14">
+      <p:transition spd="slow" p14:dur="1600">
+        <p14:gallery dir="l"/>
+      </p:transition>
+    </mc:Choice>
+    <mc:Fallback>
+      <p:transition spd="slow">
+        <p:fade/>
+      </p:transition>
+    </mc:Fallback>
+  </mc:AlternateContent>
 </p:sld>
 </file>
 
@@ -12814,6 +12961,18 @@
   <p:clrMapOvr>
     <a:overrideClrMapping bg1="dk1" tx1="lt1" bg2="dk2" tx2="lt2" accent1="accent1" accent2="accent2" accent3="accent3" accent4="accent4" accent5="accent5" accent6="accent6" hlink="hlink" folHlink="folHlink"/>
   </p:clrMapOvr>
+  <mc:AlternateContent xmlns:mc="http://schemas.openxmlformats.org/markup-compatibility/2006">
+    <mc:Choice xmlns:p14="http://schemas.microsoft.com/office/powerpoint/2010/main" Requires="p14">
+      <p:transition spd="slow" p14:dur="1250">
+        <p14:switch dir="r"/>
+      </p:transition>
+    </mc:Choice>
+    <mc:Fallback>
+      <p:transition spd="slow">
+        <p:fade/>
+      </p:transition>
+    </mc:Fallback>
+  </mc:AlternateContent>
 </p:sld>
 </file>
 
